--- a/figure.pptx
+++ b/figure.pptx
@@ -10103,7 +10103,7 @@
         </p:nvSpPr>
         <p:spPr>
           <a:xfrm>
-            <a:off x="613229" y="2523496"/>
+            <a:off x="1387929" y="2637796"/>
             <a:ext cx="2046514" cy="1823357"/>
           </a:xfrm>
           <a:prstGeom prst="rect">
@@ -10152,7 +10152,7 @@
         </p:nvSpPr>
         <p:spPr>
           <a:xfrm>
-            <a:off x="613229" y="2142497"/>
+            <a:off x="1387929" y="2256797"/>
             <a:ext cx="2046514" cy="381000"/>
           </a:xfrm>
           <a:prstGeom prst="rect">
@@ -10210,7 +10210,7 @@
         </p:nvSpPr>
         <p:spPr>
           <a:xfrm>
-            <a:off x="727529" y="2578450"/>
+            <a:off x="1502229" y="2692750"/>
             <a:ext cx="1082348" cy="738664"/>
           </a:xfrm>
           <a:prstGeom prst="rect">
@@ -10294,7 +10294,7 @@
         </p:nvSpPr>
         <p:spPr>
           <a:xfrm>
-            <a:off x="727529" y="3364023"/>
+            <a:off x="1502229" y="3478323"/>
             <a:ext cx="1330814" cy="954107"/>
           </a:xfrm>
           <a:prstGeom prst="rect">
@@ -10391,7 +10391,7 @@
         </p:nvSpPr>
         <p:spPr>
           <a:xfrm>
-            <a:off x="4448629" y="854527"/>
+            <a:off x="5223329" y="968827"/>
             <a:ext cx="2046514" cy="1823357"/>
           </a:xfrm>
           <a:prstGeom prst="rect">
@@ -10437,7 +10437,7 @@
         </p:nvSpPr>
         <p:spPr>
           <a:xfrm>
-            <a:off x="4448629" y="473528"/>
+            <a:off x="5223329" y="587828"/>
             <a:ext cx="2046514" cy="381000"/>
           </a:xfrm>
           <a:prstGeom prst="rect">
@@ -10487,7 +10487,7 @@
         </p:nvSpPr>
         <p:spPr>
           <a:xfrm>
-            <a:off x="4562929" y="926483"/>
+            <a:off x="5337629" y="1040783"/>
             <a:ext cx="1598515" cy="738664"/>
           </a:xfrm>
           <a:prstGeom prst="rect">
@@ -10571,7 +10571,7 @@
         </p:nvSpPr>
         <p:spPr>
           <a:xfrm>
-            <a:off x="4562929" y="1712056"/>
+            <a:off x="5337629" y="1826356"/>
             <a:ext cx="1330814" cy="954107"/>
           </a:xfrm>
           <a:prstGeom prst="rect">
@@ -10668,7 +10668,7 @@
         </p:nvSpPr>
         <p:spPr>
           <a:xfrm>
-            <a:off x="4448629" y="4077110"/>
+            <a:off x="5223329" y="4191410"/>
             <a:ext cx="2046514" cy="1823357"/>
           </a:xfrm>
           <a:prstGeom prst="rect">
@@ -10714,7 +10714,7 @@
         </p:nvSpPr>
         <p:spPr>
           <a:xfrm>
-            <a:off x="4448629" y="3696111"/>
+            <a:off x="5223329" y="3810411"/>
             <a:ext cx="2046514" cy="381000"/>
           </a:xfrm>
           <a:prstGeom prst="rect">
@@ -10764,7 +10764,7 @@
         </p:nvSpPr>
         <p:spPr>
           <a:xfrm>
-            <a:off x="4562929" y="4161377"/>
+            <a:off x="5337629" y="4275677"/>
             <a:ext cx="1638590" cy="738664"/>
           </a:xfrm>
           <a:prstGeom prst="rect">
@@ -10848,7 +10848,7 @@
         </p:nvSpPr>
         <p:spPr>
           <a:xfrm>
-            <a:off x="4562929" y="4946950"/>
+            <a:off x="5337629" y="5061250"/>
             <a:ext cx="1330814" cy="954107"/>
           </a:xfrm>
           <a:prstGeom prst="rect">
@@ -10948,7 +10948,7 @@
         </p:nvCxnSpPr>
         <p:spPr>
           <a:xfrm flipV="1">
-            <a:off x="2659743" y="1766206"/>
+            <a:off x="3434443" y="1880506"/>
             <a:ext cx="1788886" cy="1668969"/>
           </a:xfrm>
           <a:prstGeom prst="bentConnector3">
@@ -10991,7 +10991,7 @@
         </p:nvCxnSpPr>
         <p:spPr>
           <a:xfrm>
-            <a:off x="2659743" y="3435175"/>
+            <a:off x="3434443" y="3549475"/>
             <a:ext cx="1788886" cy="1553614"/>
           </a:xfrm>
           <a:prstGeom prst="bentConnector3">
@@ -11030,7 +11030,7 @@
         </p:nvSpPr>
         <p:spPr>
           <a:xfrm>
-            <a:off x="2566861" y="1224359"/>
+            <a:off x="3341561" y="1338659"/>
             <a:ext cx="1620957" cy="307777"/>
           </a:xfrm>
           <a:prstGeom prst="rect">
@@ -11072,7 +11072,7 @@
         </p:nvSpPr>
         <p:spPr>
           <a:xfrm>
-            <a:off x="2566861" y="5222859"/>
+            <a:off x="3341561" y="5337159"/>
             <a:ext cx="1620957" cy="307777"/>
           </a:xfrm>
           <a:prstGeom prst="rect">
@@ -11122,7 +11122,7 @@
         </p:nvSpPr>
         <p:spPr>
           <a:xfrm>
-            <a:off x="6884497" y="2097121"/>
+            <a:off x="7659197" y="2211421"/>
             <a:ext cx="2145139" cy="307777"/>
           </a:xfrm>
           <a:prstGeom prst="rect">
@@ -11178,7 +11178,7 @@
         </p:nvSpPr>
         <p:spPr>
           <a:xfrm>
-            <a:off x="6884496" y="1819974"/>
+            <a:off x="7659196" y="1934274"/>
             <a:ext cx="3308919" cy="307777"/>
           </a:xfrm>
           <a:prstGeom prst="rect">
@@ -11238,7 +11238,7 @@
         </p:nvCxnSpPr>
         <p:spPr>
           <a:xfrm flipH="1">
-            <a:off x="5937428" y="2251010"/>
+            <a:off x="6712128" y="2365310"/>
             <a:ext cx="947069" cy="0"/>
           </a:xfrm>
           <a:prstGeom prst="straightConnector1">
@@ -11278,7 +11278,7 @@
         </p:nvSpPr>
         <p:spPr>
           <a:xfrm>
-            <a:off x="5285983" y="2066344"/>
+            <a:off x="6060683" y="2180644"/>
             <a:ext cx="651445" cy="369332"/>
           </a:xfrm>
           <a:prstGeom prst="rect">
@@ -11310,7 +11310,7 @@
         </p:nvSpPr>
         <p:spPr>
           <a:xfrm>
-            <a:off x="5285982" y="1796506"/>
+            <a:off x="6060682" y="1910806"/>
             <a:ext cx="651445" cy="369332"/>
           </a:xfrm>
           <a:prstGeom prst="rect">
@@ -11342,7 +11342,7 @@
         </p:nvSpPr>
         <p:spPr>
           <a:xfrm>
-            <a:off x="5285982" y="1180376"/>
+            <a:off x="6060682" y="1294676"/>
             <a:ext cx="651445" cy="369332"/>
           </a:xfrm>
           <a:prstGeom prst="rect">
@@ -11377,7 +11377,7 @@
         </p:nvCxnSpPr>
         <p:spPr>
           <a:xfrm flipV="1">
-            <a:off x="5611705" y="1549708"/>
+            <a:off x="6386405" y="1664008"/>
             <a:ext cx="0" cy="246798"/>
           </a:xfrm>
           <a:prstGeom prst="straightConnector1">
@@ -11417,7 +11417,7 @@
         </p:nvSpPr>
         <p:spPr>
           <a:xfrm>
-            <a:off x="5787976" y="1540411"/>
+            <a:off x="6562676" y="1654711"/>
             <a:ext cx="2276585" cy="307777"/>
           </a:xfrm>
           <a:prstGeom prst="rect">
@@ -11473,7 +11473,7 @@
         </p:nvSpPr>
         <p:spPr>
           <a:xfrm>
-            <a:off x="6884496" y="2390829"/>
+            <a:off x="7659196" y="2505129"/>
             <a:ext cx="1970411" cy="307777"/>
           </a:xfrm>
           <a:prstGeom prst="rect">
@@ -11533,7 +11533,7 @@
         </p:nvCxnSpPr>
         <p:spPr>
           <a:xfrm flipH="1">
-            <a:off x="5937427" y="2544718"/>
+            <a:off x="6712127" y="2659018"/>
             <a:ext cx="947069" cy="0"/>
           </a:xfrm>
           <a:prstGeom prst="straightConnector1">
@@ -11573,7 +11573,7 @@
         </p:nvSpPr>
         <p:spPr>
           <a:xfrm>
-            <a:off x="5285982" y="2360052"/>
+            <a:off x="6060682" y="2474352"/>
             <a:ext cx="651445" cy="369332"/>
           </a:xfrm>
           <a:prstGeom prst="rect">
@@ -11609,7 +11609,7 @@
         </p:nvCxnSpPr>
         <p:spPr>
           <a:xfrm flipH="1">
-            <a:off x="5937427" y="1973863"/>
+            <a:off x="6712127" y="2088163"/>
             <a:ext cx="947069" cy="7309"/>
           </a:xfrm>
           <a:prstGeom prst="straightConnector1">
@@ -11635,6 +11635,563 @@
           </a:fontRef>
         </p:style>
       </p:cxnSp>
+      <p:sp>
+        <p:nvSpPr>
+          <p:cNvPr id="40" name="テキスト ボックス 39">
+            <a:extLst>
+              <a:ext uri="{FF2B5EF4-FFF2-40B4-BE49-F238E27FC236}">
+                <a16:creationId xmlns:a16="http://schemas.microsoft.com/office/drawing/2014/main" id="{7F50F12E-DB92-C6AC-700E-EE4DFE5C59B2}"/>
+              </a:ext>
+            </a:extLst>
+          </p:cNvPr>
+          <p:cNvSpPr txBox="1"/>
+          <p:nvPr/>
+        </p:nvSpPr>
+        <p:spPr>
+          <a:xfrm>
+            <a:off x="7659197" y="5460417"/>
+            <a:ext cx="2145139" cy="307777"/>
+          </a:xfrm>
+          <a:prstGeom prst="rect">
+            <a:avLst/>
+          </a:prstGeom>
+          <a:noFill/>
+        </p:spPr>
+        <p:txBody>
+          <a:bodyPr wrap="none" rtlCol="0">
+            <a:spAutoFit/>
+          </a:bodyPr>
+          <a:lstStyle/>
+          <a:p>
+            <a:r>
+              <a:rPr kumimoji="1" lang="en-US" altLang="ja-JP" sz="1400">
+                <a:solidFill>
+                  <a:schemeClr val="tx1">
+                    <a:lumMod val="85000"/>
+                    <a:lumOff val="15000"/>
+                  </a:schemeClr>
+                </a:solidFill>
+                <a:highlight>
+                  <a:srgbClr val="FFFF00"/>
+                </a:highlight>
+              </a:rPr>
+              <a:t>$person_b-&gt;getName()</a:t>
+            </a:r>
+            <a:endParaRPr kumimoji="1" lang="ja-JP" altLang="en-US" sz="1400">
+              <a:solidFill>
+                <a:schemeClr val="tx1">
+                  <a:lumMod val="85000"/>
+                  <a:lumOff val="15000"/>
+                </a:schemeClr>
+              </a:solidFill>
+              <a:highlight>
+                <a:srgbClr val="FFFF00"/>
+              </a:highlight>
+            </a:endParaRPr>
+          </a:p>
+        </p:txBody>
+      </p:sp>
+      <p:sp>
+        <p:nvSpPr>
+          <p:cNvPr id="41" name="テキスト ボックス 40">
+            <a:extLst>
+              <a:ext uri="{FF2B5EF4-FFF2-40B4-BE49-F238E27FC236}">
+                <a16:creationId xmlns:a16="http://schemas.microsoft.com/office/drawing/2014/main" id="{A5B36A2B-8A5C-65CE-FE32-BA7494B17896}"/>
+              </a:ext>
+            </a:extLst>
+          </p:cNvPr>
+          <p:cNvSpPr txBox="1"/>
+          <p:nvPr/>
+        </p:nvSpPr>
+        <p:spPr>
+          <a:xfrm>
+            <a:off x="7659196" y="5183270"/>
+            <a:ext cx="3348994" cy="307777"/>
+          </a:xfrm>
+          <a:prstGeom prst="rect">
+            <a:avLst/>
+          </a:prstGeom>
+          <a:noFill/>
+        </p:spPr>
+        <p:txBody>
+          <a:bodyPr wrap="none" rtlCol="0">
+            <a:spAutoFit/>
+          </a:bodyPr>
+          <a:lstStyle/>
+          <a:p>
+            <a:r>
+              <a:rPr kumimoji="1" lang="en-US" altLang="ja-JP" sz="1400">
+                <a:solidFill>
+                  <a:schemeClr val="tx1">
+                    <a:lumMod val="85000"/>
+                    <a:lumOff val="15000"/>
+                  </a:schemeClr>
+                </a:solidFill>
+                <a:highlight>
+                  <a:srgbClr val="FFFF00"/>
+                </a:highlight>
+              </a:rPr>
+              <a:t>$person_b = new Person(‘tanaka’, 26)</a:t>
+            </a:r>
+            <a:endParaRPr kumimoji="1" lang="ja-JP" altLang="en-US" sz="1400">
+              <a:solidFill>
+                <a:schemeClr val="tx1">
+                  <a:lumMod val="85000"/>
+                  <a:lumOff val="15000"/>
+                </a:schemeClr>
+              </a:solidFill>
+              <a:highlight>
+                <a:srgbClr val="FFFF00"/>
+              </a:highlight>
+            </a:endParaRPr>
+          </a:p>
+        </p:txBody>
+      </p:sp>
+      <p:cxnSp>
+        <p:nvCxnSpPr>
+          <p:cNvPr id="42" name="直線矢印コネクタ 41">
+            <a:extLst>
+              <a:ext uri="{FF2B5EF4-FFF2-40B4-BE49-F238E27FC236}">
+                <a16:creationId xmlns:a16="http://schemas.microsoft.com/office/drawing/2014/main" id="{917F47E9-25D1-D928-EC87-6D814B4C1229}"/>
+              </a:ext>
+            </a:extLst>
+          </p:cNvPr>
+          <p:cNvCxnSpPr>
+            <a:cxnSpLocks/>
+            <a:stCxn id="40" idx="1"/>
+          </p:cNvCxnSpPr>
+          <p:nvPr/>
+        </p:nvCxnSpPr>
+        <p:spPr>
+          <a:xfrm flipH="1">
+            <a:off x="6712128" y="5614306"/>
+            <a:ext cx="947069" cy="0"/>
+          </a:xfrm>
+          <a:prstGeom prst="straightConnector1">
+            <a:avLst/>
+          </a:prstGeom>
+          <a:ln>
+            <a:prstDash val="dashDot"/>
+            <a:tailEnd type="triangle"/>
+          </a:ln>
+        </p:spPr>
+        <p:style>
+          <a:lnRef idx="1">
+            <a:schemeClr val="accent1"/>
+          </a:lnRef>
+          <a:fillRef idx="0">
+            <a:schemeClr val="accent1"/>
+          </a:fillRef>
+          <a:effectRef idx="0">
+            <a:schemeClr val="accent1"/>
+          </a:effectRef>
+          <a:fontRef idx="minor">
+            <a:schemeClr val="tx1"/>
+          </a:fontRef>
+        </p:style>
+      </p:cxnSp>
+      <p:cxnSp>
+        <p:nvCxnSpPr>
+          <p:cNvPr id="43" name="直線矢印コネクタ 42">
+            <a:extLst>
+              <a:ext uri="{FF2B5EF4-FFF2-40B4-BE49-F238E27FC236}">
+                <a16:creationId xmlns:a16="http://schemas.microsoft.com/office/drawing/2014/main" id="{D7E3EBB8-AD99-B4C5-947A-E441AB917D6F}"/>
+              </a:ext>
+            </a:extLst>
+          </p:cNvPr>
+          <p:cNvCxnSpPr/>
+          <p:nvPr/>
+        </p:nvCxnSpPr>
+        <p:spPr>
+          <a:xfrm flipV="1">
+            <a:off x="6386405" y="4913004"/>
+            <a:ext cx="0" cy="246798"/>
+          </a:xfrm>
+          <a:prstGeom prst="straightConnector1">
+            <a:avLst/>
+          </a:prstGeom>
+          <a:ln>
+            <a:prstDash val="dashDot"/>
+            <a:tailEnd type="triangle"/>
+          </a:ln>
+        </p:spPr>
+        <p:style>
+          <a:lnRef idx="1">
+            <a:schemeClr val="accent1"/>
+          </a:lnRef>
+          <a:fillRef idx="0">
+            <a:schemeClr val="accent1"/>
+          </a:fillRef>
+          <a:effectRef idx="0">
+            <a:schemeClr val="accent1"/>
+          </a:effectRef>
+          <a:fontRef idx="minor">
+            <a:schemeClr val="tx1"/>
+          </a:fontRef>
+        </p:style>
+      </p:cxnSp>
+      <p:sp>
+        <p:nvSpPr>
+          <p:cNvPr id="44" name="テキスト ボックス 43">
+            <a:extLst>
+              <a:ext uri="{FF2B5EF4-FFF2-40B4-BE49-F238E27FC236}">
+                <a16:creationId xmlns:a16="http://schemas.microsoft.com/office/drawing/2014/main" id="{7B7CF392-3094-B011-C153-F8A85DD59CE4}"/>
+              </a:ext>
+            </a:extLst>
+          </p:cNvPr>
+          <p:cNvSpPr txBox="1"/>
+          <p:nvPr/>
+        </p:nvSpPr>
+        <p:spPr>
+          <a:xfrm>
+            <a:off x="6562676" y="4903707"/>
+            <a:ext cx="2276585" cy="307777"/>
+          </a:xfrm>
+          <a:prstGeom prst="rect">
+            <a:avLst/>
+          </a:prstGeom>
+          <a:noFill/>
+        </p:spPr>
+        <p:txBody>
+          <a:bodyPr wrap="none" rtlCol="0">
+            <a:spAutoFit/>
+          </a:bodyPr>
+          <a:lstStyle/>
+          <a:p>
+            <a:r>
+              <a:rPr kumimoji="1" lang="en-US" altLang="ja-JP" sz="1400">
+                <a:solidFill>
+                  <a:schemeClr val="tx1">
+                    <a:lumMod val="85000"/>
+                    <a:lumOff val="15000"/>
+                  </a:schemeClr>
+                </a:solidFill>
+                <a:highlight>
+                  <a:srgbClr val="FFFF00"/>
+                </a:highlight>
+              </a:rPr>
+              <a:t>$this-&gt;name, $this-&gt;age</a:t>
+            </a:r>
+            <a:endParaRPr kumimoji="1" lang="ja-JP" altLang="en-US" sz="1400">
+              <a:solidFill>
+                <a:schemeClr val="tx1">
+                  <a:lumMod val="85000"/>
+                  <a:lumOff val="15000"/>
+                </a:schemeClr>
+              </a:solidFill>
+              <a:highlight>
+                <a:srgbClr val="FFFF00"/>
+              </a:highlight>
+            </a:endParaRPr>
+          </a:p>
+        </p:txBody>
+      </p:sp>
+      <p:sp>
+        <p:nvSpPr>
+          <p:cNvPr id="45" name="テキスト ボックス 44">
+            <a:extLst>
+              <a:ext uri="{FF2B5EF4-FFF2-40B4-BE49-F238E27FC236}">
+                <a16:creationId xmlns:a16="http://schemas.microsoft.com/office/drawing/2014/main" id="{F47BD1FA-70B0-A41F-9809-8DAE99F950E4}"/>
+              </a:ext>
+            </a:extLst>
+          </p:cNvPr>
+          <p:cNvSpPr txBox="1"/>
+          <p:nvPr/>
+        </p:nvSpPr>
+        <p:spPr>
+          <a:xfrm>
+            <a:off x="7659196" y="5754125"/>
+            <a:ext cx="1970411" cy="307777"/>
+          </a:xfrm>
+          <a:prstGeom prst="rect">
+            <a:avLst/>
+          </a:prstGeom>
+          <a:noFill/>
+        </p:spPr>
+        <p:txBody>
+          <a:bodyPr wrap="none" rtlCol="0">
+            <a:spAutoFit/>
+          </a:bodyPr>
+          <a:lstStyle/>
+          <a:p>
+            <a:r>
+              <a:rPr kumimoji="1" lang="en-US" altLang="ja-JP" sz="1400">
+                <a:solidFill>
+                  <a:schemeClr val="tx1">
+                    <a:lumMod val="85000"/>
+                    <a:lumOff val="15000"/>
+                  </a:schemeClr>
+                </a:solidFill>
+                <a:highlight>
+                  <a:srgbClr val="FFFF00"/>
+                </a:highlight>
+              </a:rPr>
+              <a:t>$person_b-&gt;getAge()</a:t>
+            </a:r>
+            <a:endParaRPr kumimoji="1" lang="ja-JP" altLang="en-US" sz="1400">
+              <a:solidFill>
+                <a:schemeClr val="tx1">
+                  <a:lumMod val="85000"/>
+                  <a:lumOff val="15000"/>
+                </a:schemeClr>
+              </a:solidFill>
+              <a:highlight>
+                <a:srgbClr val="FFFF00"/>
+              </a:highlight>
+            </a:endParaRPr>
+          </a:p>
+        </p:txBody>
+      </p:sp>
+      <p:cxnSp>
+        <p:nvCxnSpPr>
+          <p:cNvPr id="46" name="直線矢印コネクタ 45">
+            <a:extLst>
+              <a:ext uri="{FF2B5EF4-FFF2-40B4-BE49-F238E27FC236}">
+                <a16:creationId xmlns:a16="http://schemas.microsoft.com/office/drawing/2014/main" id="{56A60FC7-8D41-3E16-F01D-9138437E4BA3}"/>
+              </a:ext>
+            </a:extLst>
+          </p:cNvPr>
+          <p:cNvCxnSpPr>
+            <a:cxnSpLocks/>
+            <a:stCxn id="45" idx="1"/>
+          </p:cNvCxnSpPr>
+          <p:nvPr/>
+        </p:nvCxnSpPr>
+        <p:spPr>
+          <a:xfrm flipH="1">
+            <a:off x="6712127" y="5908014"/>
+            <a:ext cx="947069" cy="0"/>
+          </a:xfrm>
+          <a:prstGeom prst="straightConnector1">
+            <a:avLst/>
+          </a:prstGeom>
+          <a:ln>
+            <a:prstDash val="dashDot"/>
+            <a:tailEnd type="triangle"/>
+          </a:ln>
+        </p:spPr>
+        <p:style>
+          <a:lnRef idx="1">
+            <a:schemeClr val="accent1"/>
+          </a:lnRef>
+          <a:fillRef idx="0">
+            <a:schemeClr val="accent1"/>
+          </a:fillRef>
+          <a:effectRef idx="0">
+            <a:schemeClr val="accent1"/>
+          </a:effectRef>
+          <a:fontRef idx="minor">
+            <a:schemeClr val="tx1"/>
+          </a:fontRef>
+        </p:style>
+      </p:cxnSp>
+      <p:cxnSp>
+        <p:nvCxnSpPr>
+          <p:cNvPr id="47" name="直線矢印コネクタ 46">
+            <a:extLst>
+              <a:ext uri="{FF2B5EF4-FFF2-40B4-BE49-F238E27FC236}">
+                <a16:creationId xmlns:a16="http://schemas.microsoft.com/office/drawing/2014/main" id="{2722CDF1-1B01-C789-DFEA-DB5105439420}"/>
+              </a:ext>
+            </a:extLst>
+          </p:cNvPr>
+          <p:cNvCxnSpPr>
+            <a:cxnSpLocks/>
+            <a:stCxn id="41" idx="1"/>
+          </p:cNvCxnSpPr>
+          <p:nvPr/>
+        </p:nvCxnSpPr>
+        <p:spPr>
+          <a:xfrm flipH="1">
+            <a:off x="6712127" y="5337159"/>
+            <a:ext cx="947069" cy="7309"/>
+          </a:xfrm>
+          <a:prstGeom prst="straightConnector1">
+            <a:avLst/>
+          </a:prstGeom>
+          <a:ln>
+            <a:prstDash val="dashDot"/>
+            <a:tailEnd type="triangle"/>
+          </a:ln>
+        </p:spPr>
+        <p:style>
+          <a:lnRef idx="1">
+            <a:schemeClr val="accent1"/>
+          </a:lnRef>
+          <a:fillRef idx="0">
+            <a:schemeClr val="accent1"/>
+          </a:fillRef>
+          <a:effectRef idx="0">
+            <a:schemeClr val="accent1"/>
+          </a:effectRef>
+          <a:fontRef idx="minor">
+            <a:schemeClr val="tx1"/>
+          </a:fontRef>
+        </p:style>
+      </p:cxnSp>
+      <p:sp>
+        <p:nvSpPr>
+          <p:cNvPr id="48" name="テキスト ボックス 47">
+            <a:extLst>
+              <a:ext uri="{FF2B5EF4-FFF2-40B4-BE49-F238E27FC236}">
+                <a16:creationId xmlns:a16="http://schemas.microsoft.com/office/drawing/2014/main" id="{C936E491-E59B-42A2-FAE8-1077BF72EA68}"/>
+              </a:ext>
+            </a:extLst>
+          </p:cNvPr>
+          <p:cNvSpPr txBox="1"/>
+          <p:nvPr/>
+        </p:nvSpPr>
+        <p:spPr>
+          <a:xfrm>
+            <a:off x="7659196" y="1243693"/>
+            <a:ext cx="1261884" cy="307777"/>
+          </a:xfrm>
+          <a:prstGeom prst="rect">
+            <a:avLst/>
+          </a:prstGeom>
+          <a:noFill/>
+        </p:spPr>
+        <p:txBody>
+          <a:bodyPr wrap="none" rtlCol="0">
+            <a:spAutoFit/>
+          </a:bodyPr>
+          <a:lstStyle/>
+          <a:p>
+            <a:r>
+              <a:rPr kumimoji="1" lang="en-US" altLang="ja-JP" sz="1400">
+                <a:highlight>
+                  <a:srgbClr val="C0C0C0"/>
+                </a:highlight>
+              </a:rPr>
+              <a:t>$this</a:t>
+            </a:r>
+            <a:r>
+              <a:rPr lang="en-US" altLang="ja-JP" sz="1400">
+                <a:highlight>
+                  <a:srgbClr val="C0C0C0"/>
+                </a:highlight>
+                <a:sym typeface="Wingdings" pitchFamily="2" charset="2"/>
+              </a:rPr>
+              <a:t>-&gt;name</a:t>
+            </a:r>
+            <a:endParaRPr kumimoji="1" lang="ja-JP" altLang="en-US" sz="1400">
+              <a:highlight>
+                <a:srgbClr val="C0C0C0"/>
+              </a:highlight>
+            </a:endParaRPr>
+          </a:p>
+        </p:txBody>
+      </p:sp>
+      <p:cxnSp>
+        <p:nvCxnSpPr>
+          <p:cNvPr id="49" name="直線矢印コネクタ 48">
+            <a:extLst>
+              <a:ext uri="{FF2B5EF4-FFF2-40B4-BE49-F238E27FC236}">
+                <a16:creationId xmlns:a16="http://schemas.microsoft.com/office/drawing/2014/main" id="{E214ADF7-6977-6D5A-1633-E3C0746AAF1E}"/>
+              </a:ext>
+            </a:extLst>
+          </p:cNvPr>
+          <p:cNvCxnSpPr>
+            <a:cxnSpLocks/>
+            <a:stCxn id="48" idx="1"/>
+          </p:cNvCxnSpPr>
+          <p:nvPr/>
+        </p:nvCxnSpPr>
+        <p:spPr>
+          <a:xfrm flipH="1">
+            <a:off x="6916275" y="1397582"/>
+            <a:ext cx="742921" cy="0"/>
+          </a:xfrm>
+          <a:prstGeom prst="straightConnector1">
+            <a:avLst/>
+          </a:prstGeom>
+          <a:ln>
+            <a:prstDash val="dashDot"/>
+            <a:tailEnd type="triangle"/>
+          </a:ln>
+        </p:spPr>
+        <p:style>
+          <a:lnRef idx="1">
+            <a:schemeClr val="accent1"/>
+          </a:lnRef>
+          <a:fillRef idx="0">
+            <a:schemeClr val="accent1"/>
+          </a:fillRef>
+          <a:effectRef idx="0">
+            <a:schemeClr val="accent1"/>
+          </a:effectRef>
+          <a:fontRef idx="minor">
+            <a:schemeClr val="tx1"/>
+          </a:fontRef>
+        </p:style>
+      </p:cxnSp>
+      <p:sp>
+        <p:nvSpPr>
+          <p:cNvPr id="50" name="テキスト ボックス 49">
+            <a:extLst>
+              <a:ext uri="{FF2B5EF4-FFF2-40B4-BE49-F238E27FC236}">
+                <a16:creationId xmlns:a16="http://schemas.microsoft.com/office/drawing/2014/main" id="{929ADE5E-957F-E841-2044-FDA53D96944A}"/>
+              </a:ext>
+            </a:extLst>
+          </p:cNvPr>
+          <p:cNvSpPr txBox="1"/>
+          <p:nvPr/>
+        </p:nvSpPr>
+        <p:spPr>
+          <a:xfrm>
+            <a:off x="7659196" y="935917"/>
+            <a:ext cx="4035079" cy="307777"/>
+          </a:xfrm>
+          <a:prstGeom prst="rect">
+            <a:avLst/>
+          </a:prstGeom>
+          <a:noFill/>
+        </p:spPr>
+        <p:txBody>
+          <a:bodyPr wrap="none" rtlCol="0">
+            <a:spAutoFit/>
+          </a:bodyPr>
+          <a:lstStyle/>
+          <a:p>
+            <a:r>
+              <a:rPr lang="ja-JP" altLang="en-US" sz="1400" b="1">
+                <a:solidFill>
+                  <a:srgbClr val="C00000"/>
+                </a:solidFill>
+              </a:rPr>
+              <a:t>インスタンス</a:t>
+            </a:r>
+            <a:r>
+              <a:rPr kumimoji="1" lang="ja-JP" altLang="en-US" sz="1400" b="1">
+                <a:solidFill>
+                  <a:srgbClr val="C00000"/>
+                </a:solidFill>
+              </a:rPr>
+              <a:t>外から</a:t>
+            </a:r>
+            <a:r>
+              <a:rPr kumimoji="1" lang="en-US" altLang="ja-JP" sz="1400" b="1">
+                <a:solidFill>
+                  <a:srgbClr val="C00000"/>
+                </a:solidFill>
+              </a:rPr>
+              <a:t>$this</a:t>
+            </a:r>
+            <a:r>
+              <a:rPr kumimoji="1" lang="ja-JP" altLang="en-US" sz="1400" b="1">
+                <a:solidFill>
+                  <a:srgbClr val="C00000"/>
+                </a:solidFill>
+              </a:rPr>
+              <a:t>ではアクセスできない</a:t>
+            </a:r>
+            <a:endParaRPr kumimoji="1" lang="en-US" altLang="ja-JP" sz="1400" b="1">
+              <a:solidFill>
+                <a:srgbClr val="C00000"/>
+              </a:solidFill>
+            </a:endParaRPr>
+          </a:p>
+        </p:txBody>
+      </p:sp>
     </p:spTree>
     <p:extLst>
       <p:ext uri="{BB962C8B-B14F-4D97-AF65-F5344CB8AC3E}">
@@ -13169,8 +13726,8 @@
         </p:nvCxnSpPr>
         <p:spPr>
           <a:xfrm flipH="1">
-            <a:off x="7238942" y="2879606"/>
-            <a:ext cx="947069" cy="0"/>
+            <a:off x="7404617" y="2879606"/>
+            <a:ext cx="781394" cy="0"/>
           </a:xfrm>
           <a:prstGeom prst="straightConnector1">
             <a:avLst/>
@@ -13212,8 +13769,8 @@
         </p:nvCxnSpPr>
         <p:spPr>
           <a:xfrm flipH="1">
-            <a:off x="7238942" y="2308751"/>
-            <a:ext cx="947069" cy="7309"/>
+            <a:off x="7404617" y="2308751"/>
+            <a:ext cx="781394" cy="0"/>
           </a:xfrm>
           <a:prstGeom prst="straightConnector1">
             <a:avLst/>
@@ -13382,7 +13939,7 @@
         <p:spPr>
           <a:xfrm>
             <a:off x="3269347" y="2304899"/>
-            <a:ext cx="1765263" cy="1881593"/>
+            <a:ext cx="1814716" cy="1881593"/>
           </a:xfrm>
           <a:prstGeom prst="rect">
             <a:avLst/>
@@ -13431,7 +13988,7 @@
         <p:spPr>
           <a:xfrm>
             <a:off x="3269347" y="1923900"/>
-            <a:ext cx="1765263" cy="381000"/>
+            <a:ext cx="1814716" cy="381000"/>
           </a:xfrm>
           <a:prstGeom prst="rect">
             <a:avLst/>
@@ -13669,7 +14226,7 @@
         </p:nvSpPr>
         <p:spPr>
           <a:xfrm>
-            <a:off x="4568175" y="3319704"/>
+            <a:off x="4611048" y="3319704"/>
             <a:ext cx="1441420" cy="307777"/>
           </a:xfrm>
           <a:prstGeom prst="rect">
@@ -13811,7 +14368,7 @@
         </p:nvSpPr>
         <p:spPr>
           <a:xfrm>
-            <a:off x="4427314" y="4513986"/>
+            <a:off x="4449718" y="4513986"/>
             <a:ext cx="543739" cy="307777"/>
           </a:xfrm>
           <a:prstGeom prst="rect">
@@ -13861,7 +14418,7 @@
         </p:nvSpPr>
         <p:spPr>
           <a:xfrm>
-            <a:off x="4427314" y="5251424"/>
+            <a:off x="4449718" y="5251424"/>
             <a:ext cx="543739" cy="307777"/>
           </a:xfrm>
           <a:prstGeom prst="rect">
@@ -13908,14 +14465,13 @@
           </p:cNvPr>
           <p:cNvCxnSpPr>
             <a:cxnSpLocks/>
-            <a:endCxn id="56" idx="0"/>
           </p:cNvCxnSpPr>
           <p:nvPr/>
         </p:nvCxnSpPr>
         <p:spPr>
           <a:xfrm flipH="1">
-            <a:off x="5534164" y="2227481"/>
-            <a:ext cx="561836" cy="2739299"/>
+            <a:off x="5351764" y="2304899"/>
+            <a:ext cx="739385" cy="2661400"/>
           </a:xfrm>
           <a:prstGeom prst="straightConnector1">
             <a:avLst/>
@@ -14027,8 +14583,8 @@
         </p:nvCxnSpPr>
         <p:spPr>
           <a:xfrm flipH="1" flipV="1">
-            <a:off x="1469106" y="3491376"/>
-            <a:ext cx="2996889" cy="1629293"/>
+            <a:off x="1548364" y="3463969"/>
+            <a:ext cx="2917631" cy="1656700"/>
           </a:xfrm>
           <a:prstGeom prst="straightConnector1">
             <a:avLst/>
@@ -20273,7 +20829,7 @@
         <p:spPr>
           <a:xfrm>
             <a:off x="8186011" y="1396236"/>
-            <a:ext cx="1454244" cy="307777"/>
+            <a:ext cx="1555234" cy="307777"/>
           </a:xfrm>
           <a:prstGeom prst="rect">
             <a:avLst/>
@@ -20292,7 +20848,7 @@
                   <a:srgbClr val="C0C0C0"/>
                 </a:highlight>
               </a:rPr>
-              <a:t>$person_</a:t>
+              <a:t>$person_a</a:t>
             </a:r>
             <a:r>
               <a:rPr lang="en-US" altLang="ja-JP" sz="1400">

--- a/figure.pptx
+++ b/figure.pptx
@@ -14653,7 +14653,7 @@
         </p:nvSpPr>
         <p:spPr>
           <a:xfrm>
-            <a:off x="3146673" y="1816334"/>
+            <a:off x="3921373" y="1816334"/>
             <a:ext cx="2046514" cy="3760218"/>
           </a:xfrm>
           <a:prstGeom prst="rect">
@@ -14702,7 +14702,7 @@
         </p:nvSpPr>
         <p:spPr>
           <a:xfrm>
-            <a:off x="3146673" y="1447742"/>
+            <a:off x="3921373" y="1447742"/>
             <a:ext cx="2046514" cy="381000"/>
           </a:xfrm>
           <a:prstGeom prst="rect">
@@ -14760,7 +14760,7 @@
         </p:nvSpPr>
         <p:spPr>
           <a:xfrm>
-            <a:off x="3260973" y="4262212"/>
+            <a:off x="4035673" y="4262212"/>
             <a:ext cx="1430200" cy="523220"/>
           </a:xfrm>
           <a:prstGeom prst="rect">
@@ -14845,7 +14845,7 @@
         </p:nvSpPr>
         <p:spPr>
           <a:xfrm>
-            <a:off x="3260973" y="4764897"/>
+            <a:off x="4035673" y="4764897"/>
             <a:ext cx="1755609" cy="738664"/>
           </a:xfrm>
           <a:prstGeom prst="rect">
@@ -14954,7 +14954,7 @@
         </p:nvSpPr>
         <p:spPr>
           <a:xfrm>
-            <a:off x="5915227" y="854527"/>
+            <a:off x="6689927" y="854527"/>
             <a:ext cx="2046514" cy="2307362"/>
           </a:xfrm>
           <a:prstGeom prst="rect">
@@ -15000,7 +15000,7 @@
         </p:nvSpPr>
         <p:spPr>
           <a:xfrm>
-            <a:off x="5915227" y="473528"/>
+            <a:off x="6689927" y="473528"/>
             <a:ext cx="2046514" cy="381000"/>
           </a:xfrm>
           <a:prstGeom prst="rect">
@@ -15054,7 +15054,7 @@
         </p:nvSpPr>
         <p:spPr>
           <a:xfrm>
-            <a:off x="5915227" y="4077110"/>
+            <a:off x="6689927" y="4077110"/>
             <a:ext cx="2046514" cy="2307362"/>
           </a:xfrm>
           <a:prstGeom prst="rect">
@@ -15100,7 +15100,7 @@
         </p:nvSpPr>
         <p:spPr>
           <a:xfrm>
-            <a:off x="5915227" y="3696111"/>
+            <a:off x="6689927" y="3696111"/>
             <a:ext cx="2046514" cy="381000"/>
           </a:xfrm>
           <a:prstGeom prst="rect">
@@ -15158,7 +15158,7 @@
         </p:nvCxnSpPr>
         <p:spPr>
           <a:xfrm flipV="1">
-            <a:off x="5193187" y="2008208"/>
+            <a:off x="5967887" y="2008208"/>
             <a:ext cx="722040" cy="1688235"/>
           </a:xfrm>
           <a:prstGeom prst="bentConnector3">
@@ -15201,7 +15201,7 @@
         </p:nvCxnSpPr>
         <p:spPr>
           <a:xfrm>
-            <a:off x="5193187" y="3696443"/>
+            <a:off x="5967887" y="3696443"/>
             <a:ext cx="722040" cy="1534348"/>
           </a:xfrm>
           <a:prstGeom prst="bentConnector3">
@@ -15240,7 +15240,7 @@
         </p:nvSpPr>
         <p:spPr>
           <a:xfrm>
-            <a:off x="125914" y="2304899"/>
+            <a:off x="900614" y="2304899"/>
             <a:ext cx="2046514" cy="1881593"/>
           </a:xfrm>
           <a:prstGeom prst="rect">
@@ -15289,7 +15289,7 @@
         </p:nvSpPr>
         <p:spPr>
           <a:xfrm>
-            <a:off x="125914" y="1923900"/>
+            <a:off x="900614" y="1923900"/>
             <a:ext cx="2046514" cy="381000"/>
           </a:xfrm>
           <a:prstGeom prst="rect">
@@ -15347,7 +15347,7 @@
         </p:nvSpPr>
         <p:spPr>
           <a:xfrm>
-            <a:off x="240214" y="2356713"/>
+            <a:off x="1014914" y="2356713"/>
             <a:ext cx="1082348" cy="738664"/>
           </a:xfrm>
           <a:prstGeom prst="rect">
@@ -15431,7 +15431,7 @@
         </p:nvSpPr>
         <p:spPr>
           <a:xfrm>
-            <a:off x="240214" y="3111107"/>
+            <a:off x="1014914" y="3111107"/>
             <a:ext cx="1330814" cy="954107"/>
           </a:xfrm>
           <a:prstGeom prst="rect">
@@ -15532,7 +15532,7 @@
         </p:nvCxnSpPr>
         <p:spPr>
           <a:xfrm>
-            <a:off x="2172428" y="3245696"/>
+            <a:off x="2947128" y="3245696"/>
             <a:ext cx="1096919" cy="0"/>
           </a:xfrm>
           <a:prstGeom prst="straightConnector1">
@@ -15571,7 +15571,7 @@
         </p:nvSpPr>
         <p:spPr>
           <a:xfrm>
-            <a:off x="2401210" y="2785674"/>
+            <a:off x="3175910" y="2785674"/>
             <a:ext cx="543739" cy="307777"/>
           </a:xfrm>
           <a:prstGeom prst="rect">
@@ -15624,7 +15624,7 @@
         </p:nvSpPr>
         <p:spPr>
           <a:xfrm>
-            <a:off x="6073804" y="970689"/>
+            <a:off x="6848504" y="970689"/>
             <a:ext cx="1598515" cy="738664"/>
           </a:xfrm>
           <a:prstGeom prst="rect">
@@ -15700,7 +15700,7 @@
         </p:nvSpPr>
         <p:spPr>
           <a:xfrm>
-            <a:off x="6073804" y="1923900"/>
+            <a:off x="6848504" y="1923900"/>
             <a:ext cx="1330814" cy="954107"/>
           </a:xfrm>
           <a:prstGeom prst="rect">
@@ -15808,7 +15808,7 @@
         </p:nvSpPr>
         <p:spPr>
           <a:xfrm>
-            <a:off x="6073804" y="4173581"/>
+            <a:off x="6848504" y="4173581"/>
             <a:ext cx="1638590" cy="738664"/>
           </a:xfrm>
           <a:prstGeom prst="rect">
@@ -15884,7 +15884,7 @@
         </p:nvSpPr>
         <p:spPr>
           <a:xfrm>
-            <a:off x="6073803" y="5127688"/>
+            <a:off x="6848503" y="5127688"/>
             <a:ext cx="1330814" cy="954107"/>
           </a:xfrm>
           <a:prstGeom prst="rect">
@@ -15992,8 +15992,8 @@
         </p:nvSpPr>
         <p:spPr>
           <a:xfrm>
-            <a:off x="3269347" y="2304899"/>
-            <a:ext cx="1765263" cy="1881593"/>
+            <a:off x="4044047" y="2304899"/>
+            <a:ext cx="1774062" cy="1881593"/>
           </a:xfrm>
           <a:prstGeom prst="rect">
             <a:avLst/>
@@ -16041,8 +16041,8 @@
         </p:nvSpPr>
         <p:spPr>
           <a:xfrm>
-            <a:off x="3269347" y="1923900"/>
-            <a:ext cx="1765263" cy="381000"/>
+            <a:off x="4044047" y="1923900"/>
+            <a:ext cx="1774062" cy="381000"/>
           </a:xfrm>
           <a:prstGeom prst="rect">
             <a:avLst/>
@@ -16099,7 +16099,7 @@
         </p:nvSpPr>
         <p:spPr>
           <a:xfrm>
-            <a:off x="3383647" y="2356713"/>
+            <a:off x="4158347" y="2356713"/>
             <a:ext cx="1082348" cy="738664"/>
           </a:xfrm>
           <a:prstGeom prst="rect">
@@ -16183,7 +16183,7 @@
         </p:nvSpPr>
         <p:spPr>
           <a:xfrm>
-            <a:off x="3383647" y="3111107"/>
+            <a:off x="4158347" y="3111107"/>
             <a:ext cx="1330814" cy="954107"/>
           </a:xfrm>
           <a:prstGeom prst="rect">
@@ -16280,7 +16280,7 @@
         </p:nvSpPr>
         <p:spPr>
           <a:xfrm>
-            <a:off x="4196085" y="966493"/>
+            <a:off x="4970785" y="966493"/>
             <a:ext cx="1620957" cy="307777"/>
           </a:xfrm>
           <a:prstGeom prst="rect">
@@ -16322,7 +16322,7 @@
         </p:nvSpPr>
         <p:spPr>
           <a:xfrm>
-            <a:off x="4196085" y="5737618"/>
+            <a:off x="4970785" y="5737618"/>
             <a:ext cx="1620957" cy="307777"/>
           </a:xfrm>
           <a:prstGeom prst="rect">
@@ -16372,7 +16372,7 @@
         </p:nvSpPr>
         <p:spPr>
           <a:xfrm>
-            <a:off x="8286139" y="5195784"/>
+            <a:off x="9060839" y="5195784"/>
             <a:ext cx="2031325" cy="307777"/>
           </a:xfrm>
           <a:prstGeom prst="rect">
@@ -16431,7 +16431,7 @@
         </p:nvCxnSpPr>
         <p:spPr>
           <a:xfrm flipH="1">
-            <a:off x="5016582" y="5349673"/>
+            <a:off x="5791282" y="5349673"/>
             <a:ext cx="3269557" cy="0"/>
           </a:xfrm>
           <a:prstGeom prst="straightConnector1">
@@ -16471,7 +16471,7 @@
         </p:nvCxnSpPr>
         <p:spPr>
           <a:xfrm flipV="1">
-            <a:off x="4291614" y="4724232"/>
+            <a:off x="5066314" y="4724232"/>
             <a:ext cx="0" cy="246798"/>
           </a:xfrm>
           <a:prstGeom prst="straightConnector1">
@@ -16511,7 +16511,7 @@
         </p:nvSpPr>
         <p:spPr>
           <a:xfrm>
-            <a:off x="4378762" y="4689177"/>
+            <a:off x="5242580" y="4689177"/>
             <a:ext cx="1326004" cy="307777"/>
           </a:xfrm>
           <a:prstGeom prst="rect">
@@ -16567,7 +16567,7 @@
         </p:nvSpPr>
         <p:spPr>
           <a:xfrm>
-            <a:off x="4465995" y="4966780"/>
+            <a:off x="5240695" y="4966780"/>
             <a:ext cx="1820250" cy="307777"/>
           </a:xfrm>
           <a:prstGeom prst="rect">
@@ -16625,7 +16625,7 @@
         </p:nvCxnSpPr>
         <p:spPr>
           <a:xfrm flipH="1" flipV="1">
-            <a:off x="1544506" y="3504936"/>
+            <a:off x="2319206" y="3504936"/>
             <a:ext cx="2996889" cy="1629293"/>
           </a:xfrm>
           <a:prstGeom prst="straightConnector1">

--- a/figure.pptx
+++ b/figure.pptx
@@ -16695,7 +16695,7 @@
         </p:nvSpPr>
         <p:spPr>
           <a:xfrm>
-            <a:off x="3146673" y="1816334"/>
+            <a:off x="3972173" y="1816334"/>
             <a:ext cx="2046514" cy="3760218"/>
           </a:xfrm>
           <a:prstGeom prst="rect">
@@ -16744,7 +16744,7 @@
         </p:nvSpPr>
         <p:spPr>
           <a:xfrm>
-            <a:off x="3146673" y="1447742"/>
+            <a:off x="3972173" y="1447742"/>
             <a:ext cx="2046514" cy="381000"/>
           </a:xfrm>
           <a:prstGeom prst="rect">
@@ -16802,7 +16802,7 @@
         </p:nvSpPr>
         <p:spPr>
           <a:xfrm>
-            <a:off x="3260973" y="4262212"/>
+            <a:off x="4086473" y="4262212"/>
             <a:ext cx="1430200" cy="523220"/>
           </a:xfrm>
           <a:prstGeom prst="rect">
@@ -16887,7 +16887,7 @@
         </p:nvSpPr>
         <p:spPr>
           <a:xfrm>
-            <a:off x="3260973" y="4764897"/>
+            <a:off x="4086473" y="4764897"/>
             <a:ext cx="1755609" cy="738664"/>
           </a:xfrm>
           <a:prstGeom prst="rect">
@@ -16996,7 +16996,7 @@
         </p:nvSpPr>
         <p:spPr>
           <a:xfrm>
-            <a:off x="5915227" y="854527"/>
+            <a:off x="6740727" y="854527"/>
             <a:ext cx="2046514" cy="2307362"/>
           </a:xfrm>
           <a:prstGeom prst="rect">
@@ -17042,7 +17042,7 @@
         </p:nvSpPr>
         <p:spPr>
           <a:xfrm>
-            <a:off x="5915227" y="473528"/>
+            <a:off x="6740727" y="473528"/>
             <a:ext cx="2046514" cy="381000"/>
           </a:xfrm>
           <a:prstGeom prst="rect">
@@ -17096,7 +17096,7 @@
         </p:nvSpPr>
         <p:spPr>
           <a:xfrm>
-            <a:off x="5915227" y="4077110"/>
+            <a:off x="6740727" y="4077110"/>
             <a:ext cx="2046514" cy="2307362"/>
           </a:xfrm>
           <a:prstGeom prst="rect">
@@ -17142,7 +17142,7 @@
         </p:nvSpPr>
         <p:spPr>
           <a:xfrm>
-            <a:off x="5915227" y="3696111"/>
+            <a:off x="6740727" y="3696111"/>
             <a:ext cx="2046514" cy="381000"/>
           </a:xfrm>
           <a:prstGeom prst="rect">
@@ -17200,7 +17200,7 @@
         </p:nvCxnSpPr>
         <p:spPr>
           <a:xfrm flipV="1">
-            <a:off x="5193187" y="2008208"/>
+            <a:off x="6018687" y="2008208"/>
             <a:ext cx="722040" cy="1688235"/>
           </a:xfrm>
           <a:prstGeom prst="bentConnector3">
@@ -17243,7 +17243,7 @@
         </p:nvCxnSpPr>
         <p:spPr>
           <a:xfrm>
-            <a:off x="5193187" y="3696443"/>
+            <a:off x="6018687" y="3696443"/>
             <a:ext cx="722040" cy="1534348"/>
           </a:xfrm>
           <a:prstGeom prst="bentConnector3">
@@ -17282,7 +17282,7 @@
         </p:nvSpPr>
         <p:spPr>
           <a:xfrm>
-            <a:off x="125914" y="2304899"/>
+            <a:off x="951414" y="2304899"/>
             <a:ext cx="2046514" cy="1881593"/>
           </a:xfrm>
           <a:prstGeom prst="rect">
@@ -17331,7 +17331,7 @@
         </p:nvSpPr>
         <p:spPr>
           <a:xfrm>
-            <a:off x="125914" y="1923900"/>
+            <a:off x="951414" y="1923900"/>
             <a:ext cx="2046514" cy="381000"/>
           </a:xfrm>
           <a:prstGeom prst="rect">
@@ -17389,7 +17389,7 @@
         </p:nvSpPr>
         <p:spPr>
           <a:xfrm>
-            <a:off x="240214" y="2356713"/>
+            <a:off x="1065714" y="2356713"/>
             <a:ext cx="1082348" cy="738664"/>
           </a:xfrm>
           <a:prstGeom prst="rect">
@@ -17473,7 +17473,7 @@
         </p:nvSpPr>
         <p:spPr>
           <a:xfrm>
-            <a:off x="240214" y="3111107"/>
+            <a:off x="1065714" y="3111107"/>
             <a:ext cx="1279517" cy="954107"/>
           </a:xfrm>
           <a:prstGeom prst="rect">
@@ -17574,7 +17574,7 @@
         </p:nvCxnSpPr>
         <p:spPr>
           <a:xfrm>
-            <a:off x="2172428" y="3245696"/>
+            <a:off x="2997928" y="3245696"/>
             <a:ext cx="1096919" cy="0"/>
           </a:xfrm>
           <a:prstGeom prst="straightConnector1">
@@ -17613,7 +17613,7 @@
         </p:nvSpPr>
         <p:spPr>
           <a:xfrm>
-            <a:off x="2401210" y="2785674"/>
+            <a:off x="3226710" y="2785674"/>
             <a:ext cx="543739" cy="307777"/>
           </a:xfrm>
           <a:prstGeom prst="rect">
@@ -17666,7 +17666,7 @@
         </p:nvSpPr>
         <p:spPr>
           <a:xfrm>
-            <a:off x="6073804" y="970689"/>
+            <a:off x="6899304" y="970689"/>
             <a:ext cx="1598515" cy="738664"/>
           </a:xfrm>
           <a:prstGeom prst="rect">
@@ -17742,7 +17742,7 @@
         </p:nvSpPr>
         <p:spPr>
           <a:xfrm>
-            <a:off x="6073804" y="1923900"/>
+            <a:off x="6899304" y="1923900"/>
             <a:ext cx="1279517" cy="954107"/>
           </a:xfrm>
           <a:prstGeom prst="rect">
@@ -17831,7 +17831,7 @@
         </p:nvSpPr>
         <p:spPr>
           <a:xfrm>
-            <a:off x="6073804" y="4173581"/>
+            <a:off x="6899304" y="4173581"/>
             <a:ext cx="1638590" cy="738664"/>
           </a:xfrm>
           <a:prstGeom prst="rect">
@@ -17907,7 +17907,7 @@
         </p:nvSpPr>
         <p:spPr>
           <a:xfrm>
-            <a:off x="6073803" y="5127688"/>
+            <a:off x="6899303" y="5127688"/>
             <a:ext cx="1279517" cy="954107"/>
           </a:xfrm>
           <a:prstGeom prst="rect">
@@ -17996,7 +17996,7 @@
         </p:nvSpPr>
         <p:spPr>
           <a:xfrm>
-            <a:off x="3269347" y="2304899"/>
+            <a:off x="4094847" y="2304899"/>
             <a:ext cx="1765263" cy="1881593"/>
           </a:xfrm>
           <a:prstGeom prst="rect">
@@ -18045,7 +18045,7 @@
         </p:nvSpPr>
         <p:spPr>
           <a:xfrm>
-            <a:off x="3269347" y="1923900"/>
+            <a:off x="4094847" y="1923900"/>
             <a:ext cx="1765263" cy="381000"/>
           </a:xfrm>
           <a:prstGeom prst="rect">
@@ -18103,7 +18103,7 @@
         </p:nvSpPr>
         <p:spPr>
           <a:xfrm>
-            <a:off x="3383647" y="2356713"/>
+            <a:off x="4209147" y="2356713"/>
             <a:ext cx="1082348" cy="738664"/>
           </a:xfrm>
           <a:prstGeom prst="rect">
@@ -18187,7 +18187,7 @@
         </p:nvSpPr>
         <p:spPr>
           <a:xfrm>
-            <a:off x="3383647" y="3111107"/>
+            <a:off x="4209147" y="3111107"/>
             <a:ext cx="1330814" cy="954107"/>
           </a:xfrm>
           <a:prstGeom prst="rect">
@@ -18284,7 +18284,7 @@
         </p:nvSpPr>
         <p:spPr>
           <a:xfrm>
-            <a:off x="4196085" y="966493"/>
+            <a:off x="5021585" y="966493"/>
             <a:ext cx="1620957" cy="307777"/>
           </a:xfrm>
           <a:prstGeom prst="rect">
@@ -18326,7 +18326,7 @@
         </p:nvSpPr>
         <p:spPr>
           <a:xfrm>
-            <a:off x="4196085" y="5737618"/>
+            <a:off x="5021585" y="5737618"/>
             <a:ext cx="1620957" cy="307777"/>
           </a:xfrm>
           <a:prstGeom prst="rect">
@@ -18376,7 +18376,7 @@
         </p:nvSpPr>
         <p:spPr>
           <a:xfrm>
-            <a:off x="8286139" y="5195784"/>
+            <a:off x="9111639" y="5195784"/>
             <a:ext cx="2031325" cy="307777"/>
           </a:xfrm>
           <a:prstGeom prst="rect">
@@ -18435,7 +18435,7 @@
         </p:nvCxnSpPr>
         <p:spPr>
           <a:xfrm flipH="1">
-            <a:off x="5016582" y="5349673"/>
+            <a:off x="5842082" y="5349673"/>
             <a:ext cx="3269557" cy="0"/>
           </a:xfrm>
           <a:prstGeom prst="straightConnector1">
@@ -18478,7 +18478,7 @@
         </p:nvCxnSpPr>
         <p:spPr>
           <a:xfrm flipV="1">
-            <a:off x="4525306" y="4542913"/>
+            <a:off x="5350806" y="4542913"/>
             <a:ext cx="1548498" cy="613647"/>
           </a:xfrm>
           <a:prstGeom prst="straightConnector1">
@@ -18518,7 +18518,7 @@
         </p:nvSpPr>
         <p:spPr>
           <a:xfrm>
-            <a:off x="4304288" y="4735454"/>
+            <a:off x="5129788" y="4735454"/>
             <a:ext cx="1620957" cy="307777"/>
           </a:xfrm>
           <a:prstGeom prst="rect">
@@ -18564,7 +18564,7 @@
         </p:nvCxnSpPr>
         <p:spPr>
           <a:xfrm flipV="1">
-            <a:off x="4513037" y="1754820"/>
+            <a:off x="5338537" y="1754820"/>
             <a:ext cx="1730486" cy="3387033"/>
           </a:xfrm>
           <a:prstGeom prst="straightConnector1">
@@ -18634,8 +18634,8 @@
         </p:nvSpPr>
         <p:spPr>
           <a:xfrm>
-            <a:off x="3146673" y="1816334"/>
-            <a:ext cx="2046514" cy="3760218"/>
+            <a:off x="3982161" y="1816334"/>
+            <a:ext cx="2200430" cy="3760218"/>
           </a:xfrm>
           <a:prstGeom prst="rect">
             <a:avLst/>
@@ -18683,8 +18683,8 @@
         </p:nvSpPr>
         <p:spPr>
           <a:xfrm>
-            <a:off x="3146673" y="1447742"/>
-            <a:ext cx="2046514" cy="381000"/>
+            <a:off x="3982160" y="1447742"/>
+            <a:ext cx="2200431" cy="381000"/>
           </a:xfrm>
           <a:prstGeom prst="rect">
             <a:avLst/>
@@ -18741,7 +18741,7 @@
         </p:nvSpPr>
         <p:spPr>
           <a:xfrm>
-            <a:off x="3260973" y="4262212"/>
+            <a:off x="4096461" y="4262212"/>
             <a:ext cx="1189749" cy="523220"/>
           </a:xfrm>
           <a:prstGeom prst="rect">
@@ -18837,7 +18837,7 @@
         </p:nvSpPr>
         <p:spPr>
           <a:xfrm>
-            <a:off x="3260973" y="4764897"/>
+            <a:off x="4096461" y="4764897"/>
             <a:ext cx="1435008" cy="738664"/>
           </a:xfrm>
           <a:prstGeom prst="rect">
@@ -18935,7 +18935,7 @@
         </p:nvSpPr>
         <p:spPr>
           <a:xfrm>
-            <a:off x="5915227" y="854527"/>
+            <a:off x="6971294" y="854527"/>
             <a:ext cx="2046514" cy="2307362"/>
           </a:xfrm>
           <a:prstGeom prst="rect">
@@ -18981,7 +18981,7 @@
         </p:nvSpPr>
         <p:spPr>
           <a:xfrm>
-            <a:off x="5915227" y="473528"/>
+            <a:off x="6971294" y="473528"/>
             <a:ext cx="2046514" cy="381000"/>
           </a:xfrm>
           <a:prstGeom prst="rect">
@@ -19035,7 +19035,7 @@
         </p:nvSpPr>
         <p:spPr>
           <a:xfrm>
-            <a:off x="5915227" y="4077110"/>
+            <a:off x="6971294" y="4077110"/>
             <a:ext cx="2046514" cy="2307362"/>
           </a:xfrm>
           <a:prstGeom prst="rect">
@@ -19081,7 +19081,7 @@
         </p:nvSpPr>
         <p:spPr>
           <a:xfrm>
-            <a:off x="5915227" y="3696111"/>
+            <a:off x="6971294" y="3696111"/>
             <a:ext cx="2046514" cy="381000"/>
           </a:xfrm>
           <a:prstGeom prst="rect">
@@ -19139,8 +19139,8 @@
         </p:nvCxnSpPr>
         <p:spPr>
           <a:xfrm flipV="1">
-            <a:off x="5193187" y="2008208"/>
-            <a:ext cx="722040" cy="1688235"/>
+            <a:off x="6182591" y="2008208"/>
+            <a:ext cx="788703" cy="1688235"/>
           </a:xfrm>
           <a:prstGeom prst="bentConnector3">
             <a:avLst/>
@@ -19182,8 +19182,8 @@
         </p:nvCxnSpPr>
         <p:spPr>
           <a:xfrm>
-            <a:off x="5193187" y="3696443"/>
-            <a:ext cx="722040" cy="1534348"/>
+            <a:off x="6182591" y="3696443"/>
+            <a:ext cx="788703" cy="1534348"/>
           </a:xfrm>
           <a:prstGeom prst="bentConnector3">
             <a:avLst/>
@@ -19221,7 +19221,7 @@
         </p:nvSpPr>
         <p:spPr>
           <a:xfrm>
-            <a:off x="125914" y="2304899"/>
+            <a:off x="961402" y="2304899"/>
             <a:ext cx="2046514" cy="1881593"/>
           </a:xfrm>
           <a:prstGeom prst="rect">
@@ -19270,7 +19270,7 @@
         </p:nvSpPr>
         <p:spPr>
           <a:xfrm>
-            <a:off x="125914" y="1923900"/>
+            <a:off x="961402" y="1923900"/>
             <a:ext cx="2046514" cy="381000"/>
           </a:xfrm>
           <a:prstGeom prst="rect">
@@ -19328,7 +19328,7 @@
         </p:nvSpPr>
         <p:spPr>
           <a:xfrm>
-            <a:off x="240214" y="2356713"/>
+            <a:off x="1075702" y="2356713"/>
             <a:ext cx="1369286" cy="738664"/>
           </a:xfrm>
           <a:prstGeom prst="rect">
@@ -19440,7 +19440,7 @@
         </p:nvSpPr>
         <p:spPr>
           <a:xfrm>
-            <a:off x="240214" y="3111107"/>
+            <a:off x="1075702" y="3111107"/>
             <a:ext cx="1880643" cy="954107"/>
           </a:xfrm>
           <a:prstGeom prst="rect">
@@ -19616,7 +19616,7 @@
         </p:nvCxnSpPr>
         <p:spPr>
           <a:xfrm>
-            <a:off x="2172428" y="3245696"/>
+            <a:off x="3007916" y="3245696"/>
             <a:ext cx="1096919" cy="0"/>
           </a:xfrm>
           <a:prstGeom prst="straightConnector1">
@@ -19655,7 +19655,7 @@
         </p:nvSpPr>
         <p:spPr>
           <a:xfrm>
-            <a:off x="2449017" y="2839576"/>
+            <a:off x="3284505" y="2839576"/>
             <a:ext cx="543739" cy="307777"/>
           </a:xfrm>
           <a:prstGeom prst="rect">
@@ -19705,7 +19705,7 @@
         </p:nvSpPr>
         <p:spPr>
           <a:xfrm>
-            <a:off x="6073804" y="970689"/>
+            <a:off x="7129871" y="970689"/>
             <a:ext cx="1420582" cy="954107"/>
           </a:xfrm>
           <a:prstGeom prst="rect">
@@ -19855,7 +19855,7 @@
         </p:nvSpPr>
         <p:spPr>
           <a:xfrm>
-            <a:off x="6073804" y="1923900"/>
+            <a:off x="7129871" y="1923900"/>
             <a:ext cx="1829347" cy="1169551"/>
           </a:xfrm>
           <a:prstGeom prst="rect">
@@ -20043,7 +20043,7 @@
         </p:nvSpPr>
         <p:spPr>
           <a:xfrm>
-            <a:off x="6073804" y="4173581"/>
+            <a:off x="7129871" y="4173581"/>
             <a:ext cx="1369286" cy="954107"/>
           </a:xfrm>
           <a:prstGeom prst="rect">
@@ -20193,7 +20193,7 @@
         </p:nvSpPr>
         <p:spPr>
           <a:xfrm>
-            <a:off x="6073803" y="5127688"/>
+            <a:off x="7129870" y="5127688"/>
             <a:ext cx="1829347" cy="1169551"/>
           </a:xfrm>
           <a:prstGeom prst="rect">
@@ -20381,8 +20381,8 @@
         </p:nvSpPr>
         <p:spPr>
           <a:xfrm>
-            <a:off x="3269347" y="2304899"/>
-            <a:ext cx="1765263" cy="1881593"/>
+            <a:off x="4104835" y="2304899"/>
+            <a:ext cx="1919179" cy="1881593"/>
           </a:xfrm>
           <a:prstGeom prst="rect">
             <a:avLst/>
@@ -20430,8 +20430,8 @@
         </p:nvSpPr>
         <p:spPr>
           <a:xfrm>
-            <a:off x="3269347" y="1923900"/>
-            <a:ext cx="1765263" cy="381000"/>
+            <a:off x="4104835" y="1923900"/>
+            <a:ext cx="1919179" cy="381000"/>
           </a:xfrm>
           <a:prstGeom prst="rect">
             <a:avLst/>
@@ -20488,7 +20488,7 @@
         </p:nvSpPr>
         <p:spPr>
           <a:xfrm>
-            <a:off x="3383647" y="2356713"/>
+            <a:off x="4219135" y="2356713"/>
             <a:ext cx="1369286" cy="738664"/>
           </a:xfrm>
           <a:prstGeom prst="rect">
@@ -20600,7 +20600,7 @@
         </p:nvSpPr>
         <p:spPr>
           <a:xfrm>
-            <a:off x="3383647" y="3111107"/>
+            <a:off x="4219135" y="3111107"/>
             <a:ext cx="1829347" cy="954107"/>
           </a:xfrm>
           <a:prstGeom prst="rect">
@@ -20736,7 +20736,7 @@
         </p:nvSpPr>
         <p:spPr>
           <a:xfrm>
-            <a:off x="4196085" y="966493"/>
+            <a:off x="5252152" y="966493"/>
             <a:ext cx="1620957" cy="307777"/>
           </a:xfrm>
           <a:prstGeom prst="rect">
@@ -20778,7 +20778,7 @@
         </p:nvSpPr>
         <p:spPr>
           <a:xfrm>
-            <a:off x="4196085" y="5737618"/>
+            <a:off x="5252152" y="5737618"/>
             <a:ext cx="1620957" cy="307777"/>
           </a:xfrm>
           <a:prstGeom prst="rect">
@@ -20828,7 +20828,7 @@
         </p:nvSpPr>
         <p:spPr>
           <a:xfrm>
-            <a:off x="8186011" y="1396236"/>
+            <a:off x="9242078" y="1396236"/>
             <a:ext cx="1555234" cy="307777"/>
           </a:xfrm>
           <a:prstGeom prst="rect">
@@ -20881,7 +20881,7 @@
         </p:nvSpPr>
         <p:spPr>
           <a:xfrm>
-            <a:off x="8186011" y="2725717"/>
+            <a:off x="9242078" y="2725717"/>
             <a:ext cx="1955985" cy="307777"/>
           </a:xfrm>
           <a:prstGeom prst="rect">
@@ -20928,7 +20928,7 @@
         </p:nvCxnSpPr>
         <p:spPr>
           <a:xfrm flipH="1">
-            <a:off x="7611414" y="2879606"/>
+            <a:off x="8667481" y="2879606"/>
             <a:ext cx="574597" cy="0"/>
           </a:xfrm>
           <a:prstGeom prst="straightConnector1">
@@ -20971,7 +20971,7 @@
         </p:nvCxnSpPr>
         <p:spPr>
           <a:xfrm flipH="1">
-            <a:off x="7443090" y="1550125"/>
+            <a:off x="8499157" y="1550125"/>
             <a:ext cx="742921" cy="0"/>
           </a:xfrm>
           <a:prstGeom prst="straightConnector1">
@@ -21011,7 +21011,7 @@
         </p:nvSpPr>
         <p:spPr>
           <a:xfrm>
-            <a:off x="8186011" y="1088460"/>
+            <a:off x="9242078" y="1088460"/>
             <a:ext cx="1620957" cy="307777"/>
           </a:xfrm>
           <a:prstGeom prst="rect">
@@ -21055,7 +21055,7 @@
         </p:nvSpPr>
         <p:spPr>
           <a:xfrm>
-            <a:off x="8186011" y="2417940"/>
+            <a:off x="9242078" y="2417940"/>
             <a:ext cx="1441420" cy="307777"/>
           </a:xfrm>
           <a:prstGeom prst="rect">
@@ -21099,7 +21099,7 @@
         </p:nvSpPr>
         <p:spPr>
           <a:xfrm>
-            <a:off x="4444917" y="4623345"/>
+            <a:off x="5280405" y="4623345"/>
             <a:ext cx="992579" cy="307777"/>
           </a:xfrm>
           <a:prstGeom prst="rect">
@@ -21145,7 +21145,7 @@
         </p:nvCxnSpPr>
         <p:spPr>
           <a:xfrm flipH="1" flipV="1">
-            <a:off x="4415247" y="3111107"/>
+            <a:off x="5250735" y="3111107"/>
             <a:ext cx="12553" cy="2042071"/>
           </a:xfrm>
           <a:prstGeom prst="straightConnector1">
@@ -21185,7 +21185,7 @@
         </p:nvSpPr>
         <p:spPr>
           <a:xfrm>
-            <a:off x="4444917" y="4315569"/>
+            <a:off x="5280405" y="4315569"/>
             <a:ext cx="1620957" cy="307777"/>
           </a:xfrm>
           <a:prstGeom prst="rect">
@@ -21229,7 +21229,7 @@
         </p:nvSpPr>
         <p:spPr>
           <a:xfrm>
-            <a:off x="7133778" y="4580231"/>
+            <a:off x="8189845" y="4580231"/>
             <a:ext cx="180304" cy="369332"/>
           </a:xfrm>
           <a:prstGeom prst="rect">
@@ -21261,7 +21261,7 @@
         </p:nvSpPr>
         <p:spPr>
           <a:xfrm>
-            <a:off x="7404234" y="5942021"/>
+            <a:off x="8460301" y="5942021"/>
             <a:ext cx="180304" cy="369332"/>
           </a:xfrm>
           <a:prstGeom prst="rect">
@@ -21297,7 +21297,7 @@
         </p:nvCxnSpPr>
         <p:spPr>
           <a:xfrm flipH="1" flipV="1">
-            <a:off x="7314082" y="4764897"/>
+            <a:off x="8370149" y="4764897"/>
             <a:ext cx="270456" cy="1361790"/>
           </a:xfrm>
           <a:prstGeom prst="bentConnector3">
@@ -21339,7 +21339,7 @@
         </p:nvSpPr>
         <p:spPr>
           <a:xfrm>
-            <a:off x="8014337" y="5384678"/>
+            <a:off x="9070404" y="5384678"/>
             <a:ext cx="1101584" cy="307777"/>
           </a:xfrm>
           <a:prstGeom prst="rect">
@@ -21383,7 +21383,7 @@
         </p:nvSpPr>
         <p:spPr>
           <a:xfrm>
-            <a:off x="8014337" y="5076902"/>
+            <a:off x="9070404" y="5076902"/>
             <a:ext cx="1620957" cy="307777"/>
           </a:xfrm>
           <a:prstGeom prst="rect">
@@ -21457,8 +21457,8 @@
         </p:nvSpPr>
         <p:spPr>
           <a:xfrm>
-            <a:off x="3146673" y="1816334"/>
-            <a:ext cx="2046514" cy="3760218"/>
+            <a:off x="4044763" y="1816334"/>
+            <a:ext cx="2200430" cy="3760218"/>
           </a:xfrm>
           <a:prstGeom prst="rect">
             <a:avLst/>
@@ -21506,8 +21506,8 @@
         </p:nvSpPr>
         <p:spPr>
           <a:xfrm>
-            <a:off x="3146673" y="1447742"/>
-            <a:ext cx="2046514" cy="381000"/>
+            <a:off x="4044762" y="1447742"/>
+            <a:ext cx="2200431" cy="381000"/>
           </a:xfrm>
           <a:prstGeom prst="rect">
             <a:avLst/>
@@ -21564,7 +21564,7 @@
         </p:nvSpPr>
         <p:spPr>
           <a:xfrm>
-            <a:off x="3260973" y="4262212"/>
+            <a:off x="4159063" y="4262212"/>
             <a:ext cx="1189749" cy="523220"/>
           </a:xfrm>
           <a:prstGeom prst="rect">
@@ -21646,7 +21646,7 @@
         </p:nvSpPr>
         <p:spPr>
           <a:xfrm>
-            <a:off x="3260973" y="4764897"/>
+            <a:off x="4159063" y="4764897"/>
             <a:ext cx="1435008" cy="738664"/>
           </a:xfrm>
           <a:prstGeom prst="rect">
@@ -21730,7 +21730,7 @@
         </p:nvSpPr>
         <p:spPr>
           <a:xfrm>
-            <a:off x="5915227" y="854527"/>
+            <a:off x="7061447" y="854527"/>
             <a:ext cx="2046514" cy="2307362"/>
           </a:xfrm>
           <a:prstGeom prst="rect">
@@ -21776,7 +21776,7 @@
         </p:nvSpPr>
         <p:spPr>
           <a:xfrm>
-            <a:off x="5915227" y="473528"/>
+            <a:off x="7061447" y="473528"/>
             <a:ext cx="2046514" cy="381000"/>
           </a:xfrm>
           <a:prstGeom prst="rect">
@@ -21830,7 +21830,7 @@
         </p:nvSpPr>
         <p:spPr>
           <a:xfrm>
-            <a:off x="5915227" y="4077110"/>
+            <a:off x="7061447" y="4077110"/>
             <a:ext cx="2046514" cy="2307362"/>
           </a:xfrm>
           <a:prstGeom prst="rect">
@@ -21876,7 +21876,7 @@
         </p:nvSpPr>
         <p:spPr>
           <a:xfrm>
-            <a:off x="5915227" y="3696111"/>
+            <a:off x="7061447" y="3696111"/>
             <a:ext cx="2046514" cy="381000"/>
           </a:xfrm>
           <a:prstGeom prst="rect">
@@ -21934,8 +21934,8 @@
         </p:nvCxnSpPr>
         <p:spPr>
           <a:xfrm flipV="1">
-            <a:off x="5193187" y="2008208"/>
-            <a:ext cx="722040" cy="1688235"/>
+            <a:off x="6245193" y="2008208"/>
+            <a:ext cx="816254" cy="1688235"/>
           </a:xfrm>
           <a:prstGeom prst="bentConnector3">
             <a:avLst/>
@@ -21977,8 +21977,8 @@
         </p:nvCxnSpPr>
         <p:spPr>
           <a:xfrm>
-            <a:off x="5193187" y="3696443"/>
-            <a:ext cx="722040" cy="1534348"/>
+            <a:off x="6245193" y="3696443"/>
+            <a:ext cx="816254" cy="1534348"/>
           </a:xfrm>
           <a:prstGeom prst="bentConnector3">
             <a:avLst/>
@@ -22016,7 +22016,7 @@
         </p:nvSpPr>
         <p:spPr>
           <a:xfrm>
-            <a:off x="125914" y="2304899"/>
+            <a:off x="1024004" y="2304899"/>
             <a:ext cx="2046514" cy="1881593"/>
           </a:xfrm>
           <a:prstGeom prst="rect">
@@ -22065,7 +22065,7 @@
         </p:nvSpPr>
         <p:spPr>
           <a:xfrm>
-            <a:off x="125914" y="1923900"/>
+            <a:off x="1024004" y="1923900"/>
             <a:ext cx="2046514" cy="381000"/>
           </a:xfrm>
           <a:prstGeom prst="rect">
@@ -22123,7 +22123,7 @@
         </p:nvSpPr>
         <p:spPr>
           <a:xfrm>
-            <a:off x="240214" y="2356713"/>
+            <a:off x="1138304" y="2356713"/>
             <a:ext cx="1435008" cy="738664"/>
           </a:xfrm>
           <a:prstGeom prst="rect">
@@ -22221,7 +22221,7 @@
         </p:nvSpPr>
         <p:spPr>
           <a:xfrm>
-            <a:off x="240214" y="3111107"/>
+            <a:off x="1138304" y="3111107"/>
             <a:ext cx="1880643" cy="954107"/>
           </a:xfrm>
           <a:prstGeom prst="rect">
@@ -22355,7 +22355,7 @@
         </p:nvCxnSpPr>
         <p:spPr>
           <a:xfrm>
-            <a:off x="2172428" y="3245696"/>
+            <a:off x="3070518" y="3245696"/>
             <a:ext cx="1096919" cy="0"/>
           </a:xfrm>
           <a:prstGeom prst="straightConnector1">
@@ -22394,7 +22394,7 @@
         </p:nvSpPr>
         <p:spPr>
           <a:xfrm>
-            <a:off x="2449017" y="2839576"/>
+            <a:off x="3347107" y="2839576"/>
             <a:ext cx="543739" cy="307777"/>
           </a:xfrm>
           <a:prstGeom prst="rect">
@@ -22444,7 +22444,7 @@
         </p:nvSpPr>
         <p:spPr>
           <a:xfrm>
-            <a:off x="6073804" y="970689"/>
+            <a:off x="7220024" y="970689"/>
             <a:ext cx="1435008" cy="954107"/>
           </a:xfrm>
           <a:prstGeom prst="rect">
@@ -22566,7 +22566,7 @@
         </p:nvSpPr>
         <p:spPr>
           <a:xfrm>
-            <a:off x="6073804" y="1923900"/>
+            <a:off x="7220024" y="1923900"/>
             <a:ext cx="1829347" cy="1169551"/>
           </a:xfrm>
           <a:prstGeom prst="rect">
@@ -22698,7 +22698,7 @@
         </p:nvSpPr>
         <p:spPr>
           <a:xfrm>
-            <a:off x="6073804" y="4173581"/>
+            <a:off x="7220024" y="4173581"/>
             <a:ext cx="1435008" cy="954107"/>
           </a:xfrm>
           <a:prstGeom prst="rect">
@@ -22820,7 +22820,7 @@
         </p:nvSpPr>
         <p:spPr>
           <a:xfrm>
-            <a:off x="6073803" y="5127688"/>
+            <a:off x="7220023" y="5127688"/>
             <a:ext cx="1829347" cy="1169551"/>
           </a:xfrm>
           <a:prstGeom prst="rect">
@@ -22952,8 +22952,8 @@
         </p:nvSpPr>
         <p:spPr>
           <a:xfrm>
-            <a:off x="3269347" y="2304899"/>
-            <a:ext cx="1765263" cy="1881593"/>
+            <a:off x="4167437" y="2304899"/>
+            <a:ext cx="1919179" cy="1881593"/>
           </a:xfrm>
           <a:prstGeom prst="rect">
             <a:avLst/>
@@ -23001,8 +23001,8 @@
         </p:nvSpPr>
         <p:spPr>
           <a:xfrm>
-            <a:off x="3269347" y="1923900"/>
-            <a:ext cx="1765263" cy="381000"/>
+            <a:off x="4167437" y="1923900"/>
+            <a:ext cx="1919179" cy="381000"/>
           </a:xfrm>
           <a:prstGeom prst="rect">
             <a:avLst/>
@@ -23059,7 +23059,7 @@
         </p:nvSpPr>
         <p:spPr>
           <a:xfrm>
-            <a:off x="3383647" y="2356713"/>
+            <a:off x="4281737" y="2356713"/>
             <a:ext cx="1435008" cy="738664"/>
           </a:xfrm>
           <a:prstGeom prst="rect">
@@ -23157,7 +23157,7 @@
         </p:nvSpPr>
         <p:spPr>
           <a:xfrm>
-            <a:off x="3383647" y="3111107"/>
+            <a:off x="4281737" y="3111107"/>
             <a:ext cx="1829347" cy="954107"/>
           </a:xfrm>
           <a:prstGeom prst="rect">
@@ -23265,7 +23265,7 @@
         </p:nvSpPr>
         <p:spPr>
           <a:xfrm>
-            <a:off x="4196085" y="966493"/>
+            <a:off x="5342305" y="966493"/>
             <a:ext cx="1620957" cy="307777"/>
           </a:xfrm>
           <a:prstGeom prst="rect">
@@ -23307,7 +23307,7 @@
         </p:nvSpPr>
         <p:spPr>
           <a:xfrm>
-            <a:off x="4196085" y="5737618"/>
+            <a:off x="5342305" y="5737618"/>
             <a:ext cx="1620957" cy="307777"/>
           </a:xfrm>
           <a:prstGeom prst="rect">
@@ -23357,7 +23357,7 @@
         </p:nvSpPr>
         <p:spPr>
           <a:xfrm>
-            <a:off x="8186011" y="1396236"/>
+            <a:off x="9332231" y="1396236"/>
             <a:ext cx="1454244" cy="307777"/>
           </a:xfrm>
           <a:prstGeom prst="rect">
@@ -23413,7 +23413,7 @@
         </p:nvCxnSpPr>
         <p:spPr>
           <a:xfrm flipH="1">
-            <a:off x="7443090" y="1550125"/>
+            <a:off x="8589310" y="1550125"/>
             <a:ext cx="742921" cy="0"/>
           </a:xfrm>
           <a:prstGeom prst="straightConnector1">
@@ -23453,7 +23453,7 @@
         </p:nvSpPr>
         <p:spPr>
           <a:xfrm>
-            <a:off x="8186011" y="1088460"/>
+            <a:off x="9332231" y="1088460"/>
             <a:ext cx="1620957" cy="307777"/>
           </a:xfrm>
           <a:prstGeom prst="rect">
@@ -23497,7 +23497,7 @@
         </p:nvSpPr>
         <p:spPr>
           <a:xfrm>
-            <a:off x="4444917" y="4623345"/>
+            <a:off x="5343007" y="4623345"/>
             <a:ext cx="992579" cy="307777"/>
           </a:xfrm>
           <a:prstGeom prst="rect">
@@ -23543,7 +23543,7 @@
         </p:nvCxnSpPr>
         <p:spPr>
           <a:xfrm flipH="1" flipV="1">
-            <a:off x="4415247" y="3111107"/>
+            <a:off x="5313337" y="3111107"/>
             <a:ext cx="12553" cy="2042071"/>
           </a:xfrm>
           <a:prstGeom prst="straightConnector1">
@@ -23583,7 +23583,7 @@
         </p:nvSpPr>
         <p:spPr>
           <a:xfrm>
-            <a:off x="4444917" y="4315569"/>
+            <a:off x="5343007" y="4315569"/>
             <a:ext cx="1441420" cy="307777"/>
           </a:xfrm>
           <a:prstGeom prst="rect">
@@ -23627,7 +23627,7 @@
         </p:nvSpPr>
         <p:spPr>
           <a:xfrm>
-            <a:off x="7352938" y="4580231"/>
+            <a:off x="8499158" y="4580231"/>
             <a:ext cx="180304" cy="369332"/>
           </a:xfrm>
           <a:prstGeom prst="rect">
@@ -23659,7 +23659,7 @@
         </p:nvSpPr>
         <p:spPr>
           <a:xfrm>
-            <a:off x="7404234" y="5942021"/>
+            <a:off x="8550454" y="5942021"/>
             <a:ext cx="180304" cy="369332"/>
           </a:xfrm>
           <a:prstGeom prst="rect">
@@ -23695,7 +23695,7 @@
         </p:nvCxnSpPr>
         <p:spPr>
           <a:xfrm flipH="1" flipV="1">
-            <a:off x="7533242" y="4764897"/>
+            <a:off x="8679462" y="4764897"/>
             <a:ext cx="51296" cy="1361790"/>
           </a:xfrm>
           <a:prstGeom prst="bentConnector3">
@@ -23737,7 +23737,7 @@
         </p:nvSpPr>
         <p:spPr>
           <a:xfrm>
-            <a:off x="8014337" y="5384678"/>
+            <a:off x="9160557" y="5384678"/>
             <a:ext cx="1101584" cy="307777"/>
           </a:xfrm>
           <a:prstGeom prst="rect">
@@ -23781,7 +23781,7 @@
         </p:nvSpPr>
         <p:spPr>
           <a:xfrm>
-            <a:off x="8014337" y="5076902"/>
+            <a:off x="9160557" y="5076902"/>
             <a:ext cx="1441420" cy="307777"/>
           </a:xfrm>
           <a:prstGeom prst="rect">
@@ -23825,7 +23825,7 @@
         </p:nvSpPr>
         <p:spPr>
           <a:xfrm>
-            <a:off x="8186011" y="2725717"/>
+            <a:off x="9332231" y="2725717"/>
             <a:ext cx="1955985" cy="307777"/>
           </a:xfrm>
           <a:prstGeom prst="rect">
@@ -23872,7 +23872,7 @@
         </p:nvCxnSpPr>
         <p:spPr>
           <a:xfrm flipH="1">
-            <a:off x="7611414" y="2879606"/>
+            <a:off x="8757634" y="2879606"/>
             <a:ext cx="574597" cy="0"/>
           </a:xfrm>
           <a:prstGeom prst="straightConnector1">
@@ -23912,7 +23912,7 @@
         </p:nvSpPr>
         <p:spPr>
           <a:xfrm>
-            <a:off x="8186011" y="2417940"/>
+            <a:off x="9332231" y="2417940"/>
             <a:ext cx="1441420" cy="307777"/>
           </a:xfrm>
           <a:prstGeom prst="rect">

--- a/figure.pptx
+++ b/figure.pptx
@@ -12,14 +12,15 @@
     <p:sldId id="268" r:id="rId6"/>
     <p:sldId id="270" r:id="rId7"/>
     <p:sldId id="271" r:id="rId8"/>
-    <p:sldId id="272" r:id="rId9"/>
-    <p:sldId id="273" r:id="rId10"/>
-    <p:sldId id="258" r:id="rId11"/>
-    <p:sldId id="260" r:id="rId12"/>
-    <p:sldId id="274" r:id="rId13"/>
-    <p:sldId id="259" r:id="rId14"/>
-    <p:sldId id="261" r:id="rId15"/>
-    <p:sldId id="262" r:id="rId16"/>
+    <p:sldId id="275" r:id="rId9"/>
+    <p:sldId id="272" r:id="rId10"/>
+    <p:sldId id="273" r:id="rId11"/>
+    <p:sldId id="258" r:id="rId12"/>
+    <p:sldId id="260" r:id="rId13"/>
+    <p:sldId id="274" r:id="rId14"/>
+    <p:sldId id="259" r:id="rId15"/>
+    <p:sldId id="261" r:id="rId16"/>
+    <p:sldId id="262" r:id="rId17"/>
   </p:sldIdLst>
   <p:sldSz cx="12192000" cy="6858000"/>
   <p:notesSz cx="6858000" cy="9144000"/>
@@ -130,6 +131,7 @@
             <p14:sldId id="268"/>
             <p14:sldId id="270"/>
             <p14:sldId id="271"/>
+            <p14:sldId id="275"/>
             <p14:sldId id="272"/>
             <p14:sldId id="273"/>
             <p14:sldId id="258"/>
@@ -299,7 +301,7 @@
           <a:lstStyle/>
           <a:p>
             <a:fld id="{C2AD8780-42C5-0C46-A0D7-DA5B31AE8363}" type="datetimeFigureOut">
-              <a:t>2022/11/13</a:t>
+              <a:t>2022/11/15</a:t>
             </a:fld>
             <a:endParaRPr kumimoji="1" lang="ja-JP" altLang="en-US"/>
           </a:p>
@@ -527,7 +529,7 @@
           <a:lstStyle/>
           <a:p>
             <a:fld id="{C2AD8780-42C5-0C46-A0D7-DA5B31AE8363}" type="datetimeFigureOut">
-              <a:t>2022/11/13</a:t>
+              <a:t>2022/11/15</a:t>
             </a:fld>
             <a:endParaRPr kumimoji="1" lang="ja-JP" altLang="en-US"/>
           </a:p>
@@ -765,7 +767,7 @@
           <a:lstStyle/>
           <a:p>
             <a:fld id="{C2AD8780-42C5-0C46-A0D7-DA5B31AE8363}" type="datetimeFigureOut">
-              <a:t>2022/11/13</a:t>
+              <a:t>2022/11/15</a:t>
             </a:fld>
             <a:endParaRPr kumimoji="1" lang="ja-JP" altLang="en-US"/>
           </a:p>
@@ -993,7 +995,7 @@
           <a:lstStyle/>
           <a:p>
             <a:fld id="{C2AD8780-42C5-0C46-A0D7-DA5B31AE8363}" type="datetimeFigureOut">
-              <a:t>2022/11/13</a:t>
+              <a:t>2022/11/15</a:t>
             </a:fld>
             <a:endParaRPr kumimoji="1" lang="ja-JP" altLang="en-US"/>
           </a:p>
@@ -1266,7 +1268,7 @@
           <a:lstStyle/>
           <a:p>
             <a:fld id="{C2AD8780-42C5-0C46-A0D7-DA5B31AE8363}" type="datetimeFigureOut">
-              <a:t>2022/11/13</a:t>
+              <a:t>2022/11/15</a:t>
             </a:fld>
             <a:endParaRPr kumimoji="1" lang="ja-JP" altLang="en-US"/>
           </a:p>
@@ -1593,7 +1595,7 @@
           <a:lstStyle/>
           <a:p>
             <a:fld id="{C2AD8780-42C5-0C46-A0D7-DA5B31AE8363}" type="datetimeFigureOut">
-              <a:t>2022/11/13</a:t>
+              <a:t>2022/11/15</a:t>
             </a:fld>
             <a:endParaRPr kumimoji="1" lang="ja-JP" altLang="en-US"/>
           </a:p>
@@ -2067,7 +2069,7 @@
           <a:lstStyle/>
           <a:p>
             <a:fld id="{C2AD8780-42C5-0C46-A0D7-DA5B31AE8363}" type="datetimeFigureOut">
-              <a:t>2022/11/13</a:t>
+              <a:t>2022/11/15</a:t>
             </a:fld>
             <a:endParaRPr kumimoji="1" lang="ja-JP" altLang="en-US"/>
           </a:p>
@@ -2206,7 +2208,7 @@
           <a:lstStyle/>
           <a:p>
             <a:fld id="{C2AD8780-42C5-0C46-A0D7-DA5B31AE8363}" type="datetimeFigureOut">
-              <a:t>2022/11/13</a:t>
+              <a:t>2022/11/15</a:t>
             </a:fld>
             <a:endParaRPr kumimoji="1" lang="ja-JP" altLang="en-US"/>
           </a:p>
@@ -2317,7 +2319,7 @@
           <a:lstStyle/>
           <a:p>
             <a:fld id="{C2AD8780-42C5-0C46-A0D7-DA5B31AE8363}" type="datetimeFigureOut">
-              <a:t>2022/11/13</a:t>
+              <a:t>2022/11/15</a:t>
             </a:fld>
             <a:endParaRPr kumimoji="1" lang="ja-JP" altLang="en-US"/>
           </a:p>
@@ -2658,7 +2660,7 @@
           <a:lstStyle/>
           <a:p>
             <a:fld id="{C2AD8780-42C5-0C46-A0D7-DA5B31AE8363}" type="datetimeFigureOut">
-              <a:t>2022/11/13</a:t>
+              <a:t>2022/11/15</a:t>
             </a:fld>
             <a:endParaRPr kumimoji="1" lang="ja-JP" altLang="en-US"/>
           </a:p>
@@ -2944,7 +2946,7 @@
           <a:lstStyle/>
           <a:p>
             <a:fld id="{C2AD8780-42C5-0C46-A0D7-DA5B31AE8363}" type="datetimeFigureOut">
-              <a:t>2022/11/13</a:t>
+              <a:t>2022/11/15</a:t>
             </a:fld>
             <a:endParaRPr kumimoji="1" lang="ja-JP" altLang="en-US"/>
           </a:p>
@@ -3215,7 +3217,7 @@
           </a:lstStyle>
           <a:p>
             <a:fld id="{C2AD8780-42C5-0C46-A0D7-DA5B31AE8363}" type="datetimeFigureOut">
-              <a:t>2022/11/13</a:t>
+              <a:t>2022/11/15</a:t>
             </a:fld>
             <a:endParaRPr kumimoji="1" lang="ja-JP" altLang="en-US"/>
           </a:p>
@@ -4680,172 +4682,12 @@
           <a:chExt cx="0" cy="0"/>
         </a:xfrm>
       </p:grpSpPr>
-      <p:sp>
-        <p:nvSpPr>
-          <p:cNvPr id="9" name="右中かっこ 8">
-            <a:extLst>
-              <a:ext uri="{FF2B5EF4-FFF2-40B4-BE49-F238E27FC236}">
-                <a16:creationId xmlns:a16="http://schemas.microsoft.com/office/drawing/2014/main" id="{25AF4E1E-5F5B-6983-4423-C9BAF0BCA6B4}"/>
-              </a:ext>
-            </a:extLst>
-          </p:cNvPr>
-          <p:cNvSpPr/>
-          <p:nvPr/>
-        </p:nvSpPr>
-        <p:spPr>
-          <a:xfrm>
-            <a:off x="6067089" y="965200"/>
-            <a:ext cx="139584" cy="533400"/>
-          </a:xfrm>
-          <a:prstGeom prst="rightBrace">
-            <a:avLst/>
-          </a:prstGeom>
-        </p:spPr>
-        <p:style>
-          <a:lnRef idx="1">
-            <a:schemeClr val="accent1"/>
-          </a:lnRef>
-          <a:fillRef idx="0">
-            <a:schemeClr val="accent1"/>
-          </a:fillRef>
-          <a:effectRef idx="0">
-            <a:schemeClr val="accent1"/>
-          </a:effectRef>
-          <a:fontRef idx="minor">
-            <a:schemeClr val="tx1"/>
-          </a:fontRef>
-        </p:style>
-        <p:txBody>
-          <a:bodyPr rtlCol="0" anchor="ctr"/>
-          <a:lstStyle/>
-          <a:p>
-            <a:pPr algn="ctr"/>
-            <a:endParaRPr kumimoji="1" lang="ja-JP" altLang="en-US"/>
-          </a:p>
-        </p:txBody>
-      </p:sp>
-      <p:sp>
-        <p:nvSpPr>
-          <p:cNvPr id="10" name="テキスト ボックス 9">
-            <a:extLst>
-              <a:ext uri="{FF2B5EF4-FFF2-40B4-BE49-F238E27FC236}">
-                <a16:creationId xmlns:a16="http://schemas.microsoft.com/office/drawing/2014/main" id="{DCAD2E75-1A1E-40E1-88E9-662F472D41AB}"/>
-              </a:ext>
-            </a:extLst>
-          </p:cNvPr>
-          <p:cNvSpPr txBox="1"/>
-          <p:nvPr/>
-        </p:nvSpPr>
-        <p:spPr>
-          <a:xfrm>
-            <a:off x="6400440" y="1041400"/>
-            <a:ext cx="2262158" cy="369332"/>
-          </a:xfrm>
-          <a:prstGeom prst="rect">
-            <a:avLst/>
-          </a:prstGeom>
-          <a:noFill/>
-        </p:spPr>
-        <p:txBody>
-          <a:bodyPr wrap="none" rtlCol="0">
-            <a:spAutoFit/>
-          </a:bodyPr>
-          <a:lstStyle/>
-          <a:p>
-            <a:r>
-              <a:rPr kumimoji="1" lang="ja-JP" altLang="en-US"/>
-              <a:t>インスタンスを生成</a:t>
-            </a:r>
-            <a:endParaRPr kumimoji="1" lang="en-US" altLang="ja-JP"/>
-          </a:p>
-        </p:txBody>
-      </p:sp>
-      <p:sp>
-        <p:nvSpPr>
-          <p:cNvPr id="11" name="右中かっこ 10">
-            <a:extLst>
-              <a:ext uri="{FF2B5EF4-FFF2-40B4-BE49-F238E27FC236}">
-                <a16:creationId xmlns:a16="http://schemas.microsoft.com/office/drawing/2014/main" id="{CB29F5A7-A014-9E09-F028-AD5A1BCDC5B2}"/>
-              </a:ext>
-            </a:extLst>
-          </p:cNvPr>
-          <p:cNvSpPr/>
-          <p:nvPr/>
-        </p:nvSpPr>
-        <p:spPr>
-          <a:xfrm>
-            <a:off x="6069870" y="1575301"/>
-            <a:ext cx="139584" cy="533400"/>
-          </a:xfrm>
-          <a:prstGeom prst="rightBrace">
-            <a:avLst/>
-          </a:prstGeom>
-        </p:spPr>
-        <p:style>
-          <a:lnRef idx="1">
-            <a:schemeClr val="accent1"/>
-          </a:lnRef>
-          <a:fillRef idx="0">
-            <a:schemeClr val="accent1"/>
-          </a:fillRef>
-          <a:effectRef idx="0">
-            <a:schemeClr val="accent1"/>
-          </a:effectRef>
-          <a:fontRef idx="minor">
-            <a:schemeClr val="tx1"/>
-          </a:fontRef>
-        </p:style>
-        <p:txBody>
-          <a:bodyPr rtlCol="0" anchor="ctr"/>
-          <a:lstStyle/>
-          <a:p>
-            <a:pPr algn="ctr"/>
-            <a:endParaRPr kumimoji="1" lang="ja-JP" altLang="en-US"/>
-          </a:p>
-        </p:txBody>
-      </p:sp>
-      <p:sp>
-        <p:nvSpPr>
-          <p:cNvPr id="12" name="テキスト ボックス 11">
-            <a:extLst>
-              <a:ext uri="{FF2B5EF4-FFF2-40B4-BE49-F238E27FC236}">
-                <a16:creationId xmlns:a16="http://schemas.microsoft.com/office/drawing/2014/main" id="{3C47D9EC-2586-259D-2085-0E58D36A4692}"/>
-              </a:ext>
-            </a:extLst>
-          </p:cNvPr>
-          <p:cNvSpPr txBox="1"/>
-          <p:nvPr/>
-        </p:nvSpPr>
-        <p:spPr>
-          <a:xfrm>
-            <a:off x="6400440" y="1657335"/>
-            <a:ext cx="2031325" cy="369332"/>
-          </a:xfrm>
-          <a:prstGeom prst="rect">
-            <a:avLst/>
-          </a:prstGeom>
-          <a:noFill/>
-        </p:spPr>
-        <p:txBody>
-          <a:bodyPr wrap="none" rtlCol="0">
-            <a:spAutoFit/>
-          </a:bodyPr>
-          <a:lstStyle/>
-          <a:p>
-            <a:r>
-              <a:rPr kumimoji="1" lang="ja-JP" altLang="en-US"/>
-              <a:t>メソッドをコール</a:t>
-            </a:r>
-            <a:endParaRPr kumimoji="1" lang="en-US" altLang="ja-JP"/>
-          </a:p>
-        </p:txBody>
-      </p:sp>
       <p:pic>
         <p:nvPicPr>
-          <p:cNvPr id="3" name="図 2" descr="テキスト&#10;&#10;中程度の精度で自動的に生成された説明">
-            <a:extLst>
-              <a:ext uri="{FF2B5EF4-FFF2-40B4-BE49-F238E27FC236}">
-                <a16:creationId xmlns:a16="http://schemas.microsoft.com/office/drawing/2014/main" id="{D79D32FB-6539-2408-AC20-0299A9BCFFA8}"/>
+          <p:cNvPr id="6" name="図 5" descr="テーブル が含まれている画像&#10;&#10;自動的に生成された説明">
+            <a:extLst>
+              <a:ext uri="{FF2B5EF4-FFF2-40B4-BE49-F238E27FC236}">
+                <a16:creationId xmlns:a16="http://schemas.microsoft.com/office/drawing/2014/main" id="{2F41D0CD-6191-5585-725D-56538BDF5753}"/>
               </a:ext>
             </a:extLst>
           </p:cNvPr>
@@ -4863,17 +4705,696 @@
         <p:spPr>
           <a:xfrm>
             <a:off x="778329" y="965200"/>
-            <a:ext cx="4521200" cy="1181100"/>
+            <a:ext cx="5207000" cy="4927600"/>
           </a:xfrm>
           <a:prstGeom prst="rect">
             <a:avLst/>
           </a:prstGeom>
         </p:spPr>
       </p:pic>
+      <p:sp>
+        <p:nvSpPr>
+          <p:cNvPr id="7" name="右中かっこ 6">
+            <a:extLst>
+              <a:ext uri="{FF2B5EF4-FFF2-40B4-BE49-F238E27FC236}">
+                <a16:creationId xmlns:a16="http://schemas.microsoft.com/office/drawing/2014/main" id="{CB2D9E38-207F-4C53-F979-F7353FF81480}"/>
+              </a:ext>
+            </a:extLst>
+          </p:cNvPr>
+          <p:cNvSpPr/>
+          <p:nvPr/>
+        </p:nvSpPr>
+        <p:spPr>
+          <a:xfrm>
+            <a:off x="8978901" y="1219200"/>
+            <a:ext cx="203200" cy="696686"/>
+          </a:xfrm>
+          <a:prstGeom prst="rightBrace">
+            <a:avLst/>
+          </a:prstGeom>
+        </p:spPr>
+        <p:style>
+          <a:lnRef idx="1">
+            <a:schemeClr val="accent1"/>
+          </a:lnRef>
+          <a:fillRef idx="0">
+            <a:schemeClr val="accent1"/>
+          </a:fillRef>
+          <a:effectRef idx="0">
+            <a:schemeClr val="accent1"/>
+          </a:effectRef>
+          <a:fontRef idx="minor">
+            <a:schemeClr val="tx1"/>
+          </a:fontRef>
+        </p:style>
+        <p:txBody>
+          <a:bodyPr rtlCol="0" anchor="ctr"/>
+          <a:lstStyle/>
+          <a:p>
+            <a:pPr algn="ctr"/>
+            <a:endParaRPr kumimoji="1" lang="ja-JP" altLang="en-US"/>
+          </a:p>
+        </p:txBody>
+      </p:sp>
+      <p:sp>
+        <p:nvSpPr>
+          <p:cNvPr id="8" name="テキスト ボックス 7">
+            <a:extLst>
+              <a:ext uri="{FF2B5EF4-FFF2-40B4-BE49-F238E27FC236}">
+                <a16:creationId xmlns:a16="http://schemas.microsoft.com/office/drawing/2014/main" id="{1A9BDBEB-3802-6D26-8FF8-9B6260188FC5}"/>
+              </a:ext>
+            </a:extLst>
+          </p:cNvPr>
+          <p:cNvSpPr txBox="1"/>
+          <p:nvPr/>
+        </p:nvSpPr>
+        <p:spPr>
+          <a:xfrm>
+            <a:off x="9347199" y="1382877"/>
+            <a:ext cx="1338828" cy="369332"/>
+          </a:xfrm>
+          <a:prstGeom prst="rect">
+            <a:avLst/>
+          </a:prstGeom>
+          <a:noFill/>
+        </p:spPr>
+        <p:txBody>
+          <a:bodyPr wrap="none" rtlCol="0">
+            <a:spAutoFit/>
+          </a:bodyPr>
+          <a:lstStyle/>
+          <a:p>
+            <a:r>
+              <a:rPr lang="ja-JP" altLang="en-US"/>
+              <a:t>プロパティ</a:t>
+            </a:r>
+            <a:endParaRPr kumimoji="1" lang="ja-JP" altLang="en-US"/>
+          </a:p>
+        </p:txBody>
+      </p:sp>
+      <p:sp>
+        <p:nvSpPr>
+          <p:cNvPr id="9" name="右中かっこ 8">
+            <a:extLst>
+              <a:ext uri="{FF2B5EF4-FFF2-40B4-BE49-F238E27FC236}">
+                <a16:creationId xmlns:a16="http://schemas.microsoft.com/office/drawing/2014/main" id="{EF7CAD3D-7FB8-E40F-919C-E6B937416A26}"/>
+              </a:ext>
+            </a:extLst>
+          </p:cNvPr>
+          <p:cNvSpPr/>
+          <p:nvPr/>
+        </p:nvSpPr>
+        <p:spPr>
+          <a:xfrm>
+            <a:off x="8978901" y="2140856"/>
+            <a:ext cx="203200" cy="3497943"/>
+          </a:xfrm>
+          <a:prstGeom prst="rightBrace">
+            <a:avLst/>
+          </a:prstGeom>
+        </p:spPr>
+        <p:style>
+          <a:lnRef idx="1">
+            <a:schemeClr val="accent1"/>
+          </a:lnRef>
+          <a:fillRef idx="0">
+            <a:schemeClr val="accent1"/>
+          </a:fillRef>
+          <a:effectRef idx="0">
+            <a:schemeClr val="accent1"/>
+          </a:effectRef>
+          <a:fontRef idx="minor">
+            <a:schemeClr val="tx1"/>
+          </a:fontRef>
+        </p:style>
+        <p:txBody>
+          <a:bodyPr rtlCol="0" anchor="ctr"/>
+          <a:lstStyle/>
+          <a:p>
+            <a:pPr algn="ctr"/>
+            <a:endParaRPr kumimoji="1" lang="ja-JP" altLang="en-US"/>
+          </a:p>
+        </p:txBody>
+      </p:sp>
+      <p:sp>
+        <p:nvSpPr>
+          <p:cNvPr id="10" name="テキスト ボックス 9">
+            <a:extLst>
+              <a:ext uri="{FF2B5EF4-FFF2-40B4-BE49-F238E27FC236}">
+                <a16:creationId xmlns:a16="http://schemas.microsoft.com/office/drawing/2014/main" id="{E4E7D629-136F-6A5B-ED1E-631BB3B5E43B}"/>
+              </a:ext>
+            </a:extLst>
+          </p:cNvPr>
+          <p:cNvSpPr txBox="1"/>
+          <p:nvPr/>
+        </p:nvSpPr>
+        <p:spPr>
+          <a:xfrm>
+            <a:off x="9347199" y="3697905"/>
+            <a:ext cx="1107996" cy="369332"/>
+          </a:xfrm>
+          <a:prstGeom prst="rect">
+            <a:avLst/>
+          </a:prstGeom>
+          <a:noFill/>
+        </p:spPr>
+        <p:txBody>
+          <a:bodyPr wrap="none" rtlCol="0">
+            <a:spAutoFit/>
+          </a:bodyPr>
+          <a:lstStyle/>
+          <a:p>
+            <a:r>
+              <a:rPr lang="ja-JP" altLang="en-US"/>
+              <a:t>メソッド</a:t>
+            </a:r>
+            <a:endParaRPr kumimoji="1" lang="ja-JP" altLang="en-US"/>
+          </a:p>
+        </p:txBody>
+      </p:sp>
+      <p:sp>
+        <p:nvSpPr>
+          <p:cNvPr id="11" name="右中かっこ 10">
+            <a:extLst>
+              <a:ext uri="{FF2B5EF4-FFF2-40B4-BE49-F238E27FC236}">
+                <a16:creationId xmlns:a16="http://schemas.microsoft.com/office/drawing/2014/main" id="{1E464978-770F-72CE-7F7D-B3341BE9A43A}"/>
+              </a:ext>
+            </a:extLst>
+          </p:cNvPr>
+          <p:cNvSpPr/>
+          <p:nvPr/>
+        </p:nvSpPr>
+        <p:spPr>
+          <a:xfrm>
+            <a:off x="6067089" y="2140856"/>
+            <a:ext cx="139584" cy="1095830"/>
+          </a:xfrm>
+          <a:prstGeom prst="rightBrace">
+            <a:avLst/>
+          </a:prstGeom>
+        </p:spPr>
+        <p:style>
+          <a:lnRef idx="1">
+            <a:schemeClr val="accent1"/>
+          </a:lnRef>
+          <a:fillRef idx="0">
+            <a:schemeClr val="accent1"/>
+          </a:fillRef>
+          <a:effectRef idx="0">
+            <a:schemeClr val="accent1"/>
+          </a:effectRef>
+          <a:fontRef idx="minor">
+            <a:schemeClr val="tx1"/>
+          </a:fontRef>
+        </p:style>
+        <p:txBody>
+          <a:bodyPr rtlCol="0" anchor="ctr"/>
+          <a:lstStyle/>
+          <a:p>
+            <a:pPr algn="ctr"/>
+            <a:endParaRPr kumimoji="1" lang="ja-JP" altLang="en-US"/>
+          </a:p>
+        </p:txBody>
+      </p:sp>
+      <p:sp>
+        <p:nvSpPr>
+          <p:cNvPr id="12" name="テキスト ボックス 11">
+            <a:extLst>
+              <a:ext uri="{FF2B5EF4-FFF2-40B4-BE49-F238E27FC236}">
+                <a16:creationId xmlns:a16="http://schemas.microsoft.com/office/drawing/2014/main" id="{00E52BC3-632F-46CC-49E6-27E8C17C4A13}"/>
+              </a:ext>
+            </a:extLst>
+          </p:cNvPr>
+          <p:cNvSpPr txBox="1"/>
+          <p:nvPr/>
+        </p:nvSpPr>
+        <p:spPr>
+          <a:xfrm>
+            <a:off x="6400440" y="2365606"/>
+            <a:ext cx="2031325" cy="646331"/>
+          </a:xfrm>
+          <a:prstGeom prst="rect">
+            <a:avLst/>
+          </a:prstGeom>
+          <a:noFill/>
+        </p:spPr>
+        <p:txBody>
+          <a:bodyPr wrap="none" rtlCol="0">
+            <a:spAutoFit/>
+          </a:bodyPr>
+          <a:lstStyle/>
+          <a:p>
+            <a:r>
+              <a:rPr kumimoji="1" lang="ja-JP" altLang="en-US"/>
+              <a:t>マジックメソッド</a:t>
+            </a:r>
+            <a:endParaRPr kumimoji="1" lang="en-US" altLang="ja-JP"/>
+          </a:p>
+          <a:p>
+            <a:r>
+              <a:rPr kumimoji="1" lang="ja-JP" altLang="en-US"/>
+              <a:t>コンストラクタ</a:t>
+            </a:r>
+            <a:endParaRPr kumimoji="1" lang="en-US" altLang="ja-JP"/>
+          </a:p>
+        </p:txBody>
+      </p:sp>
+      <p:sp>
+        <p:nvSpPr>
+          <p:cNvPr id="15" name="テキスト ボックス 14">
+            <a:extLst>
+              <a:ext uri="{FF2B5EF4-FFF2-40B4-BE49-F238E27FC236}">
+                <a16:creationId xmlns:a16="http://schemas.microsoft.com/office/drawing/2014/main" id="{A65E6F60-07B6-A6F8-49E5-FBF76E7CE305}"/>
+              </a:ext>
+            </a:extLst>
+          </p:cNvPr>
+          <p:cNvSpPr txBox="1"/>
+          <p:nvPr/>
+        </p:nvSpPr>
+        <p:spPr>
+          <a:xfrm>
+            <a:off x="4184836" y="1059711"/>
+            <a:ext cx="1800493" cy="646331"/>
+          </a:xfrm>
+          <a:prstGeom prst="rect">
+            <a:avLst/>
+          </a:prstGeom>
+          <a:noFill/>
+        </p:spPr>
+        <p:txBody>
+          <a:bodyPr wrap="none" rtlCol="0">
+            <a:spAutoFit/>
+          </a:bodyPr>
+          <a:lstStyle/>
+          <a:p>
+            <a:r>
+              <a:rPr kumimoji="1" lang="ja-JP" altLang="en-US">
+                <a:highlight>
+                  <a:srgbClr val="FFFF00"/>
+                </a:highlight>
+              </a:rPr>
+              <a:t>アクセス修飾子</a:t>
+            </a:r>
+            <a:endParaRPr kumimoji="1" lang="en-US" altLang="ja-JP">
+              <a:highlight>
+                <a:srgbClr val="FFFF00"/>
+              </a:highlight>
+            </a:endParaRPr>
+          </a:p>
+          <a:p>
+            <a:r>
+              <a:rPr kumimoji="1" lang="ja-JP" altLang="en-US">
+                <a:highlight>
+                  <a:srgbClr val="00FF00"/>
+                </a:highlight>
+              </a:rPr>
+              <a:t>疑似変数</a:t>
+            </a:r>
+          </a:p>
+        </p:txBody>
+      </p:sp>
+      <p:sp>
+        <p:nvSpPr>
+          <p:cNvPr id="16" name="正方形/長方形 15">
+            <a:extLst>
+              <a:ext uri="{FF2B5EF4-FFF2-40B4-BE49-F238E27FC236}">
+                <a16:creationId xmlns:a16="http://schemas.microsoft.com/office/drawing/2014/main" id="{E874DF23-2D64-4C65-112D-5A898B2BA45D}"/>
+              </a:ext>
+            </a:extLst>
+          </p:cNvPr>
+          <p:cNvSpPr/>
+          <p:nvPr/>
+        </p:nvSpPr>
+        <p:spPr>
+          <a:xfrm>
+            <a:off x="1154613" y="1408388"/>
+            <a:ext cx="1022530" cy="507498"/>
+          </a:xfrm>
+          <a:prstGeom prst="rect">
+            <a:avLst/>
+          </a:prstGeom>
+          <a:solidFill>
+            <a:srgbClr val="FFFF00">
+              <a:alpha val="50000"/>
+            </a:srgbClr>
+          </a:solidFill>
+          <a:ln w="25400">
+            <a:noFill/>
+          </a:ln>
+        </p:spPr>
+        <p:style>
+          <a:lnRef idx="2">
+            <a:schemeClr val="accent1">
+              <a:shade val="50000"/>
+            </a:schemeClr>
+          </a:lnRef>
+          <a:fillRef idx="1">
+            <a:schemeClr val="accent1"/>
+          </a:fillRef>
+          <a:effectRef idx="0">
+            <a:schemeClr val="accent1"/>
+          </a:effectRef>
+          <a:fontRef idx="minor">
+            <a:schemeClr val="lt1"/>
+          </a:fontRef>
+        </p:style>
+        <p:txBody>
+          <a:bodyPr rtlCol="0" anchor="ctr"/>
+          <a:lstStyle/>
+          <a:p>
+            <a:pPr algn="ctr"/>
+            <a:endParaRPr kumimoji="1" lang="ja-JP" altLang="en-US"/>
+          </a:p>
+        </p:txBody>
+      </p:sp>
+      <p:sp>
+        <p:nvSpPr>
+          <p:cNvPr id="17" name="正方形/長方形 16">
+            <a:extLst>
+              <a:ext uri="{FF2B5EF4-FFF2-40B4-BE49-F238E27FC236}">
+                <a16:creationId xmlns:a16="http://schemas.microsoft.com/office/drawing/2014/main" id="{211F178E-D0ED-65DB-682A-A1F7EA0E14B7}"/>
+              </a:ext>
+            </a:extLst>
+          </p:cNvPr>
+          <p:cNvSpPr/>
+          <p:nvPr/>
+        </p:nvSpPr>
+        <p:spPr>
+          <a:xfrm>
+            <a:off x="1154613" y="2057792"/>
+            <a:ext cx="877387" cy="318309"/>
+          </a:xfrm>
+          <a:prstGeom prst="rect">
+            <a:avLst/>
+          </a:prstGeom>
+          <a:solidFill>
+            <a:srgbClr val="FFFF00">
+              <a:alpha val="50000"/>
+            </a:srgbClr>
+          </a:solidFill>
+          <a:ln w="25400">
+            <a:noFill/>
+          </a:ln>
+        </p:spPr>
+        <p:style>
+          <a:lnRef idx="2">
+            <a:schemeClr val="accent1">
+              <a:shade val="50000"/>
+            </a:schemeClr>
+          </a:lnRef>
+          <a:fillRef idx="1">
+            <a:schemeClr val="accent1"/>
+          </a:fillRef>
+          <a:effectRef idx="0">
+            <a:schemeClr val="accent1"/>
+          </a:effectRef>
+          <a:fontRef idx="minor">
+            <a:schemeClr val="lt1"/>
+          </a:fontRef>
+        </p:style>
+        <p:txBody>
+          <a:bodyPr rtlCol="0" anchor="ctr"/>
+          <a:lstStyle/>
+          <a:p>
+            <a:pPr algn="ctr"/>
+            <a:endParaRPr kumimoji="1" lang="ja-JP" altLang="en-US"/>
+          </a:p>
+        </p:txBody>
+      </p:sp>
+      <p:sp>
+        <p:nvSpPr>
+          <p:cNvPr id="18" name="正方形/長方形 17">
+            <a:extLst>
+              <a:ext uri="{FF2B5EF4-FFF2-40B4-BE49-F238E27FC236}">
+                <a16:creationId xmlns:a16="http://schemas.microsoft.com/office/drawing/2014/main" id="{A427E488-6811-384B-C7EE-DA2E23ACA6CF}"/>
+              </a:ext>
+            </a:extLst>
+          </p:cNvPr>
+          <p:cNvSpPr/>
+          <p:nvPr/>
+        </p:nvSpPr>
+        <p:spPr>
+          <a:xfrm>
+            <a:off x="1154613" y="3451274"/>
+            <a:ext cx="877387" cy="318309"/>
+          </a:xfrm>
+          <a:prstGeom prst="rect">
+            <a:avLst/>
+          </a:prstGeom>
+          <a:solidFill>
+            <a:srgbClr val="FFFF00">
+              <a:alpha val="50000"/>
+            </a:srgbClr>
+          </a:solidFill>
+          <a:ln w="25400">
+            <a:noFill/>
+          </a:ln>
+        </p:spPr>
+        <p:style>
+          <a:lnRef idx="2">
+            <a:schemeClr val="accent1">
+              <a:shade val="50000"/>
+            </a:schemeClr>
+          </a:lnRef>
+          <a:fillRef idx="1">
+            <a:schemeClr val="accent1"/>
+          </a:fillRef>
+          <a:effectRef idx="0">
+            <a:schemeClr val="accent1"/>
+          </a:effectRef>
+          <a:fontRef idx="minor">
+            <a:schemeClr val="lt1"/>
+          </a:fontRef>
+        </p:style>
+        <p:txBody>
+          <a:bodyPr rtlCol="0" anchor="ctr"/>
+          <a:lstStyle/>
+          <a:p>
+            <a:pPr algn="ctr"/>
+            <a:endParaRPr kumimoji="1" lang="ja-JP" altLang="en-US"/>
+          </a:p>
+        </p:txBody>
+      </p:sp>
+      <p:sp>
+        <p:nvSpPr>
+          <p:cNvPr id="19" name="正方形/長方形 18">
+            <a:extLst>
+              <a:ext uri="{FF2B5EF4-FFF2-40B4-BE49-F238E27FC236}">
+                <a16:creationId xmlns:a16="http://schemas.microsoft.com/office/drawing/2014/main" id="{34E2F616-3918-8FC6-39D8-89E6052CC6B7}"/>
+              </a:ext>
+            </a:extLst>
+          </p:cNvPr>
+          <p:cNvSpPr/>
+          <p:nvPr/>
+        </p:nvSpPr>
+        <p:spPr>
+          <a:xfrm>
+            <a:off x="1154613" y="4623806"/>
+            <a:ext cx="877387" cy="318309"/>
+          </a:xfrm>
+          <a:prstGeom prst="rect">
+            <a:avLst/>
+          </a:prstGeom>
+          <a:solidFill>
+            <a:srgbClr val="FFFF00">
+              <a:alpha val="50000"/>
+            </a:srgbClr>
+          </a:solidFill>
+          <a:ln w="25400">
+            <a:noFill/>
+          </a:ln>
+        </p:spPr>
+        <p:style>
+          <a:lnRef idx="2">
+            <a:schemeClr val="accent1">
+              <a:shade val="50000"/>
+            </a:schemeClr>
+          </a:lnRef>
+          <a:fillRef idx="1">
+            <a:schemeClr val="accent1"/>
+          </a:fillRef>
+          <a:effectRef idx="0">
+            <a:schemeClr val="accent1"/>
+          </a:effectRef>
+          <a:fontRef idx="minor">
+            <a:schemeClr val="lt1"/>
+          </a:fontRef>
+        </p:style>
+        <p:txBody>
+          <a:bodyPr rtlCol="0" anchor="ctr"/>
+          <a:lstStyle/>
+          <a:p>
+            <a:pPr algn="ctr"/>
+            <a:endParaRPr kumimoji="1" lang="ja-JP" altLang="en-US"/>
+          </a:p>
+        </p:txBody>
+      </p:sp>
+      <p:sp>
+        <p:nvSpPr>
+          <p:cNvPr id="20" name="正方形/長方形 19">
+            <a:extLst>
+              <a:ext uri="{FF2B5EF4-FFF2-40B4-BE49-F238E27FC236}">
+                <a16:creationId xmlns:a16="http://schemas.microsoft.com/office/drawing/2014/main" id="{F4B4BCB1-8272-79C7-CB66-100A7A5267D8}"/>
+              </a:ext>
+            </a:extLst>
+          </p:cNvPr>
+          <p:cNvSpPr/>
+          <p:nvPr/>
+        </p:nvSpPr>
+        <p:spPr>
+          <a:xfrm>
+            <a:off x="1640120" y="2546699"/>
+            <a:ext cx="742471" cy="507498"/>
+          </a:xfrm>
+          <a:prstGeom prst="rect">
+            <a:avLst/>
+          </a:prstGeom>
+          <a:solidFill>
+            <a:srgbClr val="8EFA00">
+              <a:alpha val="40000"/>
+            </a:srgbClr>
+          </a:solidFill>
+          <a:ln w="25400">
+            <a:noFill/>
+          </a:ln>
+        </p:spPr>
+        <p:style>
+          <a:lnRef idx="2">
+            <a:schemeClr val="accent1">
+              <a:shade val="50000"/>
+            </a:schemeClr>
+          </a:lnRef>
+          <a:fillRef idx="1">
+            <a:schemeClr val="accent1"/>
+          </a:fillRef>
+          <a:effectRef idx="0">
+            <a:schemeClr val="accent1"/>
+          </a:effectRef>
+          <a:fontRef idx="minor">
+            <a:schemeClr val="lt1"/>
+          </a:fontRef>
+        </p:style>
+        <p:txBody>
+          <a:bodyPr rtlCol="0" anchor="ctr"/>
+          <a:lstStyle/>
+          <a:p>
+            <a:pPr algn="ctr"/>
+            <a:endParaRPr kumimoji="1" lang="ja-JP" altLang="en-US"/>
+          </a:p>
+        </p:txBody>
+      </p:sp>
+      <p:sp>
+        <p:nvSpPr>
+          <p:cNvPr id="21" name="正方形/長方形 20">
+            <a:extLst>
+              <a:ext uri="{FF2B5EF4-FFF2-40B4-BE49-F238E27FC236}">
+                <a16:creationId xmlns:a16="http://schemas.microsoft.com/office/drawing/2014/main" id="{70E7047F-8A57-633A-0400-4B91F01E9C0D}"/>
+              </a:ext>
+            </a:extLst>
+          </p:cNvPr>
+          <p:cNvSpPr/>
+          <p:nvPr/>
+        </p:nvSpPr>
+        <p:spPr>
+          <a:xfrm>
+            <a:off x="2487979" y="3889827"/>
+            <a:ext cx="742471" cy="360201"/>
+          </a:xfrm>
+          <a:prstGeom prst="rect">
+            <a:avLst/>
+          </a:prstGeom>
+          <a:solidFill>
+            <a:srgbClr val="8EFA00">
+              <a:alpha val="40000"/>
+            </a:srgbClr>
+          </a:solidFill>
+          <a:ln w="25400">
+            <a:noFill/>
+          </a:ln>
+        </p:spPr>
+        <p:style>
+          <a:lnRef idx="2">
+            <a:schemeClr val="accent1">
+              <a:shade val="50000"/>
+            </a:schemeClr>
+          </a:lnRef>
+          <a:fillRef idx="1">
+            <a:schemeClr val="accent1"/>
+          </a:fillRef>
+          <a:effectRef idx="0">
+            <a:schemeClr val="accent1"/>
+          </a:effectRef>
+          <a:fontRef idx="minor">
+            <a:schemeClr val="lt1"/>
+          </a:fontRef>
+        </p:style>
+        <p:txBody>
+          <a:bodyPr rtlCol="0" anchor="ctr"/>
+          <a:lstStyle/>
+          <a:p>
+            <a:pPr algn="ctr"/>
+            <a:endParaRPr kumimoji="1" lang="ja-JP" altLang="en-US"/>
+          </a:p>
+        </p:txBody>
+      </p:sp>
+      <p:sp>
+        <p:nvSpPr>
+          <p:cNvPr id="22" name="正方形/長方形 21">
+            <a:extLst>
+              <a:ext uri="{FF2B5EF4-FFF2-40B4-BE49-F238E27FC236}">
+                <a16:creationId xmlns:a16="http://schemas.microsoft.com/office/drawing/2014/main" id="{9F9E7116-EF85-F145-68D3-4E40D3BAC6A2}"/>
+              </a:ext>
+            </a:extLst>
+          </p:cNvPr>
+          <p:cNvSpPr/>
+          <p:nvPr/>
+        </p:nvSpPr>
+        <p:spPr>
+          <a:xfrm>
+            <a:off x="2487979" y="4993630"/>
+            <a:ext cx="742471" cy="360201"/>
+          </a:xfrm>
+          <a:prstGeom prst="rect">
+            <a:avLst/>
+          </a:prstGeom>
+          <a:solidFill>
+            <a:srgbClr val="8EFA00">
+              <a:alpha val="40000"/>
+            </a:srgbClr>
+          </a:solidFill>
+          <a:ln w="25400">
+            <a:noFill/>
+          </a:ln>
+        </p:spPr>
+        <p:style>
+          <a:lnRef idx="2">
+            <a:schemeClr val="accent1">
+              <a:shade val="50000"/>
+            </a:schemeClr>
+          </a:lnRef>
+          <a:fillRef idx="1">
+            <a:schemeClr val="accent1"/>
+          </a:fillRef>
+          <a:effectRef idx="0">
+            <a:schemeClr val="accent1"/>
+          </a:effectRef>
+          <a:fontRef idx="minor">
+            <a:schemeClr val="lt1"/>
+          </a:fontRef>
+        </p:style>
+        <p:txBody>
+          <a:bodyPr rtlCol="0" anchor="ctr"/>
+          <a:lstStyle/>
+          <a:p>
+            <a:pPr algn="ctr"/>
+            <a:endParaRPr kumimoji="1" lang="ja-JP" altLang="en-US"/>
+          </a:p>
+        </p:txBody>
+      </p:sp>
     </p:spTree>
     <p:extLst>
       <p:ext uri="{BB962C8B-B14F-4D97-AF65-F5344CB8AC3E}">
-        <p14:creationId xmlns:p14="http://schemas.microsoft.com/office/powerpoint/2010/main" val="1974519546"/>
+        <p14:creationId xmlns:p14="http://schemas.microsoft.com/office/powerpoint/2010/main" val="4292414133"/>
       </p:ext>
     </p:extLst>
   </p:cSld>
@@ -4900,12 +5421,172 @@
           <a:chExt cx="0" cy="0"/>
         </a:xfrm>
       </p:grpSpPr>
+      <p:sp>
+        <p:nvSpPr>
+          <p:cNvPr id="9" name="右中かっこ 8">
+            <a:extLst>
+              <a:ext uri="{FF2B5EF4-FFF2-40B4-BE49-F238E27FC236}">
+                <a16:creationId xmlns:a16="http://schemas.microsoft.com/office/drawing/2014/main" id="{25AF4E1E-5F5B-6983-4423-C9BAF0BCA6B4}"/>
+              </a:ext>
+            </a:extLst>
+          </p:cNvPr>
+          <p:cNvSpPr/>
+          <p:nvPr/>
+        </p:nvSpPr>
+        <p:spPr>
+          <a:xfrm>
+            <a:off x="6067089" y="965200"/>
+            <a:ext cx="139584" cy="533400"/>
+          </a:xfrm>
+          <a:prstGeom prst="rightBrace">
+            <a:avLst/>
+          </a:prstGeom>
+        </p:spPr>
+        <p:style>
+          <a:lnRef idx="1">
+            <a:schemeClr val="accent1"/>
+          </a:lnRef>
+          <a:fillRef idx="0">
+            <a:schemeClr val="accent1"/>
+          </a:fillRef>
+          <a:effectRef idx="0">
+            <a:schemeClr val="accent1"/>
+          </a:effectRef>
+          <a:fontRef idx="minor">
+            <a:schemeClr val="tx1"/>
+          </a:fontRef>
+        </p:style>
+        <p:txBody>
+          <a:bodyPr rtlCol="0" anchor="ctr"/>
+          <a:lstStyle/>
+          <a:p>
+            <a:pPr algn="ctr"/>
+            <a:endParaRPr kumimoji="1" lang="ja-JP" altLang="en-US"/>
+          </a:p>
+        </p:txBody>
+      </p:sp>
+      <p:sp>
+        <p:nvSpPr>
+          <p:cNvPr id="10" name="テキスト ボックス 9">
+            <a:extLst>
+              <a:ext uri="{FF2B5EF4-FFF2-40B4-BE49-F238E27FC236}">
+                <a16:creationId xmlns:a16="http://schemas.microsoft.com/office/drawing/2014/main" id="{DCAD2E75-1A1E-40E1-88E9-662F472D41AB}"/>
+              </a:ext>
+            </a:extLst>
+          </p:cNvPr>
+          <p:cNvSpPr txBox="1"/>
+          <p:nvPr/>
+        </p:nvSpPr>
+        <p:spPr>
+          <a:xfrm>
+            <a:off x="6400440" y="1041400"/>
+            <a:ext cx="2262158" cy="369332"/>
+          </a:xfrm>
+          <a:prstGeom prst="rect">
+            <a:avLst/>
+          </a:prstGeom>
+          <a:noFill/>
+        </p:spPr>
+        <p:txBody>
+          <a:bodyPr wrap="none" rtlCol="0">
+            <a:spAutoFit/>
+          </a:bodyPr>
+          <a:lstStyle/>
+          <a:p>
+            <a:r>
+              <a:rPr kumimoji="1" lang="ja-JP" altLang="en-US"/>
+              <a:t>インスタンスを生成</a:t>
+            </a:r>
+            <a:endParaRPr kumimoji="1" lang="en-US" altLang="ja-JP"/>
+          </a:p>
+        </p:txBody>
+      </p:sp>
+      <p:sp>
+        <p:nvSpPr>
+          <p:cNvPr id="11" name="右中かっこ 10">
+            <a:extLst>
+              <a:ext uri="{FF2B5EF4-FFF2-40B4-BE49-F238E27FC236}">
+                <a16:creationId xmlns:a16="http://schemas.microsoft.com/office/drawing/2014/main" id="{CB29F5A7-A014-9E09-F028-AD5A1BCDC5B2}"/>
+              </a:ext>
+            </a:extLst>
+          </p:cNvPr>
+          <p:cNvSpPr/>
+          <p:nvPr/>
+        </p:nvSpPr>
+        <p:spPr>
+          <a:xfrm>
+            <a:off x="6069870" y="1575301"/>
+            <a:ext cx="139584" cy="533400"/>
+          </a:xfrm>
+          <a:prstGeom prst="rightBrace">
+            <a:avLst/>
+          </a:prstGeom>
+        </p:spPr>
+        <p:style>
+          <a:lnRef idx="1">
+            <a:schemeClr val="accent1"/>
+          </a:lnRef>
+          <a:fillRef idx="0">
+            <a:schemeClr val="accent1"/>
+          </a:fillRef>
+          <a:effectRef idx="0">
+            <a:schemeClr val="accent1"/>
+          </a:effectRef>
+          <a:fontRef idx="minor">
+            <a:schemeClr val="tx1"/>
+          </a:fontRef>
+        </p:style>
+        <p:txBody>
+          <a:bodyPr rtlCol="0" anchor="ctr"/>
+          <a:lstStyle/>
+          <a:p>
+            <a:pPr algn="ctr"/>
+            <a:endParaRPr kumimoji="1" lang="ja-JP" altLang="en-US"/>
+          </a:p>
+        </p:txBody>
+      </p:sp>
+      <p:sp>
+        <p:nvSpPr>
+          <p:cNvPr id="12" name="テキスト ボックス 11">
+            <a:extLst>
+              <a:ext uri="{FF2B5EF4-FFF2-40B4-BE49-F238E27FC236}">
+                <a16:creationId xmlns:a16="http://schemas.microsoft.com/office/drawing/2014/main" id="{3C47D9EC-2586-259D-2085-0E58D36A4692}"/>
+              </a:ext>
+            </a:extLst>
+          </p:cNvPr>
+          <p:cNvSpPr txBox="1"/>
+          <p:nvPr/>
+        </p:nvSpPr>
+        <p:spPr>
+          <a:xfrm>
+            <a:off x="6400440" y="1657335"/>
+            <a:ext cx="2031325" cy="369332"/>
+          </a:xfrm>
+          <a:prstGeom prst="rect">
+            <a:avLst/>
+          </a:prstGeom>
+          <a:noFill/>
+        </p:spPr>
+        <p:txBody>
+          <a:bodyPr wrap="none" rtlCol="0">
+            <a:spAutoFit/>
+          </a:bodyPr>
+          <a:lstStyle/>
+          <a:p>
+            <a:r>
+              <a:rPr kumimoji="1" lang="ja-JP" altLang="en-US"/>
+              <a:t>メソッドをコール</a:t>
+            </a:r>
+            <a:endParaRPr kumimoji="1" lang="en-US" altLang="ja-JP"/>
+          </a:p>
+        </p:txBody>
+      </p:sp>
       <p:pic>
         <p:nvPicPr>
           <p:cNvPr id="3" name="図 2" descr="テキスト&#10;&#10;中程度の精度で自動的に生成された説明">
             <a:extLst>
               <a:ext uri="{FF2B5EF4-FFF2-40B4-BE49-F238E27FC236}">
-                <a16:creationId xmlns:a16="http://schemas.microsoft.com/office/drawing/2014/main" id="{BC8433E8-079D-3B03-F69F-739934D4E23D}"/>
+                <a16:creationId xmlns:a16="http://schemas.microsoft.com/office/drawing/2014/main" id="{D79D32FB-6539-2408-AC20-0299A9BCFFA8}"/>
               </a:ext>
             </a:extLst>
           </p:cNvPr>
@@ -4922,384 +5603,18 @@
         </p:blipFill>
         <p:spPr>
           <a:xfrm>
-            <a:off x="845261" y="539233"/>
-            <a:ext cx="6019800" cy="4406900"/>
+            <a:off x="778329" y="965200"/>
+            <a:ext cx="4521200" cy="1181100"/>
           </a:xfrm>
           <a:prstGeom prst="rect">
             <a:avLst/>
           </a:prstGeom>
         </p:spPr>
       </p:pic>
-      <p:sp>
-        <p:nvSpPr>
-          <p:cNvPr id="7" name="テキスト ボックス 6">
-            <a:extLst>
-              <a:ext uri="{FF2B5EF4-FFF2-40B4-BE49-F238E27FC236}">
-                <a16:creationId xmlns:a16="http://schemas.microsoft.com/office/drawing/2014/main" id="{B3A20D9B-E56E-2A2F-936D-3E6CF49C1C7E}"/>
-              </a:ext>
-            </a:extLst>
-          </p:cNvPr>
-          <p:cNvSpPr txBox="1"/>
-          <p:nvPr/>
-        </p:nvSpPr>
-        <p:spPr>
-          <a:xfrm>
-            <a:off x="7035440" y="535324"/>
-            <a:ext cx="1569660" cy="369332"/>
-          </a:xfrm>
-          <a:prstGeom prst="rect">
-            <a:avLst/>
-          </a:prstGeom>
-          <a:noFill/>
-        </p:spPr>
-        <p:txBody>
-          <a:bodyPr wrap="none" rtlCol="0">
-            <a:spAutoFit/>
-          </a:bodyPr>
-          <a:lstStyle/>
-          <a:p>
-            <a:r>
-              <a:rPr kumimoji="1" lang="ja-JP" altLang="en-US"/>
-              <a:t>クラスを継承</a:t>
-            </a:r>
-            <a:endParaRPr kumimoji="1" lang="en-US" altLang="ja-JP"/>
-          </a:p>
-        </p:txBody>
-      </p:sp>
-      <p:sp>
-        <p:nvSpPr>
-          <p:cNvPr id="8" name="テキスト ボックス 7">
-            <a:extLst>
-              <a:ext uri="{FF2B5EF4-FFF2-40B4-BE49-F238E27FC236}">
-                <a16:creationId xmlns:a16="http://schemas.microsoft.com/office/drawing/2014/main" id="{4C8189C1-F3F4-64E9-7F19-82FE7B0CF0B2}"/>
-              </a:ext>
-            </a:extLst>
-          </p:cNvPr>
-          <p:cNvSpPr txBox="1"/>
-          <p:nvPr/>
-        </p:nvSpPr>
-        <p:spPr>
-          <a:xfrm>
-            <a:off x="7035440" y="904656"/>
-            <a:ext cx="1800493" cy="369332"/>
-          </a:xfrm>
-          <a:prstGeom prst="rect">
-            <a:avLst/>
-          </a:prstGeom>
-          <a:noFill/>
-        </p:spPr>
-        <p:txBody>
-          <a:bodyPr wrap="none" rtlCol="0">
-            <a:spAutoFit/>
-          </a:bodyPr>
-          <a:lstStyle/>
-          <a:p>
-            <a:r>
-              <a:rPr kumimoji="1" lang="ja-JP" altLang="en-US"/>
-              <a:t>独自プロパティ</a:t>
-            </a:r>
-            <a:endParaRPr kumimoji="1" lang="en-US" altLang="ja-JP"/>
-          </a:p>
-        </p:txBody>
-      </p:sp>
-      <p:sp>
-        <p:nvSpPr>
-          <p:cNvPr id="9" name="右中かっこ 8">
-            <a:extLst>
-              <a:ext uri="{FF2B5EF4-FFF2-40B4-BE49-F238E27FC236}">
-                <a16:creationId xmlns:a16="http://schemas.microsoft.com/office/drawing/2014/main" id="{95CA687E-7FD4-37D2-4B74-CC2599D773A8}"/>
-              </a:ext>
-            </a:extLst>
-          </p:cNvPr>
-          <p:cNvSpPr/>
-          <p:nvPr/>
-        </p:nvSpPr>
-        <p:spPr>
-          <a:xfrm>
-            <a:off x="7128806" y="1391557"/>
-            <a:ext cx="224494" cy="2342244"/>
-          </a:xfrm>
-          <a:prstGeom prst="rightBrace">
-            <a:avLst/>
-          </a:prstGeom>
-        </p:spPr>
-        <p:style>
-          <a:lnRef idx="1">
-            <a:schemeClr val="accent1"/>
-          </a:lnRef>
-          <a:fillRef idx="0">
-            <a:schemeClr val="accent1"/>
-          </a:fillRef>
-          <a:effectRef idx="0">
-            <a:schemeClr val="accent1"/>
-          </a:effectRef>
-          <a:fontRef idx="minor">
-            <a:schemeClr val="tx1"/>
-          </a:fontRef>
-        </p:style>
-        <p:txBody>
-          <a:bodyPr rtlCol="0" anchor="ctr"/>
-          <a:lstStyle/>
-          <a:p>
-            <a:pPr algn="ctr"/>
-            <a:endParaRPr kumimoji="1" lang="ja-JP" altLang="en-US"/>
-          </a:p>
-        </p:txBody>
-      </p:sp>
-      <p:sp>
-        <p:nvSpPr>
-          <p:cNvPr id="10" name="テキスト ボックス 9">
-            <a:extLst>
-              <a:ext uri="{FF2B5EF4-FFF2-40B4-BE49-F238E27FC236}">
-                <a16:creationId xmlns:a16="http://schemas.microsoft.com/office/drawing/2014/main" id="{CF0DCA1D-9A75-89D6-3745-058C3C88F603}"/>
-              </a:ext>
-            </a:extLst>
-          </p:cNvPr>
-          <p:cNvSpPr txBox="1"/>
-          <p:nvPr/>
-        </p:nvSpPr>
-        <p:spPr>
-          <a:xfrm>
-            <a:off x="7497103" y="2389805"/>
-            <a:ext cx="2535897" cy="369332"/>
-          </a:xfrm>
-          <a:prstGeom prst="rect">
-            <a:avLst/>
-          </a:prstGeom>
-          <a:noFill/>
-        </p:spPr>
-        <p:txBody>
-          <a:bodyPr wrap="square" rtlCol="0">
-            <a:spAutoFit/>
-          </a:bodyPr>
-          <a:lstStyle/>
-          <a:p>
-            <a:r>
-              <a:rPr lang="ja-JP" altLang="en-US"/>
-              <a:t>独自メソッド</a:t>
-            </a:r>
-            <a:endParaRPr kumimoji="1" lang="ja-JP" altLang="en-US"/>
-          </a:p>
-        </p:txBody>
-      </p:sp>
-      <p:sp>
-        <p:nvSpPr>
-          <p:cNvPr id="11" name="正方形/長方形 10">
-            <a:extLst>
-              <a:ext uri="{FF2B5EF4-FFF2-40B4-BE49-F238E27FC236}">
-                <a16:creationId xmlns:a16="http://schemas.microsoft.com/office/drawing/2014/main" id="{11649588-47A5-993B-A8B1-4304D9CF0080}"/>
-              </a:ext>
-            </a:extLst>
-          </p:cNvPr>
-          <p:cNvSpPr/>
-          <p:nvPr/>
-        </p:nvSpPr>
-        <p:spPr>
-          <a:xfrm>
-            <a:off x="1631131" y="1864609"/>
-            <a:ext cx="4035573" cy="318309"/>
-          </a:xfrm>
-          <a:prstGeom prst="rect">
-            <a:avLst/>
-          </a:prstGeom>
-          <a:solidFill>
-            <a:srgbClr val="FFFF00">
-              <a:alpha val="50000"/>
-            </a:srgbClr>
-          </a:solidFill>
-          <a:ln w="25400">
-            <a:noFill/>
-          </a:ln>
-        </p:spPr>
-        <p:style>
-          <a:lnRef idx="2">
-            <a:schemeClr val="accent1">
-              <a:shade val="50000"/>
-            </a:schemeClr>
-          </a:lnRef>
-          <a:fillRef idx="1">
-            <a:schemeClr val="accent1"/>
-          </a:fillRef>
-          <a:effectRef idx="0">
-            <a:schemeClr val="accent1"/>
-          </a:effectRef>
-          <a:fontRef idx="minor">
-            <a:schemeClr val="lt1"/>
-          </a:fontRef>
-        </p:style>
-        <p:txBody>
-          <a:bodyPr rtlCol="0" anchor="ctr"/>
-          <a:lstStyle/>
-          <a:p>
-            <a:pPr algn="ctr"/>
-            <a:endParaRPr kumimoji="1" lang="ja-JP" altLang="en-US"/>
-          </a:p>
-        </p:txBody>
-      </p:sp>
-      <p:sp>
-        <p:nvSpPr>
-          <p:cNvPr id="12" name="テキスト ボックス 11">
-            <a:extLst>
-              <a:ext uri="{FF2B5EF4-FFF2-40B4-BE49-F238E27FC236}">
-                <a16:creationId xmlns:a16="http://schemas.microsoft.com/office/drawing/2014/main" id="{BA32B810-D49F-088A-AB6F-91A057A64B8C}"/>
-              </a:ext>
-            </a:extLst>
-          </p:cNvPr>
-          <p:cNvSpPr txBox="1"/>
-          <p:nvPr/>
-        </p:nvSpPr>
-        <p:spPr>
-          <a:xfrm>
-            <a:off x="5465779" y="627657"/>
-            <a:ext cx="1338828" cy="369332"/>
-          </a:xfrm>
-          <a:prstGeom prst="rect">
-            <a:avLst/>
-          </a:prstGeom>
-          <a:noFill/>
-        </p:spPr>
-        <p:txBody>
-          <a:bodyPr wrap="none" rtlCol="0">
-            <a:spAutoFit/>
-          </a:bodyPr>
-          <a:lstStyle/>
-          <a:p>
-            <a:r>
-              <a:rPr kumimoji="1" lang="ja-JP" altLang="en-US">
-                <a:highlight>
-                  <a:srgbClr val="FFFF00"/>
-                </a:highlight>
-              </a:rPr>
-              <a:t>転送コール</a:t>
-            </a:r>
-            <a:endParaRPr kumimoji="1" lang="en-US" altLang="ja-JP">
-              <a:highlight>
-                <a:srgbClr val="FFFF00"/>
-              </a:highlight>
-            </a:endParaRPr>
-          </a:p>
-        </p:txBody>
-      </p:sp>
-      <p:sp>
-        <p:nvSpPr>
-          <p:cNvPr id="13" name="右中かっこ 12">
-            <a:extLst>
-              <a:ext uri="{FF2B5EF4-FFF2-40B4-BE49-F238E27FC236}">
-                <a16:creationId xmlns:a16="http://schemas.microsoft.com/office/drawing/2014/main" id="{EDF5FA1B-AB61-09C9-6D31-BA2FA2720A7B}"/>
-              </a:ext>
-            </a:extLst>
-          </p:cNvPr>
-          <p:cNvSpPr/>
-          <p:nvPr/>
-        </p:nvSpPr>
-        <p:spPr>
-          <a:xfrm>
-            <a:off x="7128806" y="4165600"/>
-            <a:ext cx="224494" cy="533400"/>
-          </a:xfrm>
-          <a:prstGeom prst="rightBrace">
-            <a:avLst/>
-          </a:prstGeom>
-        </p:spPr>
-        <p:style>
-          <a:lnRef idx="1">
-            <a:schemeClr val="accent1"/>
-          </a:lnRef>
-          <a:fillRef idx="0">
-            <a:schemeClr val="accent1"/>
-          </a:fillRef>
-          <a:effectRef idx="0">
-            <a:schemeClr val="accent1"/>
-          </a:effectRef>
-          <a:fontRef idx="minor">
-            <a:schemeClr val="tx1"/>
-          </a:fontRef>
-        </p:style>
-        <p:txBody>
-          <a:bodyPr rtlCol="0" anchor="ctr"/>
-          <a:lstStyle/>
-          <a:p>
-            <a:pPr algn="ctr"/>
-            <a:endParaRPr kumimoji="1" lang="ja-JP" altLang="en-US"/>
-          </a:p>
-        </p:txBody>
-      </p:sp>
-      <p:sp>
-        <p:nvSpPr>
-          <p:cNvPr id="14" name="テキスト ボックス 13">
-            <a:extLst>
-              <a:ext uri="{FF2B5EF4-FFF2-40B4-BE49-F238E27FC236}">
-                <a16:creationId xmlns:a16="http://schemas.microsoft.com/office/drawing/2014/main" id="{03E03879-4BCF-4B39-B3DC-21FEC6B024E1}"/>
-              </a:ext>
-            </a:extLst>
-          </p:cNvPr>
-          <p:cNvSpPr txBox="1"/>
-          <p:nvPr/>
-        </p:nvSpPr>
-        <p:spPr>
-          <a:xfrm>
-            <a:off x="7462157" y="4241800"/>
-            <a:ext cx="2262158" cy="369332"/>
-          </a:xfrm>
-          <a:prstGeom prst="rect">
-            <a:avLst/>
-          </a:prstGeom>
-          <a:noFill/>
-        </p:spPr>
-        <p:txBody>
-          <a:bodyPr wrap="none" rtlCol="0">
-            <a:spAutoFit/>
-          </a:bodyPr>
-          <a:lstStyle/>
-          <a:p>
-            <a:r>
-              <a:rPr kumimoji="1" lang="ja-JP" altLang="en-US"/>
-              <a:t>インスタンスを生成</a:t>
-            </a:r>
-            <a:endParaRPr kumimoji="1" lang="en-US" altLang="ja-JP"/>
-          </a:p>
-        </p:txBody>
-      </p:sp>
-      <p:sp>
-        <p:nvSpPr>
-          <p:cNvPr id="15" name="テキスト ボックス 14">
-            <a:extLst>
-              <a:ext uri="{FF2B5EF4-FFF2-40B4-BE49-F238E27FC236}">
-                <a16:creationId xmlns:a16="http://schemas.microsoft.com/office/drawing/2014/main" id="{7CC8C7FB-F084-9CC3-CE59-1B86984F2E6D}"/>
-              </a:ext>
-            </a:extLst>
-          </p:cNvPr>
-          <p:cNvSpPr txBox="1"/>
-          <p:nvPr/>
-        </p:nvSpPr>
-        <p:spPr>
-          <a:xfrm>
-            <a:off x="7035440" y="4761467"/>
-            <a:ext cx="2031325" cy="369332"/>
-          </a:xfrm>
-          <a:prstGeom prst="rect">
-            <a:avLst/>
-          </a:prstGeom>
-          <a:noFill/>
-        </p:spPr>
-        <p:txBody>
-          <a:bodyPr wrap="none" rtlCol="0">
-            <a:spAutoFit/>
-          </a:bodyPr>
-          <a:lstStyle/>
-          <a:p>
-            <a:r>
-              <a:rPr kumimoji="1" lang="ja-JP" altLang="en-US"/>
-              <a:t>メソッドをコール</a:t>
-            </a:r>
-            <a:endParaRPr kumimoji="1" lang="en-US" altLang="ja-JP"/>
-          </a:p>
-        </p:txBody>
-      </p:sp>
     </p:spTree>
     <p:extLst>
       <p:ext uri="{BB962C8B-B14F-4D97-AF65-F5344CB8AC3E}">
-        <p14:creationId xmlns:p14="http://schemas.microsoft.com/office/powerpoint/2010/main" val="383145531"/>
+        <p14:creationId xmlns:p14="http://schemas.microsoft.com/office/powerpoint/2010/main" val="1974519546"/>
       </p:ext>
     </p:extLst>
   </p:cSld>
@@ -5326,208 +5641,12 @@
           <a:chExt cx="0" cy="0"/>
         </a:xfrm>
       </p:grpSpPr>
-      <p:sp>
-        <p:nvSpPr>
-          <p:cNvPr id="9" name="右中かっこ 8">
-            <a:extLst>
-              <a:ext uri="{FF2B5EF4-FFF2-40B4-BE49-F238E27FC236}">
-                <a16:creationId xmlns:a16="http://schemas.microsoft.com/office/drawing/2014/main" id="{95CA687E-7FD4-37D2-4B74-CC2599D773A8}"/>
-              </a:ext>
-            </a:extLst>
-          </p:cNvPr>
-          <p:cNvSpPr/>
-          <p:nvPr/>
-        </p:nvSpPr>
-        <p:spPr>
-          <a:xfrm>
-            <a:off x="9808506" y="2521857"/>
-            <a:ext cx="224494" cy="2342244"/>
-          </a:xfrm>
-          <a:prstGeom prst="rightBrace">
-            <a:avLst/>
-          </a:prstGeom>
-        </p:spPr>
-        <p:style>
-          <a:lnRef idx="1">
-            <a:schemeClr val="accent1"/>
-          </a:lnRef>
-          <a:fillRef idx="0">
-            <a:schemeClr val="accent1"/>
-          </a:fillRef>
-          <a:effectRef idx="0">
-            <a:schemeClr val="accent1"/>
-          </a:effectRef>
-          <a:fontRef idx="minor">
-            <a:schemeClr val="tx1"/>
-          </a:fontRef>
-        </p:style>
-        <p:txBody>
-          <a:bodyPr rtlCol="0" anchor="ctr"/>
-          <a:lstStyle/>
-          <a:p>
-            <a:pPr algn="ctr"/>
-            <a:endParaRPr kumimoji="1" lang="ja-JP" altLang="en-US"/>
-          </a:p>
-        </p:txBody>
-      </p:sp>
-      <p:sp>
-        <p:nvSpPr>
-          <p:cNvPr id="10" name="テキスト ボックス 9">
-            <a:extLst>
-              <a:ext uri="{FF2B5EF4-FFF2-40B4-BE49-F238E27FC236}">
-                <a16:creationId xmlns:a16="http://schemas.microsoft.com/office/drawing/2014/main" id="{CF0DCA1D-9A75-89D6-3745-058C3C88F603}"/>
-              </a:ext>
-            </a:extLst>
-          </p:cNvPr>
-          <p:cNvSpPr txBox="1"/>
-          <p:nvPr/>
-        </p:nvSpPr>
-        <p:spPr>
-          <a:xfrm>
-            <a:off x="10176803" y="3520105"/>
-            <a:ext cx="2535897" cy="369332"/>
-          </a:xfrm>
-          <a:prstGeom prst="rect">
-            <a:avLst/>
-          </a:prstGeom>
-          <a:noFill/>
-        </p:spPr>
-        <p:txBody>
-          <a:bodyPr wrap="square" rtlCol="0">
-            <a:spAutoFit/>
-          </a:bodyPr>
-          <a:lstStyle/>
-          <a:p>
-            <a:r>
-              <a:rPr lang="ja-JP" altLang="en-US"/>
-              <a:t>独自メソッド</a:t>
-            </a:r>
-            <a:endParaRPr kumimoji="1" lang="ja-JP" altLang="en-US"/>
-          </a:p>
-        </p:txBody>
-      </p:sp>
-      <p:sp>
-        <p:nvSpPr>
-          <p:cNvPr id="12" name="テキスト ボックス 11">
-            <a:extLst>
-              <a:ext uri="{FF2B5EF4-FFF2-40B4-BE49-F238E27FC236}">
-                <a16:creationId xmlns:a16="http://schemas.microsoft.com/office/drawing/2014/main" id="{DD8A83C9-8176-2899-74F6-B135B67C31B1}"/>
-              </a:ext>
-            </a:extLst>
-          </p:cNvPr>
-          <p:cNvSpPr txBox="1"/>
-          <p:nvPr/>
-        </p:nvSpPr>
-        <p:spPr>
-          <a:xfrm>
-            <a:off x="6998664" y="1907956"/>
-            <a:ext cx="1927131" cy="369332"/>
-          </a:xfrm>
-          <a:prstGeom prst="rect">
-            <a:avLst/>
-          </a:prstGeom>
-          <a:noFill/>
-        </p:spPr>
-        <p:txBody>
-          <a:bodyPr wrap="none" rtlCol="0">
-            <a:spAutoFit/>
-          </a:bodyPr>
-          <a:lstStyle/>
-          <a:p>
-            <a:r>
-              <a:rPr lang="en-US" altLang="ja-JP"/>
-              <a:t>static</a:t>
-            </a:r>
-            <a:r>
-              <a:rPr kumimoji="1" lang="ja-JP" altLang="en-US"/>
-              <a:t>プロパティ</a:t>
-            </a:r>
-            <a:endParaRPr kumimoji="1" lang="en-US" altLang="ja-JP"/>
-          </a:p>
-        </p:txBody>
-      </p:sp>
-      <p:sp>
-        <p:nvSpPr>
-          <p:cNvPr id="13" name="テキスト ボックス 12">
-            <a:extLst>
-              <a:ext uri="{FF2B5EF4-FFF2-40B4-BE49-F238E27FC236}">
-                <a16:creationId xmlns:a16="http://schemas.microsoft.com/office/drawing/2014/main" id="{FEAD8BB6-24A6-3DC8-BCAD-169900B70FC5}"/>
-              </a:ext>
-            </a:extLst>
-          </p:cNvPr>
-          <p:cNvSpPr txBox="1"/>
-          <p:nvPr/>
-        </p:nvSpPr>
-        <p:spPr>
-          <a:xfrm>
-            <a:off x="6998664" y="3059668"/>
-            <a:ext cx="2262158" cy="369332"/>
-          </a:xfrm>
-          <a:prstGeom prst="rect">
-            <a:avLst/>
-          </a:prstGeom>
-          <a:noFill/>
-        </p:spPr>
-        <p:txBody>
-          <a:bodyPr wrap="none" rtlCol="0">
-            <a:spAutoFit/>
-          </a:bodyPr>
-          <a:lstStyle/>
-          <a:p>
-            <a:r>
-              <a:rPr kumimoji="1" lang="ja-JP" altLang="en-US"/>
-              <a:t>親のコンストラクタ</a:t>
-            </a:r>
-            <a:endParaRPr kumimoji="1" lang="en-US" altLang="ja-JP"/>
-          </a:p>
-        </p:txBody>
-      </p:sp>
-      <p:sp>
-        <p:nvSpPr>
-          <p:cNvPr id="8" name="テキスト ボックス 7">
-            <a:extLst>
-              <a:ext uri="{FF2B5EF4-FFF2-40B4-BE49-F238E27FC236}">
-                <a16:creationId xmlns:a16="http://schemas.microsoft.com/office/drawing/2014/main" id="{D98AF78C-BBBD-E35B-07A8-F961695C17C7}"/>
-              </a:ext>
-            </a:extLst>
-          </p:cNvPr>
-          <p:cNvSpPr txBox="1"/>
-          <p:nvPr/>
-        </p:nvSpPr>
-        <p:spPr>
-          <a:xfrm>
-            <a:off x="6998664" y="4026714"/>
-            <a:ext cx="1696298" cy="369332"/>
-          </a:xfrm>
-          <a:prstGeom prst="rect">
-            <a:avLst/>
-          </a:prstGeom>
-          <a:noFill/>
-        </p:spPr>
-        <p:txBody>
-          <a:bodyPr wrap="none" rtlCol="0">
-            <a:spAutoFit/>
-          </a:bodyPr>
-          <a:lstStyle/>
-          <a:p>
-            <a:r>
-              <a:rPr lang="en-US" altLang="ja-JP"/>
-              <a:t>static</a:t>
-            </a:r>
-            <a:r>
-              <a:rPr kumimoji="1" lang="ja-JP" altLang="en-US"/>
-              <a:t>メソッド</a:t>
-            </a:r>
-            <a:endParaRPr kumimoji="1" lang="en-US" altLang="ja-JP"/>
-          </a:p>
-        </p:txBody>
-      </p:sp>
       <p:pic>
         <p:nvPicPr>
-          <p:cNvPr id="4" name="図 3" descr="テキスト&#10;&#10;中程度の精度で自動的に生成された説明">
-            <a:extLst>
-              <a:ext uri="{FF2B5EF4-FFF2-40B4-BE49-F238E27FC236}">
-                <a16:creationId xmlns:a16="http://schemas.microsoft.com/office/drawing/2014/main" id="{D189E71A-0AB3-A8EC-EC66-DB1161B18A5C}"/>
+          <p:cNvPr id="3" name="図 2" descr="テキスト&#10;&#10;中程度の精度で自動的に生成された説明">
+            <a:extLst>
+              <a:ext uri="{FF2B5EF4-FFF2-40B4-BE49-F238E27FC236}">
+                <a16:creationId xmlns:a16="http://schemas.microsoft.com/office/drawing/2014/main" id="{BC8433E8-079D-3B03-F69F-739934D4E23D}"/>
               </a:ext>
             </a:extLst>
           </p:cNvPr>
@@ -5544,8 +5663,8 @@
         </p:blipFill>
         <p:spPr>
           <a:xfrm>
-            <a:off x="878604" y="1509307"/>
-            <a:ext cx="5645928" cy="4743119"/>
+            <a:off x="845261" y="539233"/>
+            <a:ext cx="6019800" cy="4406900"/>
           </a:xfrm>
           <a:prstGeom prst="rect">
             <a:avLst/>
@@ -5554,10 +5673,10 @@
       </p:pic>
       <p:sp>
         <p:nvSpPr>
-          <p:cNvPr id="14" name="テキスト ボックス 13">
-            <a:extLst>
-              <a:ext uri="{FF2B5EF4-FFF2-40B4-BE49-F238E27FC236}">
-                <a16:creationId xmlns:a16="http://schemas.microsoft.com/office/drawing/2014/main" id="{FC242ED5-C676-7D13-C947-50B09CC91ABA}"/>
+          <p:cNvPr id="7" name="テキスト ボックス 6">
+            <a:extLst>
+              <a:ext uri="{FF2B5EF4-FFF2-40B4-BE49-F238E27FC236}">
+                <a16:creationId xmlns:a16="http://schemas.microsoft.com/office/drawing/2014/main" id="{B3A20D9B-E56E-2A2F-936D-3E6CF49C1C7E}"/>
               </a:ext>
             </a:extLst>
           </p:cNvPr>
@@ -5566,7 +5685,7 @@
         </p:nvSpPr>
         <p:spPr>
           <a:xfrm>
-            <a:off x="6998664" y="1538624"/>
+            <a:off x="7035440" y="535324"/>
             <a:ext cx="1569660" cy="369332"/>
           </a:xfrm>
           <a:prstGeom prst="rect">
@@ -5590,10 +5709,10 @@
       </p:sp>
       <p:sp>
         <p:nvSpPr>
-          <p:cNvPr id="15" name="テキスト ボックス 14">
-            <a:extLst>
-              <a:ext uri="{FF2B5EF4-FFF2-40B4-BE49-F238E27FC236}">
-                <a16:creationId xmlns:a16="http://schemas.microsoft.com/office/drawing/2014/main" id="{56477847-9F87-FE39-F03E-249C3BB8E0B1}"/>
+          <p:cNvPr id="8" name="テキスト ボックス 7">
+            <a:extLst>
+              <a:ext uri="{FF2B5EF4-FFF2-40B4-BE49-F238E27FC236}">
+                <a16:creationId xmlns:a16="http://schemas.microsoft.com/office/drawing/2014/main" id="{4C8189C1-F3F4-64E9-7F19-82FE7B0CF0B2}"/>
               </a:ext>
             </a:extLst>
           </p:cNvPr>
@@ -5602,7 +5721,7 @@
         </p:nvSpPr>
         <p:spPr>
           <a:xfrm>
-            <a:off x="9743736" y="1907956"/>
+            <a:off x="7035440" y="904656"/>
             <a:ext cx="1800493" cy="369332"/>
           </a:xfrm>
           <a:prstGeom prst="rect">
@@ -5626,10 +5745,10 @@
       </p:sp>
       <p:sp>
         <p:nvSpPr>
-          <p:cNvPr id="16" name="右中かっこ 15">
-            <a:extLst>
-              <a:ext uri="{FF2B5EF4-FFF2-40B4-BE49-F238E27FC236}">
-                <a16:creationId xmlns:a16="http://schemas.microsoft.com/office/drawing/2014/main" id="{0F0F5A1B-4651-EA0A-FAEE-BB34AE9B38B8}"/>
+          <p:cNvPr id="9" name="右中かっこ 8">
+            <a:extLst>
+              <a:ext uri="{FF2B5EF4-FFF2-40B4-BE49-F238E27FC236}">
+                <a16:creationId xmlns:a16="http://schemas.microsoft.com/office/drawing/2014/main" id="{95CA687E-7FD4-37D2-4B74-CC2599D773A8}"/>
               </a:ext>
             </a:extLst>
           </p:cNvPr>
@@ -5638,8 +5757,8 @@
         </p:nvSpPr>
         <p:spPr>
           <a:xfrm>
-            <a:off x="6998664" y="5319376"/>
-            <a:ext cx="224494" cy="533400"/>
+            <a:off x="7128806" y="1391557"/>
+            <a:ext cx="224494" cy="2342244"/>
           </a:xfrm>
           <a:prstGeom prst="rightBrace">
             <a:avLst/>
@@ -5670,10 +5789,10 @@
       </p:sp>
       <p:sp>
         <p:nvSpPr>
-          <p:cNvPr id="17" name="テキスト ボックス 16">
-            <a:extLst>
-              <a:ext uri="{FF2B5EF4-FFF2-40B4-BE49-F238E27FC236}">
-                <a16:creationId xmlns:a16="http://schemas.microsoft.com/office/drawing/2014/main" id="{263CA80B-A555-7AAC-B41C-A928410ED38C}"/>
+          <p:cNvPr id="10" name="テキスト ボックス 9">
+            <a:extLst>
+              <a:ext uri="{FF2B5EF4-FFF2-40B4-BE49-F238E27FC236}">
+                <a16:creationId xmlns:a16="http://schemas.microsoft.com/office/drawing/2014/main" id="{CF0DCA1D-9A75-89D6-3745-058C3C88F603}"/>
               </a:ext>
             </a:extLst>
           </p:cNvPr>
@@ -5682,8 +5801,98 @@
         </p:nvSpPr>
         <p:spPr>
           <a:xfrm>
-            <a:off x="7437245" y="5395576"/>
-            <a:ext cx="2262158" cy="369332"/>
+            <a:off x="7497103" y="2389805"/>
+            <a:ext cx="2535897" cy="369332"/>
+          </a:xfrm>
+          <a:prstGeom prst="rect">
+            <a:avLst/>
+          </a:prstGeom>
+          <a:noFill/>
+        </p:spPr>
+        <p:txBody>
+          <a:bodyPr wrap="square" rtlCol="0">
+            <a:spAutoFit/>
+          </a:bodyPr>
+          <a:lstStyle/>
+          <a:p>
+            <a:r>
+              <a:rPr lang="ja-JP" altLang="en-US"/>
+              <a:t>独自メソッド</a:t>
+            </a:r>
+            <a:endParaRPr kumimoji="1" lang="ja-JP" altLang="en-US"/>
+          </a:p>
+        </p:txBody>
+      </p:sp>
+      <p:sp>
+        <p:nvSpPr>
+          <p:cNvPr id="11" name="正方形/長方形 10">
+            <a:extLst>
+              <a:ext uri="{FF2B5EF4-FFF2-40B4-BE49-F238E27FC236}">
+                <a16:creationId xmlns:a16="http://schemas.microsoft.com/office/drawing/2014/main" id="{11649588-47A5-993B-A8B1-4304D9CF0080}"/>
+              </a:ext>
+            </a:extLst>
+          </p:cNvPr>
+          <p:cNvSpPr/>
+          <p:nvPr/>
+        </p:nvSpPr>
+        <p:spPr>
+          <a:xfrm>
+            <a:off x="1631131" y="1864609"/>
+            <a:ext cx="4035573" cy="318309"/>
+          </a:xfrm>
+          <a:prstGeom prst="rect">
+            <a:avLst/>
+          </a:prstGeom>
+          <a:solidFill>
+            <a:srgbClr val="FFFF00">
+              <a:alpha val="50000"/>
+            </a:srgbClr>
+          </a:solidFill>
+          <a:ln w="25400">
+            <a:noFill/>
+          </a:ln>
+        </p:spPr>
+        <p:style>
+          <a:lnRef idx="2">
+            <a:schemeClr val="accent1">
+              <a:shade val="50000"/>
+            </a:schemeClr>
+          </a:lnRef>
+          <a:fillRef idx="1">
+            <a:schemeClr val="accent1"/>
+          </a:fillRef>
+          <a:effectRef idx="0">
+            <a:schemeClr val="accent1"/>
+          </a:effectRef>
+          <a:fontRef idx="minor">
+            <a:schemeClr val="lt1"/>
+          </a:fontRef>
+        </p:style>
+        <p:txBody>
+          <a:bodyPr rtlCol="0" anchor="ctr"/>
+          <a:lstStyle/>
+          <a:p>
+            <a:pPr algn="ctr"/>
+            <a:endParaRPr kumimoji="1" lang="ja-JP" altLang="en-US"/>
+          </a:p>
+        </p:txBody>
+      </p:sp>
+      <p:sp>
+        <p:nvSpPr>
+          <p:cNvPr id="12" name="テキスト ボックス 11">
+            <a:extLst>
+              <a:ext uri="{FF2B5EF4-FFF2-40B4-BE49-F238E27FC236}">
+                <a16:creationId xmlns:a16="http://schemas.microsoft.com/office/drawing/2014/main" id="{BA32B810-D49F-088A-AB6F-91A057A64B8C}"/>
+              </a:ext>
+            </a:extLst>
+          </p:cNvPr>
+          <p:cNvSpPr txBox="1"/>
+          <p:nvPr/>
+        </p:nvSpPr>
+        <p:spPr>
+          <a:xfrm>
+            <a:off x="5465779" y="627657"/>
+            <a:ext cx="1338828" cy="369332"/>
           </a:xfrm>
           <a:prstGeom prst="rect">
             <a:avLst/>
@@ -5697,19 +5906,71 @@
           <a:lstStyle/>
           <a:p>
             <a:r>
-              <a:rPr kumimoji="1" lang="ja-JP" altLang="en-US"/>
-              <a:t>インスタンスを生成</a:t>
-            </a:r>
-            <a:endParaRPr kumimoji="1" lang="en-US" altLang="ja-JP"/>
-          </a:p>
-        </p:txBody>
-      </p:sp>
-      <p:sp>
-        <p:nvSpPr>
-          <p:cNvPr id="18" name="テキスト ボックス 17">
-            <a:extLst>
-              <a:ext uri="{FF2B5EF4-FFF2-40B4-BE49-F238E27FC236}">
-                <a16:creationId xmlns:a16="http://schemas.microsoft.com/office/drawing/2014/main" id="{0B88F5D8-5B8D-52CC-3ECC-858BD2BD305B}"/>
+              <a:rPr kumimoji="1" lang="ja-JP" altLang="en-US">
+                <a:highlight>
+                  <a:srgbClr val="FFFF00"/>
+                </a:highlight>
+              </a:rPr>
+              <a:t>転送コール</a:t>
+            </a:r>
+            <a:endParaRPr kumimoji="1" lang="en-US" altLang="ja-JP">
+              <a:highlight>
+                <a:srgbClr val="FFFF00"/>
+              </a:highlight>
+            </a:endParaRPr>
+          </a:p>
+        </p:txBody>
+      </p:sp>
+      <p:sp>
+        <p:nvSpPr>
+          <p:cNvPr id="13" name="右中かっこ 12">
+            <a:extLst>
+              <a:ext uri="{FF2B5EF4-FFF2-40B4-BE49-F238E27FC236}">
+                <a16:creationId xmlns:a16="http://schemas.microsoft.com/office/drawing/2014/main" id="{EDF5FA1B-AB61-09C9-6D31-BA2FA2720A7B}"/>
+              </a:ext>
+            </a:extLst>
+          </p:cNvPr>
+          <p:cNvSpPr/>
+          <p:nvPr/>
+        </p:nvSpPr>
+        <p:spPr>
+          <a:xfrm>
+            <a:off x="7128806" y="4165600"/>
+            <a:ext cx="224494" cy="533400"/>
+          </a:xfrm>
+          <a:prstGeom prst="rightBrace">
+            <a:avLst/>
+          </a:prstGeom>
+        </p:spPr>
+        <p:style>
+          <a:lnRef idx="1">
+            <a:schemeClr val="accent1"/>
+          </a:lnRef>
+          <a:fillRef idx="0">
+            <a:schemeClr val="accent1"/>
+          </a:fillRef>
+          <a:effectRef idx="0">
+            <a:schemeClr val="accent1"/>
+          </a:effectRef>
+          <a:fontRef idx="minor">
+            <a:schemeClr val="tx1"/>
+          </a:fontRef>
+        </p:style>
+        <p:txBody>
+          <a:bodyPr rtlCol="0" anchor="ctr"/>
+          <a:lstStyle/>
+          <a:p>
+            <a:pPr algn="ctr"/>
+            <a:endParaRPr kumimoji="1" lang="ja-JP" altLang="en-US"/>
+          </a:p>
+        </p:txBody>
+      </p:sp>
+      <p:sp>
+        <p:nvSpPr>
+          <p:cNvPr id="14" name="テキスト ボックス 13">
+            <a:extLst>
+              <a:ext uri="{FF2B5EF4-FFF2-40B4-BE49-F238E27FC236}">
+                <a16:creationId xmlns:a16="http://schemas.microsoft.com/office/drawing/2014/main" id="{03E03879-4BCF-4B39-B3DC-21FEC6B024E1}"/>
               </a:ext>
             </a:extLst>
           </p:cNvPr>
@@ -5718,8 +5979,8 @@
         </p:nvSpPr>
         <p:spPr>
           <a:xfrm>
-            <a:off x="6998664" y="5915243"/>
-            <a:ext cx="2031325" cy="369332"/>
+            <a:off x="7462157" y="4241800"/>
+            <a:ext cx="2262158" cy="369332"/>
           </a:xfrm>
           <a:prstGeom prst="rect">
             <a:avLst/>
@@ -5734,6 +5995,42 @@
           <a:p>
             <a:r>
               <a:rPr kumimoji="1" lang="ja-JP" altLang="en-US"/>
+              <a:t>インスタンスを生成</a:t>
+            </a:r>
+            <a:endParaRPr kumimoji="1" lang="en-US" altLang="ja-JP"/>
+          </a:p>
+        </p:txBody>
+      </p:sp>
+      <p:sp>
+        <p:nvSpPr>
+          <p:cNvPr id="15" name="テキスト ボックス 14">
+            <a:extLst>
+              <a:ext uri="{FF2B5EF4-FFF2-40B4-BE49-F238E27FC236}">
+                <a16:creationId xmlns:a16="http://schemas.microsoft.com/office/drawing/2014/main" id="{7CC8C7FB-F084-9CC3-CE59-1B86984F2E6D}"/>
+              </a:ext>
+            </a:extLst>
+          </p:cNvPr>
+          <p:cNvSpPr txBox="1"/>
+          <p:nvPr/>
+        </p:nvSpPr>
+        <p:spPr>
+          <a:xfrm>
+            <a:off x="7035440" y="4761467"/>
+            <a:ext cx="2031325" cy="369332"/>
+          </a:xfrm>
+          <a:prstGeom prst="rect">
+            <a:avLst/>
+          </a:prstGeom>
+          <a:noFill/>
+        </p:spPr>
+        <p:txBody>
+          <a:bodyPr wrap="none" rtlCol="0">
+            <a:spAutoFit/>
+          </a:bodyPr>
+          <a:lstStyle/>
+          <a:p>
+            <a:r>
+              <a:rPr kumimoji="1" lang="ja-JP" altLang="en-US"/>
               <a:t>メソッドをコール</a:t>
             </a:r>
             <a:endParaRPr kumimoji="1" lang="en-US" altLang="ja-JP"/>
@@ -5743,7 +6040,7 @@
     </p:spTree>
     <p:extLst>
       <p:ext uri="{BB962C8B-B14F-4D97-AF65-F5344CB8AC3E}">
-        <p14:creationId xmlns:p14="http://schemas.microsoft.com/office/powerpoint/2010/main" val="3367165133"/>
+        <p14:creationId xmlns:p14="http://schemas.microsoft.com/office/powerpoint/2010/main" val="383145531"/>
       </p:ext>
     </p:extLst>
   </p:cSld>
@@ -5772,10 +6069,10 @@
       </p:grpSpPr>
       <p:sp>
         <p:nvSpPr>
-          <p:cNvPr id="6" name="正方形/長方形 5">
-            <a:extLst>
-              <a:ext uri="{FF2B5EF4-FFF2-40B4-BE49-F238E27FC236}">
-                <a16:creationId xmlns:a16="http://schemas.microsoft.com/office/drawing/2014/main" id="{C9C02D05-25D4-EA2D-FE8C-904CF4B90C1A}"/>
+          <p:cNvPr id="9" name="右中かっこ 8">
+            <a:extLst>
+              <a:ext uri="{FF2B5EF4-FFF2-40B4-BE49-F238E27FC236}">
+                <a16:creationId xmlns:a16="http://schemas.microsoft.com/office/drawing/2014/main" id="{95CA687E-7FD4-37D2-4B74-CC2599D773A8}"/>
               </a:ext>
             </a:extLst>
           </p:cNvPr>
@@ -5784,458 +6081,12 @@
         </p:nvSpPr>
         <p:spPr>
           <a:xfrm>
-            <a:off x="3146673" y="2523496"/>
-            <a:ext cx="2046514" cy="2164928"/>
-          </a:xfrm>
-          <a:prstGeom prst="rect">
-            <a:avLst/>
-          </a:prstGeom>
-          <a:noFill/>
-        </p:spPr>
-        <p:style>
-          <a:lnRef idx="2">
-            <a:schemeClr val="accent1">
-              <a:shade val="50000"/>
-            </a:schemeClr>
-          </a:lnRef>
-          <a:fillRef idx="1">
-            <a:schemeClr val="accent1"/>
-          </a:fillRef>
-          <a:effectRef idx="0">
-            <a:schemeClr val="accent1"/>
-          </a:effectRef>
-          <a:fontRef idx="minor">
-            <a:schemeClr val="lt1"/>
-          </a:fontRef>
-        </p:style>
-        <p:txBody>
-          <a:bodyPr rtlCol="0" anchor="ctr"/>
-          <a:lstStyle/>
-          <a:p>
-            <a:pPr algn="ctr"/>
-            <a:endParaRPr kumimoji="1" lang="ja-JP" altLang="en-US">
-              <a:noFill/>
-            </a:endParaRPr>
-          </a:p>
-        </p:txBody>
-      </p:sp>
-      <p:sp>
-        <p:nvSpPr>
-          <p:cNvPr id="7" name="正方形/長方形 6">
-            <a:extLst>
-              <a:ext uri="{FF2B5EF4-FFF2-40B4-BE49-F238E27FC236}">
-                <a16:creationId xmlns:a16="http://schemas.microsoft.com/office/drawing/2014/main" id="{A4DE77E2-1CE8-74C1-18C3-A722FF20EEE8}"/>
-              </a:ext>
-            </a:extLst>
-          </p:cNvPr>
-          <p:cNvSpPr/>
-          <p:nvPr/>
-        </p:nvSpPr>
-        <p:spPr>
-          <a:xfrm>
-            <a:off x="3146673" y="2142497"/>
-            <a:ext cx="2046514" cy="381000"/>
-          </a:xfrm>
-          <a:prstGeom prst="rect">
-            <a:avLst/>
-          </a:prstGeom>
-        </p:spPr>
-        <p:style>
-          <a:lnRef idx="2">
-            <a:schemeClr val="accent1">
-              <a:shade val="50000"/>
-            </a:schemeClr>
-          </a:lnRef>
-          <a:fillRef idx="1">
-            <a:schemeClr val="accent1"/>
-          </a:fillRef>
-          <a:effectRef idx="0">
-            <a:schemeClr val="accent1"/>
-          </a:effectRef>
-          <a:fontRef idx="minor">
-            <a:schemeClr val="lt1"/>
-          </a:fontRef>
-        </p:style>
-        <p:txBody>
-          <a:bodyPr rtlCol="0" anchor="ctr"/>
-          <a:lstStyle/>
-          <a:p>
-            <a:pPr algn="ctr"/>
-            <a:r>
-              <a:rPr lang="ja-JP" altLang="en-US" sz="1400"/>
-              <a:t>クラス</a:t>
-            </a:r>
-            <a:r>
-              <a:rPr lang="en-US" altLang="ja-JP" sz="1400"/>
-              <a:t> </a:t>
-            </a:r>
-            <a:r>
-              <a:rPr kumimoji="1" lang="en-US" altLang="ja-JP" sz="1400"/>
-              <a:t>Person2</a:t>
-            </a:r>
-            <a:endParaRPr kumimoji="1" lang="ja-JP" altLang="en-US" sz="1400"/>
-          </a:p>
-        </p:txBody>
-      </p:sp>
-      <p:sp>
-        <p:nvSpPr>
-          <p:cNvPr id="8" name="テキスト ボックス 7">
-            <a:extLst>
-              <a:ext uri="{FF2B5EF4-FFF2-40B4-BE49-F238E27FC236}">
-                <a16:creationId xmlns:a16="http://schemas.microsoft.com/office/drawing/2014/main" id="{1A6A510B-C237-4F2B-9739-3ECA1EF552C5}"/>
-              </a:ext>
-            </a:extLst>
-          </p:cNvPr>
-          <p:cNvSpPr txBox="1"/>
-          <p:nvPr/>
-        </p:nvSpPr>
-        <p:spPr>
-          <a:xfrm>
-            <a:off x="3260973" y="2587675"/>
-            <a:ext cx="1082348" cy="954107"/>
-          </a:xfrm>
-          <a:prstGeom prst="rect">
-            <a:avLst/>
-          </a:prstGeom>
-          <a:noFill/>
-        </p:spPr>
-        <p:txBody>
-          <a:bodyPr wrap="none" rtlCol="0">
-            <a:spAutoFit/>
-          </a:bodyPr>
-          <a:lstStyle/>
-          <a:p>
-            <a:r>
-              <a:rPr lang="ja-JP" altLang="en-US" sz="1400"/>
-              <a:t>プロパティ</a:t>
-            </a:r>
-            <a:endParaRPr lang="en-US" altLang="ja-JP" sz="1400"/>
-          </a:p>
-          <a:p>
-            <a:r>
-              <a:rPr kumimoji="1" lang="en-US" altLang="ja-JP" sz="1400"/>
-              <a:t>$name</a:t>
-            </a:r>
-          </a:p>
-          <a:p>
-            <a:r>
-              <a:rPr kumimoji="1" lang="en-US" altLang="ja-JP" sz="1400"/>
-              <a:t>$age</a:t>
-            </a:r>
-          </a:p>
-          <a:p>
-            <a:r>
-              <a:rPr lang="en-US" altLang="ja-JP" sz="1400" b="1">
-                <a:solidFill>
-                  <a:srgbClr val="C00000"/>
-                </a:solidFill>
-              </a:rPr>
-              <a:t>$sex</a:t>
-            </a:r>
-            <a:endParaRPr kumimoji="1" lang="ja-JP" altLang="en-US" sz="1400" b="1">
-              <a:solidFill>
-                <a:srgbClr val="C00000"/>
-              </a:solidFill>
-            </a:endParaRPr>
-          </a:p>
-        </p:txBody>
-      </p:sp>
-      <p:sp>
-        <p:nvSpPr>
-          <p:cNvPr id="9" name="テキスト ボックス 8">
-            <a:extLst>
-              <a:ext uri="{FF2B5EF4-FFF2-40B4-BE49-F238E27FC236}">
-                <a16:creationId xmlns:a16="http://schemas.microsoft.com/office/drawing/2014/main" id="{4CC5BBBE-8B18-ED14-2FE6-EBE68785A4E6}"/>
-              </a:ext>
-            </a:extLst>
-          </p:cNvPr>
-          <p:cNvSpPr txBox="1"/>
-          <p:nvPr/>
-        </p:nvSpPr>
-        <p:spPr>
-          <a:xfrm>
-            <a:off x="3260973" y="3514614"/>
-            <a:ext cx="1141659" cy="1169551"/>
-          </a:xfrm>
-          <a:prstGeom prst="rect">
-            <a:avLst/>
-          </a:prstGeom>
-          <a:noFill/>
-        </p:spPr>
-        <p:txBody>
-          <a:bodyPr wrap="none" rtlCol="0">
-            <a:spAutoFit/>
-          </a:bodyPr>
-          <a:lstStyle/>
-          <a:p>
-            <a:r>
-              <a:rPr lang="ja-JP" altLang="en-US" sz="1400"/>
-              <a:t>メソッド</a:t>
-            </a:r>
-            <a:endParaRPr lang="en-US" altLang="ja-JP" sz="1400"/>
-          </a:p>
-          <a:p>
-            <a:r>
-              <a:rPr kumimoji="1" lang="en-US" altLang="ja-JP" sz="1400"/>
-              <a:t>__construct</a:t>
-            </a:r>
-          </a:p>
-          <a:p>
-            <a:r>
-              <a:rPr kumimoji="1" lang="en-US" altLang="ja-JP" sz="1400"/>
-              <a:t>getName()</a:t>
-            </a:r>
-          </a:p>
-          <a:p>
-            <a:r>
-              <a:rPr lang="en-US" altLang="ja-JP" sz="1400"/>
-              <a:t>getAge()</a:t>
-            </a:r>
-          </a:p>
-          <a:p>
-            <a:r>
-              <a:rPr kumimoji="1" lang="en-US" altLang="ja-JP" sz="1400" b="1">
-                <a:solidFill>
-                  <a:srgbClr val="C00000"/>
-                </a:solidFill>
-              </a:rPr>
-              <a:t>getSex()</a:t>
-            </a:r>
-            <a:endParaRPr kumimoji="1" lang="ja-JP" altLang="en-US" sz="1400" b="1">
-              <a:solidFill>
-                <a:srgbClr val="C00000"/>
-              </a:solidFill>
-            </a:endParaRPr>
-          </a:p>
-        </p:txBody>
-      </p:sp>
-      <p:sp>
-        <p:nvSpPr>
-          <p:cNvPr id="18" name="正方形/長方形 17">
-            <a:extLst>
-              <a:ext uri="{FF2B5EF4-FFF2-40B4-BE49-F238E27FC236}">
-                <a16:creationId xmlns:a16="http://schemas.microsoft.com/office/drawing/2014/main" id="{49F66668-8596-48EB-672B-30E41BCE517A}"/>
-              </a:ext>
-            </a:extLst>
-          </p:cNvPr>
-          <p:cNvSpPr/>
-          <p:nvPr/>
-        </p:nvSpPr>
-        <p:spPr>
-          <a:xfrm>
-            <a:off x="5915227" y="854527"/>
-            <a:ext cx="2046514" cy="2307362"/>
-          </a:xfrm>
-          <a:prstGeom prst="rect">
-            <a:avLst/>
-          </a:prstGeom>
-        </p:spPr>
-        <p:style>
-          <a:lnRef idx="2">
-            <a:schemeClr val="accent2"/>
-          </a:lnRef>
-          <a:fillRef idx="1">
-            <a:schemeClr val="lt1"/>
-          </a:fillRef>
-          <a:effectRef idx="0">
-            <a:schemeClr val="accent2"/>
-          </a:effectRef>
-          <a:fontRef idx="minor">
-            <a:schemeClr val="dk1"/>
-          </a:fontRef>
-        </p:style>
-        <p:txBody>
-          <a:bodyPr rtlCol="0" anchor="ctr"/>
-          <a:lstStyle/>
-          <a:p>
-            <a:pPr algn="ctr"/>
-            <a:endParaRPr kumimoji="1" lang="ja-JP" altLang="en-US">
-              <a:noFill/>
-            </a:endParaRPr>
-          </a:p>
-        </p:txBody>
-      </p:sp>
-      <p:sp>
-        <p:nvSpPr>
-          <p:cNvPr id="19" name="正方形/長方形 18">
-            <a:extLst>
-              <a:ext uri="{FF2B5EF4-FFF2-40B4-BE49-F238E27FC236}">
-                <a16:creationId xmlns:a16="http://schemas.microsoft.com/office/drawing/2014/main" id="{603604BD-3C30-34E5-6F4B-97E63E988D68}"/>
-              </a:ext>
-            </a:extLst>
-          </p:cNvPr>
-          <p:cNvSpPr/>
-          <p:nvPr/>
-        </p:nvSpPr>
-        <p:spPr>
-          <a:xfrm>
-            <a:off x="5915227" y="473528"/>
-            <a:ext cx="2046514" cy="381000"/>
-          </a:xfrm>
-          <a:prstGeom prst="rect">
-            <a:avLst/>
-          </a:prstGeom>
-        </p:spPr>
-        <p:style>
-          <a:lnRef idx="2">
-            <a:schemeClr val="accent2">
-              <a:shade val="50000"/>
-            </a:schemeClr>
-          </a:lnRef>
-          <a:fillRef idx="1">
-            <a:schemeClr val="accent2"/>
-          </a:fillRef>
-          <a:effectRef idx="0">
-            <a:schemeClr val="accent2"/>
-          </a:effectRef>
-          <a:fontRef idx="minor">
-            <a:schemeClr val="lt1"/>
-          </a:fontRef>
-        </p:style>
-        <p:txBody>
-          <a:bodyPr rtlCol="0" anchor="ctr"/>
-          <a:lstStyle/>
-          <a:p>
-            <a:pPr algn="ctr"/>
-            <a:r>
-              <a:rPr lang="ja-JP" altLang="en-US" sz="1200"/>
-              <a:t>インスタンス</a:t>
-            </a:r>
-            <a:r>
-              <a:rPr lang="en-US" altLang="ja-JP" sz="1200"/>
-              <a:t> $person_a</a:t>
-            </a:r>
-            <a:endParaRPr kumimoji="1" lang="ja-JP" altLang="en-US" sz="1200"/>
-          </a:p>
-        </p:txBody>
-      </p:sp>
-      <p:sp>
-        <p:nvSpPr>
-          <p:cNvPr id="22" name="正方形/長方形 21">
-            <a:extLst>
-              <a:ext uri="{FF2B5EF4-FFF2-40B4-BE49-F238E27FC236}">
-                <a16:creationId xmlns:a16="http://schemas.microsoft.com/office/drawing/2014/main" id="{31372575-F42B-C17D-9960-EAA709E74C00}"/>
-              </a:ext>
-            </a:extLst>
-          </p:cNvPr>
-          <p:cNvSpPr/>
-          <p:nvPr/>
-        </p:nvSpPr>
-        <p:spPr>
-          <a:xfrm>
-            <a:off x="5915227" y="4077110"/>
-            <a:ext cx="2046514" cy="2307362"/>
-          </a:xfrm>
-          <a:prstGeom prst="rect">
-            <a:avLst/>
-          </a:prstGeom>
-        </p:spPr>
-        <p:style>
-          <a:lnRef idx="2">
-            <a:schemeClr val="accent2"/>
-          </a:lnRef>
-          <a:fillRef idx="1">
-            <a:schemeClr val="lt1"/>
-          </a:fillRef>
-          <a:effectRef idx="0">
-            <a:schemeClr val="accent2"/>
-          </a:effectRef>
-          <a:fontRef idx="minor">
-            <a:schemeClr val="dk1"/>
-          </a:fontRef>
-        </p:style>
-        <p:txBody>
-          <a:bodyPr rtlCol="0" anchor="ctr"/>
-          <a:lstStyle/>
-          <a:p>
-            <a:pPr algn="ctr"/>
-            <a:endParaRPr kumimoji="1" lang="ja-JP" altLang="en-US">
-              <a:noFill/>
-            </a:endParaRPr>
-          </a:p>
-        </p:txBody>
-      </p:sp>
-      <p:sp>
-        <p:nvSpPr>
-          <p:cNvPr id="23" name="正方形/長方形 22">
-            <a:extLst>
-              <a:ext uri="{FF2B5EF4-FFF2-40B4-BE49-F238E27FC236}">
-                <a16:creationId xmlns:a16="http://schemas.microsoft.com/office/drawing/2014/main" id="{2AEFF6F2-BD8F-CAA0-9CA7-09024DC99CF8}"/>
-              </a:ext>
-            </a:extLst>
-          </p:cNvPr>
-          <p:cNvSpPr/>
-          <p:nvPr/>
-        </p:nvSpPr>
-        <p:spPr>
-          <a:xfrm>
-            <a:off x="5915227" y="3696111"/>
-            <a:ext cx="2046514" cy="381000"/>
-          </a:xfrm>
-          <a:prstGeom prst="rect">
-            <a:avLst/>
-          </a:prstGeom>
-        </p:spPr>
-        <p:style>
-          <a:lnRef idx="2">
-            <a:schemeClr val="accent2">
-              <a:shade val="50000"/>
-            </a:schemeClr>
-          </a:lnRef>
-          <a:fillRef idx="1">
-            <a:schemeClr val="accent2"/>
-          </a:fillRef>
-          <a:effectRef idx="0">
-            <a:schemeClr val="accent2"/>
-          </a:effectRef>
-          <a:fontRef idx="minor">
-            <a:schemeClr val="lt1"/>
-          </a:fontRef>
-        </p:style>
-        <p:txBody>
-          <a:bodyPr rtlCol="0" anchor="ctr"/>
-          <a:lstStyle/>
-          <a:p>
-            <a:pPr algn="ctr"/>
-            <a:r>
-              <a:rPr lang="ja-JP" altLang="en-US" sz="1200"/>
-              <a:t>インスタンス</a:t>
-            </a:r>
-            <a:r>
-              <a:rPr lang="en-US" altLang="ja-JP" sz="1200"/>
-              <a:t> $person_b</a:t>
-            </a:r>
-            <a:endParaRPr kumimoji="1" lang="ja-JP" altLang="en-US" sz="1200"/>
-          </a:p>
-        </p:txBody>
-      </p:sp>
-      <p:cxnSp>
-        <p:nvCxnSpPr>
-          <p:cNvPr id="27" name="カギ線コネクタ 26">
-            <a:extLst>
-              <a:ext uri="{FF2B5EF4-FFF2-40B4-BE49-F238E27FC236}">
-                <a16:creationId xmlns:a16="http://schemas.microsoft.com/office/drawing/2014/main" id="{A814CACA-41B7-06D5-71AC-911932BB97F9}"/>
-              </a:ext>
-            </a:extLst>
-          </p:cNvPr>
-          <p:cNvCxnSpPr>
-            <a:cxnSpLocks/>
-            <a:stCxn id="6" idx="3"/>
-            <a:endCxn id="18" idx="1"/>
-          </p:cNvCxnSpPr>
-          <p:nvPr/>
-        </p:nvCxnSpPr>
-        <p:spPr>
-          <a:xfrm flipV="1">
-            <a:off x="5193187" y="2008208"/>
-            <a:ext cx="722040" cy="1597752"/>
-          </a:xfrm>
-          <a:prstGeom prst="bentConnector3">
-            <a:avLst/>
-          </a:prstGeom>
-          <a:ln>
-            <a:tailEnd type="triangle"/>
-          </a:ln>
+            <a:off x="9808506" y="2521857"/>
+            <a:ext cx="224494" cy="2342244"/>
+          </a:xfrm>
+          <a:prstGeom prst="rightBrace">
+            <a:avLst/>
+          </a:prstGeom>
         </p:spPr>
         <p:style>
           <a:lnRef idx="1">
@@ -6251,34 +6102,289 @@
             <a:schemeClr val="tx1"/>
           </a:fontRef>
         </p:style>
-      </p:cxnSp>
-      <p:cxnSp>
-        <p:nvCxnSpPr>
-          <p:cNvPr id="28" name="カギ線コネクタ 27">
-            <a:extLst>
-              <a:ext uri="{FF2B5EF4-FFF2-40B4-BE49-F238E27FC236}">
-                <a16:creationId xmlns:a16="http://schemas.microsoft.com/office/drawing/2014/main" id="{977835E2-32A9-BBD7-77A1-D2EDACE2D1CF}"/>
-              </a:ext>
-            </a:extLst>
-          </p:cNvPr>
-          <p:cNvCxnSpPr>
-            <a:cxnSpLocks/>
-            <a:stCxn id="6" idx="3"/>
-            <a:endCxn id="22" idx="1"/>
-          </p:cNvCxnSpPr>
-          <p:nvPr/>
-        </p:nvCxnSpPr>
-        <p:spPr>
-          <a:xfrm>
-            <a:off x="5193187" y="3605960"/>
-            <a:ext cx="722040" cy="1624831"/>
-          </a:xfrm>
-          <a:prstGeom prst="bentConnector3">
-            <a:avLst/>
-          </a:prstGeom>
-          <a:ln>
-            <a:tailEnd type="triangle"/>
-          </a:ln>
+        <p:txBody>
+          <a:bodyPr rtlCol="0" anchor="ctr"/>
+          <a:lstStyle/>
+          <a:p>
+            <a:pPr algn="ctr"/>
+            <a:endParaRPr kumimoji="1" lang="ja-JP" altLang="en-US"/>
+          </a:p>
+        </p:txBody>
+      </p:sp>
+      <p:sp>
+        <p:nvSpPr>
+          <p:cNvPr id="10" name="テキスト ボックス 9">
+            <a:extLst>
+              <a:ext uri="{FF2B5EF4-FFF2-40B4-BE49-F238E27FC236}">
+                <a16:creationId xmlns:a16="http://schemas.microsoft.com/office/drawing/2014/main" id="{CF0DCA1D-9A75-89D6-3745-058C3C88F603}"/>
+              </a:ext>
+            </a:extLst>
+          </p:cNvPr>
+          <p:cNvSpPr txBox="1"/>
+          <p:nvPr/>
+        </p:nvSpPr>
+        <p:spPr>
+          <a:xfrm>
+            <a:off x="10176803" y="3520105"/>
+            <a:ext cx="2535897" cy="369332"/>
+          </a:xfrm>
+          <a:prstGeom prst="rect">
+            <a:avLst/>
+          </a:prstGeom>
+          <a:noFill/>
+        </p:spPr>
+        <p:txBody>
+          <a:bodyPr wrap="square" rtlCol="0">
+            <a:spAutoFit/>
+          </a:bodyPr>
+          <a:lstStyle/>
+          <a:p>
+            <a:r>
+              <a:rPr lang="ja-JP" altLang="en-US"/>
+              <a:t>独自メソッド</a:t>
+            </a:r>
+            <a:endParaRPr kumimoji="1" lang="ja-JP" altLang="en-US"/>
+          </a:p>
+        </p:txBody>
+      </p:sp>
+      <p:sp>
+        <p:nvSpPr>
+          <p:cNvPr id="12" name="テキスト ボックス 11">
+            <a:extLst>
+              <a:ext uri="{FF2B5EF4-FFF2-40B4-BE49-F238E27FC236}">
+                <a16:creationId xmlns:a16="http://schemas.microsoft.com/office/drawing/2014/main" id="{DD8A83C9-8176-2899-74F6-B135B67C31B1}"/>
+              </a:ext>
+            </a:extLst>
+          </p:cNvPr>
+          <p:cNvSpPr txBox="1"/>
+          <p:nvPr/>
+        </p:nvSpPr>
+        <p:spPr>
+          <a:xfrm>
+            <a:off x="6998664" y="1907956"/>
+            <a:ext cx="1927131" cy="369332"/>
+          </a:xfrm>
+          <a:prstGeom prst="rect">
+            <a:avLst/>
+          </a:prstGeom>
+          <a:noFill/>
+        </p:spPr>
+        <p:txBody>
+          <a:bodyPr wrap="none" rtlCol="0">
+            <a:spAutoFit/>
+          </a:bodyPr>
+          <a:lstStyle/>
+          <a:p>
+            <a:r>
+              <a:rPr lang="en-US" altLang="ja-JP"/>
+              <a:t>static</a:t>
+            </a:r>
+            <a:r>
+              <a:rPr kumimoji="1" lang="ja-JP" altLang="en-US"/>
+              <a:t>プロパティ</a:t>
+            </a:r>
+            <a:endParaRPr kumimoji="1" lang="en-US" altLang="ja-JP"/>
+          </a:p>
+        </p:txBody>
+      </p:sp>
+      <p:sp>
+        <p:nvSpPr>
+          <p:cNvPr id="13" name="テキスト ボックス 12">
+            <a:extLst>
+              <a:ext uri="{FF2B5EF4-FFF2-40B4-BE49-F238E27FC236}">
+                <a16:creationId xmlns:a16="http://schemas.microsoft.com/office/drawing/2014/main" id="{FEAD8BB6-24A6-3DC8-BCAD-169900B70FC5}"/>
+              </a:ext>
+            </a:extLst>
+          </p:cNvPr>
+          <p:cNvSpPr txBox="1"/>
+          <p:nvPr/>
+        </p:nvSpPr>
+        <p:spPr>
+          <a:xfrm>
+            <a:off x="6998664" y="3059668"/>
+            <a:ext cx="2262158" cy="369332"/>
+          </a:xfrm>
+          <a:prstGeom prst="rect">
+            <a:avLst/>
+          </a:prstGeom>
+          <a:noFill/>
+        </p:spPr>
+        <p:txBody>
+          <a:bodyPr wrap="none" rtlCol="0">
+            <a:spAutoFit/>
+          </a:bodyPr>
+          <a:lstStyle/>
+          <a:p>
+            <a:r>
+              <a:rPr kumimoji="1" lang="ja-JP" altLang="en-US"/>
+              <a:t>親のコンストラクタ</a:t>
+            </a:r>
+            <a:endParaRPr kumimoji="1" lang="en-US" altLang="ja-JP"/>
+          </a:p>
+        </p:txBody>
+      </p:sp>
+      <p:sp>
+        <p:nvSpPr>
+          <p:cNvPr id="8" name="テキスト ボックス 7">
+            <a:extLst>
+              <a:ext uri="{FF2B5EF4-FFF2-40B4-BE49-F238E27FC236}">
+                <a16:creationId xmlns:a16="http://schemas.microsoft.com/office/drawing/2014/main" id="{D98AF78C-BBBD-E35B-07A8-F961695C17C7}"/>
+              </a:ext>
+            </a:extLst>
+          </p:cNvPr>
+          <p:cNvSpPr txBox="1"/>
+          <p:nvPr/>
+        </p:nvSpPr>
+        <p:spPr>
+          <a:xfrm>
+            <a:off x="6998664" y="4026714"/>
+            <a:ext cx="1696298" cy="369332"/>
+          </a:xfrm>
+          <a:prstGeom prst="rect">
+            <a:avLst/>
+          </a:prstGeom>
+          <a:noFill/>
+        </p:spPr>
+        <p:txBody>
+          <a:bodyPr wrap="none" rtlCol="0">
+            <a:spAutoFit/>
+          </a:bodyPr>
+          <a:lstStyle/>
+          <a:p>
+            <a:r>
+              <a:rPr lang="en-US" altLang="ja-JP"/>
+              <a:t>static</a:t>
+            </a:r>
+            <a:r>
+              <a:rPr kumimoji="1" lang="ja-JP" altLang="en-US"/>
+              <a:t>メソッド</a:t>
+            </a:r>
+            <a:endParaRPr kumimoji="1" lang="en-US" altLang="ja-JP"/>
+          </a:p>
+        </p:txBody>
+      </p:sp>
+      <p:pic>
+        <p:nvPicPr>
+          <p:cNvPr id="4" name="図 3" descr="テキスト&#10;&#10;中程度の精度で自動的に生成された説明">
+            <a:extLst>
+              <a:ext uri="{FF2B5EF4-FFF2-40B4-BE49-F238E27FC236}">
+                <a16:creationId xmlns:a16="http://schemas.microsoft.com/office/drawing/2014/main" id="{D189E71A-0AB3-A8EC-EC66-DB1161B18A5C}"/>
+              </a:ext>
+            </a:extLst>
+          </p:cNvPr>
+          <p:cNvPicPr>
+            <a:picLocks noChangeAspect="1"/>
+          </p:cNvPicPr>
+          <p:nvPr/>
+        </p:nvPicPr>
+        <p:blipFill>
+          <a:blip r:embed="rId2"/>
+          <a:stretch>
+            <a:fillRect/>
+          </a:stretch>
+        </p:blipFill>
+        <p:spPr>
+          <a:xfrm>
+            <a:off x="878604" y="1509307"/>
+            <a:ext cx="5645928" cy="4743119"/>
+          </a:xfrm>
+          <a:prstGeom prst="rect">
+            <a:avLst/>
+          </a:prstGeom>
+        </p:spPr>
+      </p:pic>
+      <p:sp>
+        <p:nvSpPr>
+          <p:cNvPr id="14" name="テキスト ボックス 13">
+            <a:extLst>
+              <a:ext uri="{FF2B5EF4-FFF2-40B4-BE49-F238E27FC236}">
+                <a16:creationId xmlns:a16="http://schemas.microsoft.com/office/drawing/2014/main" id="{FC242ED5-C676-7D13-C947-50B09CC91ABA}"/>
+              </a:ext>
+            </a:extLst>
+          </p:cNvPr>
+          <p:cNvSpPr txBox="1"/>
+          <p:nvPr/>
+        </p:nvSpPr>
+        <p:spPr>
+          <a:xfrm>
+            <a:off x="6998664" y="1538624"/>
+            <a:ext cx="1569660" cy="369332"/>
+          </a:xfrm>
+          <a:prstGeom prst="rect">
+            <a:avLst/>
+          </a:prstGeom>
+          <a:noFill/>
+        </p:spPr>
+        <p:txBody>
+          <a:bodyPr wrap="none" rtlCol="0">
+            <a:spAutoFit/>
+          </a:bodyPr>
+          <a:lstStyle/>
+          <a:p>
+            <a:r>
+              <a:rPr kumimoji="1" lang="ja-JP" altLang="en-US"/>
+              <a:t>クラスを継承</a:t>
+            </a:r>
+            <a:endParaRPr kumimoji="1" lang="en-US" altLang="ja-JP"/>
+          </a:p>
+        </p:txBody>
+      </p:sp>
+      <p:sp>
+        <p:nvSpPr>
+          <p:cNvPr id="15" name="テキスト ボックス 14">
+            <a:extLst>
+              <a:ext uri="{FF2B5EF4-FFF2-40B4-BE49-F238E27FC236}">
+                <a16:creationId xmlns:a16="http://schemas.microsoft.com/office/drawing/2014/main" id="{56477847-9F87-FE39-F03E-249C3BB8E0B1}"/>
+              </a:ext>
+            </a:extLst>
+          </p:cNvPr>
+          <p:cNvSpPr txBox="1"/>
+          <p:nvPr/>
+        </p:nvSpPr>
+        <p:spPr>
+          <a:xfrm>
+            <a:off x="9743736" y="1907956"/>
+            <a:ext cx="1800493" cy="369332"/>
+          </a:xfrm>
+          <a:prstGeom prst="rect">
+            <a:avLst/>
+          </a:prstGeom>
+          <a:noFill/>
+        </p:spPr>
+        <p:txBody>
+          <a:bodyPr wrap="none" rtlCol="0">
+            <a:spAutoFit/>
+          </a:bodyPr>
+          <a:lstStyle/>
+          <a:p>
+            <a:r>
+              <a:rPr kumimoji="1" lang="ja-JP" altLang="en-US"/>
+              <a:t>独自プロパティ</a:t>
+            </a:r>
+            <a:endParaRPr kumimoji="1" lang="en-US" altLang="ja-JP"/>
+          </a:p>
+        </p:txBody>
+      </p:sp>
+      <p:sp>
+        <p:nvSpPr>
+          <p:cNvPr id="16" name="右中かっこ 15">
+            <a:extLst>
+              <a:ext uri="{FF2B5EF4-FFF2-40B4-BE49-F238E27FC236}">
+                <a16:creationId xmlns:a16="http://schemas.microsoft.com/office/drawing/2014/main" id="{0F0F5A1B-4651-EA0A-FAEE-BB34AE9B38B8}"/>
+              </a:ext>
+            </a:extLst>
+          </p:cNvPr>
+          <p:cNvSpPr/>
+          <p:nvPr/>
+        </p:nvSpPr>
+        <p:spPr>
+          <a:xfrm>
+            <a:off x="6998664" y="5319376"/>
+            <a:ext cx="224494" cy="533400"/>
+          </a:xfrm>
+          <a:prstGeom prst="rightBrace">
+            <a:avLst/>
+          </a:prstGeom>
         </p:spPr>
         <p:style>
           <a:lnRef idx="1">
@@ -6294,120 +6400,21 @@
             <a:schemeClr val="tx1"/>
           </a:fontRef>
         </p:style>
-      </p:cxnSp>
-      <p:sp>
-        <p:nvSpPr>
-          <p:cNvPr id="29" name="正方形/長方形 28">
-            <a:extLst>
-              <a:ext uri="{FF2B5EF4-FFF2-40B4-BE49-F238E27FC236}">
-                <a16:creationId xmlns:a16="http://schemas.microsoft.com/office/drawing/2014/main" id="{08AFF6BE-0EE3-CBDB-3955-EDA151483BD3}"/>
-              </a:ext>
-            </a:extLst>
-          </p:cNvPr>
-          <p:cNvSpPr/>
-          <p:nvPr/>
-        </p:nvSpPr>
-        <p:spPr>
-          <a:xfrm>
-            <a:off x="125914" y="2535861"/>
-            <a:ext cx="2046514" cy="2164928"/>
-          </a:xfrm>
-          <a:prstGeom prst="rect">
-            <a:avLst/>
-          </a:prstGeom>
-          <a:noFill/>
-        </p:spPr>
-        <p:style>
-          <a:lnRef idx="2">
-            <a:schemeClr val="accent1">
-              <a:shade val="50000"/>
-            </a:schemeClr>
-          </a:lnRef>
-          <a:fillRef idx="1">
-            <a:schemeClr val="accent1"/>
-          </a:fillRef>
-          <a:effectRef idx="0">
-            <a:schemeClr val="accent1"/>
-          </a:effectRef>
-          <a:fontRef idx="minor">
-            <a:schemeClr val="lt1"/>
-          </a:fontRef>
-        </p:style>
         <p:txBody>
           <a:bodyPr rtlCol="0" anchor="ctr"/>
           <a:lstStyle/>
           <a:p>
             <a:pPr algn="ctr"/>
-            <a:endParaRPr kumimoji="1" lang="ja-JP" altLang="en-US">
-              <a:noFill/>
-            </a:endParaRPr>
-          </a:p>
-        </p:txBody>
-      </p:sp>
-      <p:sp>
-        <p:nvSpPr>
-          <p:cNvPr id="30" name="正方形/長方形 29">
-            <a:extLst>
-              <a:ext uri="{FF2B5EF4-FFF2-40B4-BE49-F238E27FC236}">
-                <a16:creationId xmlns:a16="http://schemas.microsoft.com/office/drawing/2014/main" id="{2429BADD-20F3-4C0C-41DE-89622A4AA9C0}"/>
-              </a:ext>
-            </a:extLst>
-          </p:cNvPr>
-          <p:cNvSpPr/>
-          <p:nvPr/>
-        </p:nvSpPr>
-        <p:spPr>
-          <a:xfrm>
-            <a:off x="125914" y="2154862"/>
-            <a:ext cx="2046514" cy="381000"/>
-          </a:xfrm>
-          <a:prstGeom prst="rect">
-            <a:avLst/>
-          </a:prstGeom>
-        </p:spPr>
-        <p:style>
-          <a:lnRef idx="2">
-            <a:schemeClr val="accent1">
-              <a:shade val="50000"/>
-            </a:schemeClr>
-          </a:lnRef>
-          <a:fillRef idx="1">
-            <a:schemeClr val="accent1"/>
-          </a:fillRef>
-          <a:effectRef idx="0">
-            <a:schemeClr val="accent1"/>
-          </a:effectRef>
-          <a:fontRef idx="minor">
-            <a:schemeClr val="lt1"/>
-          </a:fontRef>
-        </p:style>
-        <p:txBody>
-          <a:bodyPr rtlCol="0" anchor="ctr"/>
-          <a:lstStyle/>
-          <a:p>
-            <a:pPr algn="ctr"/>
-            <a:r>
-              <a:rPr lang="ja-JP" altLang="en-US" sz="1400"/>
-              <a:t>クラス</a:t>
-            </a:r>
-            <a:r>
-              <a:rPr lang="en-US" altLang="ja-JP" sz="1400"/>
-              <a:t> </a:t>
-            </a:r>
-            <a:r>
-              <a:rPr kumimoji="1" lang="en-US" altLang="ja-JP" sz="1400"/>
-              <a:t>Person</a:t>
-            </a:r>
-            <a:endParaRPr kumimoji="1" lang="ja-JP" altLang="en-US" sz="1400"/>
-          </a:p>
-        </p:txBody>
-      </p:sp>
-      <p:sp>
-        <p:nvSpPr>
-          <p:cNvPr id="31" name="テキスト ボックス 30">
-            <a:extLst>
-              <a:ext uri="{FF2B5EF4-FFF2-40B4-BE49-F238E27FC236}">
-                <a16:creationId xmlns:a16="http://schemas.microsoft.com/office/drawing/2014/main" id="{F384A79A-2D54-B01F-E549-3C061F516F2C}"/>
+            <a:endParaRPr kumimoji="1" lang="ja-JP" altLang="en-US"/>
+          </a:p>
+        </p:txBody>
+      </p:sp>
+      <p:sp>
+        <p:nvSpPr>
+          <p:cNvPr id="17" name="テキスト ボックス 16">
+            <a:extLst>
+              <a:ext uri="{FF2B5EF4-FFF2-40B4-BE49-F238E27FC236}">
+                <a16:creationId xmlns:a16="http://schemas.microsoft.com/office/drawing/2014/main" id="{263CA80B-A555-7AAC-B41C-A928410ED38C}"/>
               </a:ext>
             </a:extLst>
           </p:cNvPr>
@@ -6416,8 +6423,8 @@
         </p:nvSpPr>
         <p:spPr>
           <a:xfrm>
-            <a:off x="240214" y="2587675"/>
-            <a:ext cx="1082348" cy="738664"/>
+            <a:off x="7437245" y="5395576"/>
+            <a:ext cx="2262158" cy="369332"/>
           </a:xfrm>
           <a:prstGeom prst="rect">
             <a:avLst/>
@@ -6431,32 +6438,19 @@
           <a:lstStyle/>
           <a:p>
             <a:r>
-              <a:rPr lang="ja-JP" altLang="en-US" sz="1400"/>
-              <a:t>プロパティ</a:t>
-            </a:r>
-            <a:endParaRPr lang="en-US" altLang="ja-JP" sz="1400"/>
-          </a:p>
-          <a:p>
-            <a:r>
-              <a:rPr kumimoji="1" lang="en-US" altLang="ja-JP" sz="1400"/>
-              <a:t>$name</a:t>
-            </a:r>
-          </a:p>
-          <a:p>
-            <a:r>
-              <a:rPr kumimoji="1" lang="en-US" altLang="ja-JP" sz="1400"/>
-              <a:t>$age</a:t>
-            </a:r>
-            <a:endParaRPr kumimoji="1" lang="ja-JP" altLang="en-US" sz="1400"/>
-          </a:p>
-        </p:txBody>
-      </p:sp>
-      <p:sp>
-        <p:nvSpPr>
-          <p:cNvPr id="32" name="テキスト ボックス 31">
-            <a:extLst>
-              <a:ext uri="{FF2B5EF4-FFF2-40B4-BE49-F238E27FC236}">
-                <a16:creationId xmlns:a16="http://schemas.microsoft.com/office/drawing/2014/main" id="{4FC2099D-B325-7ED0-5152-F9CFF4F77297}"/>
+              <a:rPr kumimoji="1" lang="ja-JP" altLang="en-US"/>
+              <a:t>インスタンスを生成</a:t>
+            </a:r>
+            <a:endParaRPr kumimoji="1" lang="en-US" altLang="ja-JP"/>
+          </a:p>
+        </p:txBody>
+      </p:sp>
+      <p:sp>
+        <p:nvSpPr>
+          <p:cNvPr id="18" name="テキスト ボックス 17">
+            <a:extLst>
+              <a:ext uri="{FF2B5EF4-FFF2-40B4-BE49-F238E27FC236}">
+                <a16:creationId xmlns:a16="http://schemas.microsoft.com/office/drawing/2014/main" id="{0B88F5D8-5B8D-52CC-3ECC-858BD2BD305B}"/>
               </a:ext>
             </a:extLst>
           </p:cNvPr>
@@ -6465,8 +6459,8 @@
         </p:nvSpPr>
         <p:spPr>
           <a:xfrm>
-            <a:off x="240214" y="3514614"/>
-            <a:ext cx="1141659" cy="954107"/>
+            <a:off x="6998664" y="5915243"/>
+            <a:ext cx="2031325" cy="369332"/>
           </a:xfrm>
           <a:prstGeom prst="rect">
             <a:avLst/>
@@ -6480,723 +6474,17 @@
           <a:lstStyle/>
           <a:p>
             <a:r>
-              <a:rPr lang="ja-JP" altLang="en-US" sz="1400"/>
-              <a:t>メソッド</a:t>
-            </a:r>
-            <a:endParaRPr lang="en-US" altLang="ja-JP" sz="1400"/>
-          </a:p>
-          <a:p>
-            <a:r>
-              <a:rPr kumimoji="1" lang="en-US" altLang="ja-JP" sz="1400"/>
-              <a:t>__construct</a:t>
-            </a:r>
-          </a:p>
-          <a:p>
-            <a:r>
-              <a:rPr kumimoji="1" lang="en-US" altLang="ja-JP" sz="1400"/>
-              <a:t>getName()</a:t>
-            </a:r>
-          </a:p>
-          <a:p>
-            <a:r>
-              <a:rPr lang="en-US" altLang="ja-JP" sz="1400"/>
-              <a:t>getAge()</a:t>
-            </a:r>
-            <a:endParaRPr kumimoji="1" lang="ja-JP" altLang="en-US" sz="1400"/>
-          </a:p>
-        </p:txBody>
-      </p:sp>
-      <p:cxnSp>
-        <p:nvCxnSpPr>
-          <p:cNvPr id="11" name="直線矢印コネクタ 10">
-            <a:extLst>
-              <a:ext uri="{FF2B5EF4-FFF2-40B4-BE49-F238E27FC236}">
-                <a16:creationId xmlns:a16="http://schemas.microsoft.com/office/drawing/2014/main" id="{D34507A7-02EC-2442-60B1-4C1FDC0046FE}"/>
-              </a:ext>
-            </a:extLst>
-          </p:cNvPr>
-          <p:cNvCxnSpPr>
-            <a:cxnSpLocks/>
-            <a:stCxn id="29" idx="3"/>
-            <a:endCxn id="6" idx="1"/>
-          </p:cNvCxnSpPr>
-          <p:nvPr/>
-        </p:nvCxnSpPr>
-        <p:spPr>
-          <a:xfrm flipV="1">
-            <a:off x="2172428" y="3605960"/>
-            <a:ext cx="974245" cy="12365"/>
-          </a:xfrm>
-          <a:prstGeom prst="straightConnector1">
-            <a:avLst/>
-          </a:prstGeom>
-          <a:ln>
-            <a:tailEnd type="triangle"/>
-          </a:ln>
-        </p:spPr>
-        <p:style>
-          <a:lnRef idx="1">
-            <a:schemeClr val="accent1"/>
-          </a:lnRef>
-          <a:fillRef idx="0">
-            <a:schemeClr val="accent1"/>
-          </a:fillRef>
-          <a:effectRef idx="0">
-            <a:schemeClr val="accent1"/>
-          </a:effectRef>
-          <a:fontRef idx="minor">
-            <a:schemeClr val="tx1"/>
-          </a:fontRef>
-        </p:style>
-      </p:cxnSp>
-      <p:sp>
-        <p:nvSpPr>
-          <p:cNvPr id="33" name="テキスト ボックス 32">
-            <a:extLst>
-              <a:ext uri="{FF2B5EF4-FFF2-40B4-BE49-F238E27FC236}">
-                <a16:creationId xmlns:a16="http://schemas.microsoft.com/office/drawing/2014/main" id="{F2F93EF3-6A10-FA94-B4A8-33CD4A536129}"/>
-              </a:ext>
-            </a:extLst>
-          </p:cNvPr>
-          <p:cNvSpPr txBox="1"/>
-          <p:nvPr/>
-        </p:nvSpPr>
-        <p:spPr>
-          <a:xfrm>
-            <a:off x="2267109" y="2775951"/>
-            <a:ext cx="837089" cy="523220"/>
-          </a:xfrm>
-          <a:prstGeom prst="rect">
-            <a:avLst/>
-          </a:prstGeom>
-          <a:noFill/>
-        </p:spPr>
-        <p:txBody>
-          <a:bodyPr wrap="none" rtlCol="0">
-            <a:spAutoFit/>
-          </a:bodyPr>
-          <a:lstStyle/>
-          <a:p>
-            <a:r>
-              <a:rPr kumimoji="1" lang="ja-JP" altLang="en-US" sz="1400"/>
-              <a:t>継承</a:t>
-            </a:r>
-            <a:endParaRPr kumimoji="1" lang="en-US" altLang="ja-JP" sz="1400"/>
-          </a:p>
-          <a:p>
-            <a:r>
-              <a:rPr lang="en-US" altLang="ja-JP" sz="1400">
-                <a:highlight>
-                  <a:srgbClr val="FFFF00"/>
-                </a:highlight>
-              </a:rPr>
-              <a:t>extends</a:t>
-            </a:r>
-            <a:endParaRPr kumimoji="1" lang="ja-JP" altLang="en-US" sz="1400">
-              <a:highlight>
-                <a:srgbClr val="FFFF00"/>
-              </a:highlight>
-            </a:endParaRPr>
-          </a:p>
-        </p:txBody>
-      </p:sp>
-      <p:sp>
-        <p:nvSpPr>
-          <p:cNvPr id="34" name="テキスト ボックス 33">
-            <a:extLst>
-              <a:ext uri="{FF2B5EF4-FFF2-40B4-BE49-F238E27FC236}">
-                <a16:creationId xmlns:a16="http://schemas.microsoft.com/office/drawing/2014/main" id="{D5EA3D6A-30E5-5B87-4670-CC72591FB284}"/>
-              </a:ext>
-            </a:extLst>
-          </p:cNvPr>
-          <p:cNvSpPr txBox="1"/>
-          <p:nvPr/>
-        </p:nvSpPr>
-        <p:spPr>
-          <a:xfrm>
-            <a:off x="6073804" y="970689"/>
-            <a:ext cx="1598515" cy="954107"/>
-          </a:xfrm>
-          <a:prstGeom prst="rect">
-            <a:avLst/>
-          </a:prstGeom>
-          <a:noFill/>
-        </p:spPr>
-        <p:txBody>
-          <a:bodyPr wrap="none" rtlCol="0">
-            <a:spAutoFit/>
-          </a:bodyPr>
-          <a:lstStyle/>
-          <a:p>
-            <a:r>
-              <a:rPr lang="ja-JP" altLang="en-US" sz="1400"/>
-              <a:t>プロパティ</a:t>
-            </a:r>
-            <a:endParaRPr lang="en-US" altLang="ja-JP" sz="1400"/>
-          </a:p>
-          <a:p>
-            <a:r>
-              <a:rPr kumimoji="1" lang="en-US" altLang="ja-JP" sz="1400"/>
-              <a:t>$name = ‘suzuki’</a:t>
-            </a:r>
-          </a:p>
-          <a:p>
-            <a:r>
-              <a:rPr kumimoji="1" lang="en-US" altLang="ja-JP" sz="1400"/>
-              <a:t>$age = 28</a:t>
-            </a:r>
-          </a:p>
-          <a:p>
-            <a:r>
-              <a:rPr lang="en-US" altLang="ja-JP" sz="1400" b="1">
-                <a:solidFill>
-                  <a:srgbClr val="C00000"/>
-                </a:solidFill>
-              </a:rPr>
-              <a:t>$sex = ‘male’</a:t>
-            </a:r>
-            <a:endParaRPr kumimoji="1" lang="ja-JP" altLang="en-US" sz="1400" b="1">
-              <a:solidFill>
-                <a:srgbClr val="C00000"/>
-              </a:solidFill>
-            </a:endParaRPr>
-          </a:p>
-        </p:txBody>
-      </p:sp>
-      <p:sp>
-        <p:nvSpPr>
-          <p:cNvPr id="35" name="テキスト ボックス 34">
-            <a:extLst>
-              <a:ext uri="{FF2B5EF4-FFF2-40B4-BE49-F238E27FC236}">
-                <a16:creationId xmlns:a16="http://schemas.microsoft.com/office/drawing/2014/main" id="{DAE18A7C-2BAC-E468-4CC4-55306740F2F3}"/>
-              </a:ext>
-            </a:extLst>
-          </p:cNvPr>
-          <p:cNvSpPr txBox="1"/>
-          <p:nvPr/>
-        </p:nvSpPr>
-        <p:spPr>
-          <a:xfrm>
-            <a:off x="6073804" y="1923900"/>
-            <a:ext cx="1141659" cy="1169551"/>
-          </a:xfrm>
-          <a:prstGeom prst="rect">
-            <a:avLst/>
-          </a:prstGeom>
-          <a:noFill/>
-        </p:spPr>
-        <p:txBody>
-          <a:bodyPr wrap="none" rtlCol="0">
-            <a:spAutoFit/>
-          </a:bodyPr>
-          <a:lstStyle/>
-          <a:p>
-            <a:r>
-              <a:rPr lang="ja-JP" altLang="en-US" sz="1400"/>
-              <a:t>メソッド</a:t>
-            </a:r>
-            <a:endParaRPr lang="en-US" altLang="ja-JP" sz="1400"/>
-          </a:p>
-          <a:p>
-            <a:r>
-              <a:rPr lang="en-US" altLang="ja-JP" sz="1400"/>
-              <a:t>__construct</a:t>
-            </a:r>
-          </a:p>
-          <a:p>
-            <a:r>
-              <a:rPr kumimoji="1" lang="en-US" altLang="ja-JP" sz="1400"/>
-              <a:t>getName()</a:t>
-            </a:r>
-          </a:p>
-          <a:p>
-            <a:r>
-              <a:rPr lang="en-US" altLang="ja-JP" sz="1400"/>
-              <a:t>getAge()</a:t>
-            </a:r>
-          </a:p>
-          <a:p>
-            <a:r>
-              <a:rPr kumimoji="1" lang="en-US" altLang="ja-JP" sz="1400" b="1">
-                <a:solidFill>
-                  <a:srgbClr val="C00000"/>
-                </a:solidFill>
-              </a:rPr>
-              <a:t>getSex()</a:t>
-            </a:r>
-            <a:endParaRPr kumimoji="1" lang="ja-JP" altLang="en-US" sz="1400" b="1">
-              <a:solidFill>
-                <a:srgbClr val="C00000"/>
-              </a:solidFill>
-            </a:endParaRPr>
-          </a:p>
-        </p:txBody>
-      </p:sp>
-      <p:sp>
-        <p:nvSpPr>
-          <p:cNvPr id="36" name="テキスト ボックス 35">
-            <a:extLst>
-              <a:ext uri="{FF2B5EF4-FFF2-40B4-BE49-F238E27FC236}">
-                <a16:creationId xmlns:a16="http://schemas.microsoft.com/office/drawing/2014/main" id="{DCC50B04-70E7-381C-01BF-264D899B3919}"/>
-              </a:ext>
-            </a:extLst>
-          </p:cNvPr>
-          <p:cNvSpPr txBox="1"/>
-          <p:nvPr/>
-        </p:nvSpPr>
-        <p:spPr>
-          <a:xfrm>
-            <a:off x="6073804" y="4147823"/>
-            <a:ext cx="1638590" cy="954107"/>
-          </a:xfrm>
-          <a:prstGeom prst="rect">
-            <a:avLst/>
-          </a:prstGeom>
-          <a:noFill/>
-        </p:spPr>
-        <p:txBody>
-          <a:bodyPr wrap="none" rtlCol="0">
-            <a:spAutoFit/>
-          </a:bodyPr>
-          <a:lstStyle/>
-          <a:p>
-            <a:r>
-              <a:rPr lang="ja-JP" altLang="en-US" sz="1400"/>
-              <a:t>プロパティ</a:t>
-            </a:r>
-            <a:endParaRPr lang="en-US" altLang="ja-JP" sz="1400"/>
-          </a:p>
-          <a:p>
-            <a:r>
-              <a:rPr kumimoji="1" lang="en-US" altLang="ja-JP" sz="1400"/>
-              <a:t>$name = ‘tanaka’</a:t>
-            </a:r>
-          </a:p>
-          <a:p>
-            <a:r>
-              <a:rPr kumimoji="1" lang="en-US" altLang="ja-JP" sz="1400"/>
-              <a:t>$age = 26</a:t>
-            </a:r>
-          </a:p>
-          <a:p>
-            <a:r>
-              <a:rPr lang="en-US" altLang="ja-JP" sz="1400" b="1">
-                <a:solidFill>
-                  <a:srgbClr val="C00000"/>
-                </a:solidFill>
-              </a:rPr>
-              <a:t>$sex = ‘male’</a:t>
-            </a:r>
-            <a:endParaRPr kumimoji="1" lang="ja-JP" altLang="en-US" sz="1400" b="1">
-              <a:solidFill>
-                <a:srgbClr val="C00000"/>
-              </a:solidFill>
-            </a:endParaRPr>
-          </a:p>
-        </p:txBody>
-      </p:sp>
-      <p:sp>
-        <p:nvSpPr>
-          <p:cNvPr id="39" name="テキスト ボックス 38">
-            <a:extLst>
-              <a:ext uri="{FF2B5EF4-FFF2-40B4-BE49-F238E27FC236}">
-                <a16:creationId xmlns:a16="http://schemas.microsoft.com/office/drawing/2014/main" id="{42818952-C22B-199F-9D21-91C103932159}"/>
-              </a:ext>
-            </a:extLst>
-          </p:cNvPr>
-          <p:cNvSpPr txBox="1"/>
-          <p:nvPr/>
-        </p:nvSpPr>
-        <p:spPr>
-          <a:xfrm>
-            <a:off x="8186011" y="2154862"/>
-            <a:ext cx="3995004" cy="307777"/>
-          </a:xfrm>
-          <a:prstGeom prst="rect">
-            <a:avLst/>
-          </a:prstGeom>
-          <a:noFill/>
-        </p:spPr>
-        <p:txBody>
-          <a:bodyPr wrap="none" rtlCol="0">
-            <a:spAutoFit/>
-          </a:bodyPr>
-          <a:lstStyle/>
-          <a:p>
-            <a:r>
-              <a:rPr kumimoji="1" lang="en-US" altLang="ja-JP" sz="1400">
-                <a:highlight>
-                  <a:srgbClr val="FFFF00"/>
-                </a:highlight>
-              </a:rPr>
-              <a:t>$person_a = new Person2(‘suzuki’, 28, ‘male’)</a:t>
-            </a:r>
-            <a:endParaRPr kumimoji="1" lang="ja-JP" altLang="en-US" sz="1400">
-              <a:highlight>
-                <a:srgbClr val="FFFF00"/>
-              </a:highlight>
-            </a:endParaRPr>
-          </a:p>
-        </p:txBody>
-      </p:sp>
-      <p:cxnSp>
-        <p:nvCxnSpPr>
-          <p:cNvPr id="41" name="直線矢印コネクタ 40">
-            <a:extLst>
-              <a:ext uri="{FF2B5EF4-FFF2-40B4-BE49-F238E27FC236}">
-                <a16:creationId xmlns:a16="http://schemas.microsoft.com/office/drawing/2014/main" id="{DB060922-98CD-E08A-F069-E89C75CEF06D}"/>
-              </a:ext>
-            </a:extLst>
-          </p:cNvPr>
-          <p:cNvCxnSpPr/>
-          <p:nvPr/>
-        </p:nvCxnSpPr>
-        <p:spPr>
-          <a:xfrm flipV="1">
-            <a:off x="7027520" y="1901936"/>
-            <a:ext cx="0" cy="246798"/>
-          </a:xfrm>
-          <a:prstGeom prst="straightConnector1">
-            <a:avLst/>
-          </a:prstGeom>
-          <a:ln>
-            <a:prstDash val="dashDot"/>
-            <a:tailEnd type="triangle"/>
-          </a:ln>
-        </p:spPr>
-        <p:style>
-          <a:lnRef idx="1">
-            <a:schemeClr val="accent1"/>
-          </a:lnRef>
-          <a:fillRef idx="0">
-            <a:schemeClr val="accent1"/>
-          </a:fillRef>
-          <a:effectRef idx="0">
-            <a:schemeClr val="accent1"/>
-          </a:effectRef>
-          <a:fontRef idx="minor">
-            <a:schemeClr val="tx1"/>
-          </a:fontRef>
-        </p:style>
-      </p:cxnSp>
-      <p:sp>
-        <p:nvSpPr>
-          <p:cNvPr id="42" name="テキスト ボックス 41">
-            <a:extLst>
-              <a:ext uri="{FF2B5EF4-FFF2-40B4-BE49-F238E27FC236}">
-                <a16:creationId xmlns:a16="http://schemas.microsoft.com/office/drawing/2014/main" id="{9AEFC2B6-DFB3-1C82-04AE-C04BF24C6750}"/>
-              </a:ext>
-            </a:extLst>
-          </p:cNvPr>
-          <p:cNvSpPr txBox="1"/>
-          <p:nvPr/>
-        </p:nvSpPr>
-        <p:spPr>
-          <a:xfrm>
-            <a:off x="7203791" y="1892639"/>
-            <a:ext cx="1082348" cy="307777"/>
-          </a:xfrm>
-          <a:prstGeom prst="rect">
-            <a:avLst/>
-          </a:prstGeom>
-          <a:noFill/>
-        </p:spPr>
-        <p:txBody>
-          <a:bodyPr wrap="none" rtlCol="0">
-            <a:spAutoFit/>
-          </a:bodyPr>
-          <a:lstStyle/>
-          <a:p>
-            <a:r>
-              <a:rPr kumimoji="1" lang="en-US" altLang="ja-JP" sz="1400">
-                <a:highlight>
-                  <a:srgbClr val="FFFF00"/>
-                </a:highlight>
-              </a:rPr>
-              <a:t>$this-&gt;sex</a:t>
-            </a:r>
-            <a:endParaRPr kumimoji="1" lang="ja-JP" altLang="en-US" sz="1400">
-              <a:highlight>
-                <a:srgbClr val="FFFF00"/>
-              </a:highlight>
-            </a:endParaRPr>
-          </a:p>
-        </p:txBody>
-      </p:sp>
-      <p:sp>
-        <p:nvSpPr>
-          <p:cNvPr id="43" name="テキスト ボックス 42">
-            <a:extLst>
-              <a:ext uri="{FF2B5EF4-FFF2-40B4-BE49-F238E27FC236}">
-                <a16:creationId xmlns:a16="http://schemas.microsoft.com/office/drawing/2014/main" id="{B896A396-0255-5BE4-6820-86648D625D60}"/>
-              </a:ext>
-            </a:extLst>
-          </p:cNvPr>
-          <p:cNvSpPr txBox="1"/>
-          <p:nvPr/>
-        </p:nvSpPr>
-        <p:spPr>
-          <a:xfrm>
-            <a:off x="8186011" y="2725717"/>
-            <a:ext cx="1955985" cy="307777"/>
-          </a:xfrm>
-          <a:prstGeom prst="rect">
-            <a:avLst/>
-          </a:prstGeom>
-          <a:noFill/>
-        </p:spPr>
-        <p:txBody>
-          <a:bodyPr wrap="none" rtlCol="0">
-            <a:spAutoFit/>
-          </a:bodyPr>
-          <a:lstStyle/>
-          <a:p>
-            <a:r>
-              <a:rPr kumimoji="1" lang="en-US" altLang="ja-JP" sz="1400">
-                <a:highlight>
-                  <a:srgbClr val="FFFF00"/>
-                </a:highlight>
-              </a:rPr>
-              <a:t>$person_a-&gt;getSex()</a:t>
-            </a:r>
-            <a:endParaRPr kumimoji="1" lang="ja-JP" altLang="en-US" sz="1400">
-              <a:highlight>
-                <a:srgbClr val="FFFF00"/>
-              </a:highlight>
-            </a:endParaRPr>
-          </a:p>
-        </p:txBody>
-      </p:sp>
-      <p:cxnSp>
-        <p:nvCxnSpPr>
-          <p:cNvPr id="44" name="直線矢印コネクタ 43">
-            <a:extLst>
-              <a:ext uri="{FF2B5EF4-FFF2-40B4-BE49-F238E27FC236}">
-                <a16:creationId xmlns:a16="http://schemas.microsoft.com/office/drawing/2014/main" id="{BF8BF473-CDE5-7BFB-6743-54246AEC778A}"/>
-              </a:ext>
-            </a:extLst>
-          </p:cNvPr>
-          <p:cNvCxnSpPr>
-            <a:cxnSpLocks/>
-            <a:stCxn id="43" idx="1"/>
-          </p:cNvCxnSpPr>
-          <p:nvPr/>
-        </p:nvCxnSpPr>
-        <p:spPr>
-          <a:xfrm flipH="1">
-            <a:off x="7238942" y="2879606"/>
-            <a:ext cx="947069" cy="0"/>
-          </a:xfrm>
-          <a:prstGeom prst="straightConnector1">
-            <a:avLst/>
-          </a:prstGeom>
-          <a:ln>
-            <a:prstDash val="dashDot"/>
-            <a:tailEnd type="triangle"/>
-          </a:ln>
-        </p:spPr>
-        <p:style>
-          <a:lnRef idx="1">
-            <a:schemeClr val="accent1"/>
-          </a:lnRef>
-          <a:fillRef idx="0">
-            <a:schemeClr val="accent1"/>
-          </a:fillRef>
-          <a:effectRef idx="0">
-            <a:schemeClr val="accent1"/>
-          </a:effectRef>
-          <a:fontRef idx="minor">
-            <a:schemeClr val="tx1"/>
-          </a:fontRef>
-        </p:style>
-      </p:cxnSp>
-      <p:cxnSp>
-        <p:nvCxnSpPr>
-          <p:cNvPr id="45" name="直線矢印コネクタ 44">
-            <a:extLst>
-              <a:ext uri="{FF2B5EF4-FFF2-40B4-BE49-F238E27FC236}">
-                <a16:creationId xmlns:a16="http://schemas.microsoft.com/office/drawing/2014/main" id="{FD7F9018-0BC2-B521-9DF9-47491E4BC347}"/>
-              </a:ext>
-            </a:extLst>
-          </p:cNvPr>
-          <p:cNvCxnSpPr>
-            <a:cxnSpLocks/>
-            <a:stCxn id="39" idx="1"/>
-          </p:cNvCxnSpPr>
-          <p:nvPr/>
-        </p:nvCxnSpPr>
-        <p:spPr>
-          <a:xfrm flipH="1">
-            <a:off x="7238942" y="2308751"/>
-            <a:ext cx="947069" cy="7309"/>
-          </a:xfrm>
-          <a:prstGeom prst="straightConnector1">
-            <a:avLst/>
-          </a:prstGeom>
-          <a:ln>
-            <a:prstDash val="dashDot"/>
-            <a:tailEnd type="triangle"/>
-          </a:ln>
-        </p:spPr>
-        <p:style>
-          <a:lnRef idx="1">
-            <a:schemeClr val="accent1"/>
-          </a:lnRef>
-          <a:fillRef idx="0">
-            <a:schemeClr val="accent1"/>
-          </a:fillRef>
-          <a:effectRef idx="0">
-            <a:schemeClr val="accent1"/>
-          </a:effectRef>
-          <a:fontRef idx="minor">
-            <a:schemeClr val="tx1"/>
-          </a:fontRef>
-        </p:style>
-      </p:cxnSp>
-      <p:sp>
-        <p:nvSpPr>
-          <p:cNvPr id="46" name="テキスト ボックス 45">
-            <a:extLst>
-              <a:ext uri="{FF2B5EF4-FFF2-40B4-BE49-F238E27FC236}">
-                <a16:creationId xmlns:a16="http://schemas.microsoft.com/office/drawing/2014/main" id="{3E0A997C-6DC6-784C-EA39-98219D8E0795}"/>
-              </a:ext>
-            </a:extLst>
-          </p:cNvPr>
-          <p:cNvSpPr txBox="1"/>
-          <p:nvPr/>
-        </p:nvSpPr>
-        <p:spPr>
-          <a:xfrm>
-            <a:off x="6073803" y="5101930"/>
-            <a:ext cx="1141659" cy="1169551"/>
-          </a:xfrm>
-          <a:prstGeom prst="rect">
-            <a:avLst/>
-          </a:prstGeom>
-          <a:noFill/>
-        </p:spPr>
-        <p:txBody>
-          <a:bodyPr wrap="none" rtlCol="0">
-            <a:spAutoFit/>
-          </a:bodyPr>
-          <a:lstStyle/>
-          <a:p>
-            <a:r>
-              <a:rPr lang="ja-JP" altLang="en-US" sz="1400"/>
-              <a:t>メソッド</a:t>
-            </a:r>
-            <a:endParaRPr lang="en-US" altLang="ja-JP" sz="1400"/>
-          </a:p>
-          <a:p>
-            <a:r>
-              <a:rPr lang="en-US" altLang="ja-JP" sz="1400"/>
-              <a:t>__construct</a:t>
-            </a:r>
-          </a:p>
-          <a:p>
-            <a:r>
-              <a:rPr kumimoji="1" lang="en-US" altLang="ja-JP" sz="1400"/>
-              <a:t>getName()</a:t>
-            </a:r>
-          </a:p>
-          <a:p>
-            <a:r>
-              <a:rPr lang="en-US" altLang="ja-JP" sz="1400"/>
-              <a:t>getAge()</a:t>
-            </a:r>
-          </a:p>
-          <a:p>
-            <a:r>
-              <a:rPr kumimoji="1" lang="en-US" altLang="ja-JP" sz="1400" b="1">
-                <a:solidFill>
-                  <a:srgbClr val="C00000"/>
-                </a:solidFill>
-              </a:rPr>
-              <a:t>getSex()</a:t>
-            </a:r>
-            <a:endParaRPr kumimoji="1" lang="ja-JP" altLang="en-US" sz="1400" b="1">
-              <a:solidFill>
-                <a:srgbClr val="C00000"/>
-              </a:solidFill>
-            </a:endParaRPr>
-          </a:p>
-        </p:txBody>
-      </p:sp>
-      <p:sp>
-        <p:nvSpPr>
-          <p:cNvPr id="37" name="テキスト ボックス 36">
-            <a:extLst>
-              <a:ext uri="{FF2B5EF4-FFF2-40B4-BE49-F238E27FC236}">
-                <a16:creationId xmlns:a16="http://schemas.microsoft.com/office/drawing/2014/main" id="{E57614F6-571D-DB5F-0B1A-6BDEBD11FC0A}"/>
-              </a:ext>
-            </a:extLst>
-          </p:cNvPr>
-          <p:cNvSpPr txBox="1"/>
-          <p:nvPr/>
-        </p:nvSpPr>
-        <p:spPr>
-          <a:xfrm>
-            <a:off x="4196085" y="1486020"/>
-            <a:ext cx="1620957" cy="307777"/>
-          </a:xfrm>
-          <a:prstGeom prst="rect">
-            <a:avLst/>
-          </a:prstGeom>
-          <a:noFill/>
-        </p:spPr>
-        <p:txBody>
-          <a:bodyPr wrap="none" rtlCol="0">
-            <a:spAutoFit/>
-          </a:bodyPr>
-          <a:lstStyle/>
-          <a:p>
-            <a:r>
-              <a:rPr kumimoji="1" lang="ja-JP" altLang="en-US" sz="1400"/>
-              <a:t>インスタンス生成</a:t>
-            </a:r>
-          </a:p>
-        </p:txBody>
-      </p:sp>
-      <p:sp>
-        <p:nvSpPr>
-          <p:cNvPr id="38" name="テキスト ボックス 37">
-            <a:extLst>
-              <a:ext uri="{FF2B5EF4-FFF2-40B4-BE49-F238E27FC236}">
-                <a16:creationId xmlns:a16="http://schemas.microsoft.com/office/drawing/2014/main" id="{F0AB2E2B-742E-1120-5228-87CCBF17EA72}"/>
-              </a:ext>
-            </a:extLst>
-          </p:cNvPr>
-          <p:cNvSpPr txBox="1"/>
-          <p:nvPr/>
-        </p:nvSpPr>
-        <p:spPr>
-          <a:xfrm>
-            <a:off x="4196085" y="5484520"/>
-            <a:ext cx="1620957" cy="307777"/>
-          </a:xfrm>
-          <a:prstGeom prst="rect">
-            <a:avLst/>
-          </a:prstGeom>
-          <a:noFill/>
-        </p:spPr>
-        <p:txBody>
-          <a:bodyPr wrap="none" rtlCol="0">
-            <a:spAutoFit/>
-          </a:bodyPr>
-          <a:lstStyle/>
-          <a:p>
-            <a:r>
-              <a:rPr kumimoji="1" lang="ja-JP" altLang="en-US" sz="1400"/>
-              <a:t>インスタンス生成</a:t>
-            </a:r>
-            <a:endParaRPr kumimoji="1" lang="en-US" altLang="ja-JP" sz="1400"/>
+              <a:rPr kumimoji="1" lang="ja-JP" altLang="en-US"/>
+              <a:t>メソッドをコール</a:t>
+            </a:r>
+            <a:endParaRPr kumimoji="1" lang="en-US" altLang="ja-JP"/>
           </a:p>
         </p:txBody>
       </p:sp>
     </p:spTree>
     <p:extLst>
       <p:ext uri="{BB962C8B-B14F-4D97-AF65-F5344CB8AC3E}">
-        <p14:creationId xmlns:p14="http://schemas.microsoft.com/office/powerpoint/2010/main" val="2430250709"/>
+        <p14:creationId xmlns:p14="http://schemas.microsoft.com/office/powerpoint/2010/main" val="3367165133"/>
       </p:ext>
     </p:extLst>
   </p:cSld>
@@ -7237,6 +6525,1459 @@
         </p:nvSpPr>
         <p:spPr>
           <a:xfrm>
+            <a:off x="3146673" y="2523496"/>
+            <a:ext cx="2046514" cy="2164928"/>
+          </a:xfrm>
+          <a:prstGeom prst="rect">
+            <a:avLst/>
+          </a:prstGeom>
+          <a:noFill/>
+        </p:spPr>
+        <p:style>
+          <a:lnRef idx="2">
+            <a:schemeClr val="accent1">
+              <a:shade val="50000"/>
+            </a:schemeClr>
+          </a:lnRef>
+          <a:fillRef idx="1">
+            <a:schemeClr val="accent1"/>
+          </a:fillRef>
+          <a:effectRef idx="0">
+            <a:schemeClr val="accent1"/>
+          </a:effectRef>
+          <a:fontRef idx="minor">
+            <a:schemeClr val="lt1"/>
+          </a:fontRef>
+        </p:style>
+        <p:txBody>
+          <a:bodyPr rtlCol="0" anchor="ctr"/>
+          <a:lstStyle/>
+          <a:p>
+            <a:pPr algn="ctr"/>
+            <a:endParaRPr kumimoji="1" lang="ja-JP" altLang="en-US">
+              <a:noFill/>
+            </a:endParaRPr>
+          </a:p>
+        </p:txBody>
+      </p:sp>
+      <p:sp>
+        <p:nvSpPr>
+          <p:cNvPr id="7" name="正方形/長方形 6">
+            <a:extLst>
+              <a:ext uri="{FF2B5EF4-FFF2-40B4-BE49-F238E27FC236}">
+                <a16:creationId xmlns:a16="http://schemas.microsoft.com/office/drawing/2014/main" id="{A4DE77E2-1CE8-74C1-18C3-A722FF20EEE8}"/>
+              </a:ext>
+            </a:extLst>
+          </p:cNvPr>
+          <p:cNvSpPr/>
+          <p:nvPr/>
+        </p:nvSpPr>
+        <p:spPr>
+          <a:xfrm>
+            <a:off x="3146673" y="2142497"/>
+            <a:ext cx="2046514" cy="381000"/>
+          </a:xfrm>
+          <a:prstGeom prst="rect">
+            <a:avLst/>
+          </a:prstGeom>
+        </p:spPr>
+        <p:style>
+          <a:lnRef idx="2">
+            <a:schemeClr val="accent1">
+              <a:shade val="50000"/>
+            </a:schemeClr>
+          </a:lnRef>
+          <a:fillRef idx="1">
+            <a:schemeClr val="accent1"/>
+          </a:fillRef>
+          <a:effectRef idx="0">
+            <a:schemeClr val="accent1"/>
+          </a:effectRef>
+          <a:fontRef idx="minor">
+            <a:schemeClr val="lt1"/>
+          </a:fontRef>
+        </p:style>
+        <p:txBody>
+          <a:bodyPr rtlCol="0" anchor="ctr"/>
+          <a:lstStyle/>
+          <a:p>
+            <a:pPr algn="ctr"/>
+            <a:r>
+              <a:rPr lang="ja-JP" altLang="en-US" sz="1400"/>
+              <a:t>クラス</a:t>
+            </a:r>
+            <a:r>
+              <a:rPr lang="en-US" altLang="ja-JP" sz="1400"/>
+              <a:t> </a:t>
+            </a:r>
+            <a:r>
+              <a:rPr kumimoji="1" lang="en-US" altLang="ja-JP" sz="1400"/>
+              <a:t>Person2</a:t>
+            </a:r>
+            <a:endParaRPr kumimoji="1" lang="ja-JP" altLang="en-US" sz="1400"/>
+          </a:p>
+        </p:txBody>
+      </p:sp>
+      <p:sp>
+        <p:nvSpPr>
+          <p:cNvPr id="8" name="テキスト ボックス 7">
+            <a:extLst>
+              <a:ext uri="{FF2B5EF4-FFF2-40B4-BE49-F238E27FC236}">
+                <a16:creationId xmlns:a16="http://schemas.microsoft.com/office/drawing/2014/main" id="{1A6A510B-C237-4F2B-9739-3ECA1EF552C5}"/>
+              </a:ext>
+            </a:extLst>
+          </p:cNvPr>
+          <p:cNvSpPr txBox="1"/>
+          <p:nvPr/>
+        </p:nvSpPr>
+        <p:spPr>
+          <a:xfrm>
+            <a:off x="3260973" y="2587675"/>
+            <a:ext cx="1082348" cy="954107"/>
+          </a:xfrm>
+          <a:prstGeom prst="rect">
+            <a:avLst/>
+          </a:prstGeom>
+          <a:noFill/>
+        </p:spPr>
+        <p:txBody>
+          <a:bodyPr wrap="none" rtlCol="0">
+            <a:spAutoFit/>
+          </a:bodyPr>
+          <a:lstStyle/>
+          <a:p>
+            <a:r>
+              <a:rPr lang="ja-JP" altLang="en-US" sz="1400"/>
+              <a:t>プロパティ</a:t>
+            </a:r>
+            <a:endParaRPr lang="en-US" altLang="ja-JP" sz="1400"/>
+          </a:p>
+          <a:p>
+            <a:r>
+              <a:rPr kumimoji="1" lang="en-US" altLang="ja-JP" sz="1400"/>
+              <a:t>$name</a:t>
+            </a:r>
+          </a:p>
+          <a:p>
+            <a:r>
+              <a:rPr kumimoji="1" lang="en-US" altLang="ja-JP" sz="1400"/>
+              <a:t>$age</a:t>
+            </a:r>
+          </a:p>
+          <a:p>
+            <a:r>
+              <a:rPr lang="en-US" altLang="ja-JP" sz="1400" b="1">
+                <a:solidFill>
+                  <a:srgbClr val="C00000"/>
+                </a:solidFill>
+              </a:rPr>
+              <a:t>$sex</a:t>
+            </a:r>
+            <a:endParaRPr kumimoji="1" lang="ja-JP" altLang="en-US" sz="1400" b="1">
+              <a:solidFill>
+                <a:srgbClr val="C00000"/>
+              </a:solidFill>
+            </a:endParaRPr>
+          </a:p>
+        </p:txBody>
+      </p:sp>
+      <p:sp>
+        <p:nvSpPr>
+          <p:cNvPr id="9" name="テキスト ボックス 8">
+            <a:extLst>
+              <a:ext uri="{FF2B5EF4-FFF2-40B4-BE49-F238E27FC236}">
+                <a16:creationId xmlns:a16="http://schemas.microsoft.com/office/drawing/2014/main" id="{4CC5BBBE-8B18-ED14-2FE6-EBE68785A4E6}"/>
+              </a:ext>
+            </a:extLst>
+          </p:cNvPr>
+          <p:cNvSpPr txBox="1"/>
+          <p:nvPr/>
+        </p:nvSpPr>
+        <p:spPr>
+          <a:xfrm>
+            <a:off x="3260973" y="3514614"/>
+            <a:ext cx="1141659" cy="1169551"/>
+          </a:xfrm>
+          <a:prstGeom prst="rect">
+            <a:avLst/>
+          </a:prstGeom>
+          <a:noFill/>
+        </p:spPr>
+        <p:txBody>
+          <a:bodyPr wrap="none" rtlCol="0">
+            <a:spAutoFit/>
+          </a:bodyPr>
+          <a:lstStyle/>
+          <a:p>
+            <a:r>
+              <a:rPr lang="ja-JP" altLang="en-US" sz="1400"/>
+              <a:t>メソッド</a:t>
+            </a:r>
+            <a:endParaRPr lang="en-US" altLang="ja-JP" sz="1400"/>
+          </a:p>
+          <a:p>
+            <a:r>
+              <a:rPr kumimoji="1" lang="en-US" altLang="ja-JP" sz="1400"/>
+              <a:t>__construct</a:t>
+            </a:r>
+          </a:p>
+          <a:p>
+            <a:r>
+              <a:rPr kumimoji="1" lang="en-US" altLang="ja-JP" sz="1400"/>
+              <a:t>getName()</a:t>
+            </a:r>
+          </a:p>
+          <a:p>
+            <a:r>
+              <a:rPr lang="en-US" altLang="ja-JP" sz="1400"/>
+              <a:t>getAge()</a:t>
+            </a:r>
+          </a:p>
+          <a:p>
+            <a:r>
+              <a:rPr kumimoji="1" lang="en-US" altLang="ja-JP" sz="1400" b="1">
+                <a:solidFill>
+                  <a:srgbClr val="C00000"/>
+                </a:solidFill>
+              </a:rPr>
+              <a:t>getSex()</a:t>
+            </a:r>
+            <a:endParaRPr kumimoji="1" lang="ja-JP" altLang="en-US" sz="1400" b="1">
+              <a:solidFill>
+                <a:srgbClr val="C00000"/>
+              </a:solidFill>
+            </a:endParaRPr>
+          </a:p>
+        </p:txBody>
+      </p:sp>
+      <p:sp>
+        <p:nvSpPr>
+          <p:cNvPr id="18" name="正方形/長方形 17">
+            <a:extLst>
+              <a:ext uri="{FF2B5EF4-FFF2-40B4-BE49-F238E27FC236}">
+                <a16:creationId xmlns:a16="http://schemas.microsoft.com/office/drawing/2014/main" id="{49F66668-8596-48EB-672B-30E41BCE517A}"/>
+              </a:ext>
+            </a:extLst>
+          </p:cNvPr>
+          <p:cNvSpPr/>
+          <p:nvPr/>
+        </p:nvSpPr>
+        <p:spPr>
+          <a:xfrm>
+            <a:off x="5915227" y="854527"/>
+            <a:ext cx="2046514" cy="2307362"/>
+          </a:xfrm>
+          <a:prstGeom prst="rect">
+            <a:avLst/>
+          </a:prstGeom>
+        </p:spPr>
+        <p:style>
+          <a:lnRef idx="2">
+            <a:schemeClr val="accent2"/>
+          </a:lnRef>
+          <a:fillRef idx="1">
+            <a:schemeClr val="lt1"/>
+          </a:fillRef>
+          <a:effectRef idx="0">
+            <a:schemeClr val="accent2"/>
+          </a:effectRef>
+          <a:fontRef idx="minor">
+            <a:schemeClr val="dk1"/>
+          </a:fontRef>
+        </p:style>
+        <p:txBody>
+          <a:bodyPr rtlCol="0" anchor="ctr"/>
+          <a:lstStyle/>
+          <a:p>
+            <a:pPr algn="ctr"/>
+            <a:endParaRPr kumimoji="1" lang="ja-JP" altLang="en-US">
+              <a:noFill/>
+            </a:endParaRPr>
+          </a:p>
+        </p:txBody>
+      </p:sp>
+      <p:sp>
+        <p:nvSpPr>
+          <p:cNvPr id="19" name="正方形/長方形 18">
+            <a:extLst>
+              <a:ext uri="{FF2B5EF4-FFF2-40B4-BE49-F238E27FC236}">
+                <a16:creationId xmlns:a16="http://schemas.microsoft.com/office/drawing/2014/main" id="{603604BD-3C30-34E5-6F4B-97E63E988D68}"/>
+              </a:ext>
+            </a:extLst>
+          </p:cNvPr>
+          <p:cNvSpPr/>
+          <p:nvPr/>
+        </p:nvSpPr>
+        <p:spPr>
+          <a:xfrm>
+            <a:off x="5915227" y="473528"/>
+            <a:ext cx="2046514" cy="381000"/>
+          </a:xfrm>
+          <a:prstGeom prst="rect">
+            <a:avLst/>
+          </a:prstGeom>
+        </p:spPr>
+        <p:style>
+          <a:lnRef idx="2">
+            <a:schemeClr val="accent2">
+              <a:shade val="50000"/>
+            </a:schemeClr>
+          </a:lnRef>
+          <a:fillRef idx="1">
+            <a:schemeClr val="accent2"/>
+          </a:fillRef>
+          <a:effectRef idx="0">
+            <a:schemeClr val="accent2"/>
+          </a:effectRef>
+          <a:fontRef idx="minor">
+            <a:schemeClr val="lt1"/>
+          </a:fontRef>
+        </p:style>
+        <p:txBody>
+          <a:bodyPr rtlCol="0" anchor="ctr"/>
+          <a:lstStyle/>
+          <a:p>
+            <a:pPr algn="ctr"/>
+            <a:r>
+              <a:rPr lang="ja-JP" altLang="en-US" sz="1200"/>
+              <a:t>インスタンス</a:t>
+            </a:r>
+            <a:r>
+              <a:rPr lang="en-US" altLang="ja-JP" sz="1200"/>
+              <a:t> $person_a</a:t>
+            </a:r>
+            <a:endParaRPr kumimoji="1" lang="ja-JP" altLang="en-US" sz="1200"/>
+          </a:p>
+        </p:txBody>
+      </p:sp>
+      <p:sp>
+        <p:nvSpPr>
+          <p:cNvPr id="22" name="正方形/長方形 21">
+            <a:extLst>
+              <a:ext uri="{FF2B5EF4-FFF2-40B4-BE49-F238E27FC236}">
+                <a16:creationId xmlns:a16="http://schemas.microsoft.com/office/drawing/2014/main" id="{31372575-F42B-C17D-9960-EAA709E74C00}"/>
+              </a:ext>
+            </a:extLst>
+          </p:cNvPr>
+          <p:cNvSpPr/>
+          <p:nvPr/>
+        </p:nvSpPr>
+        <p:spPr>
+          <a:xfrm>
+            <a:off x="5915227" y="4077110"/>
+            <a:ext cx="2046514" cy="2307362"/>
+          </a:xfrm>
+          <a:prstGeom prst="rect">
+            <a:avLst/>
+          </a:prstGeom>
+        </p:spPr>
+        <p:style>
+          <a:lnRef idx="2">
+            <a:schemeClr val="accent2"/>
+          </a:lnRef>
+          <a:fillRef idx="1">
+            <a:schemeClr val="lt1"/>
+          </a:fillRef>
+          <a:effectRef idx="0">
+            <a:schemeClr val="accent2"/>
+          </a:effectRef>
+          <a:fontRef idx="minor">
+            <a:schemeClr val="dk1"/>
+          </a:fontRef>
+        </p:style>
+        <p:txBody>
+          <a:bodyPr rtlCol="0" anchor="ctr"/>
+          <a:lstStyle/>
+          <a:p>
+            <a:pPr algn="ctr"/>
+            <a:endParaRPr kumimoji="1" lang="ja-JP" altLang="en-US">
+              <a:noFill/>
+            </a:endParaRPr>
+          </a:p>
+        </p:txBody>
+      </p:sp>
+      <p:sp>
+        <p:nvSpPr>
+          <p:cNvPr id="23" name="正方形/長方形 22">
+            <a:extLst>
+              <a:ext uri="{FF2B5EF4-FFF2-40B4-BE49-F238E27FC236}">
+                <a16:creationId xmlns:a16="http://schemas.microsoft.com/office/drawing/2014/main" id="{2AEFF6F2-BD8F-CAA0-9CA7-09024DC99CF8}"/>
+              </a:ext>
+            </a:extLst>
+          </p:cNvPr>
+          <p:cNvSpPr/>
+          <p:nvPr/>
+        </p:nvSpPr>
+        <p:spPr>
+          <a:xfrm>
+            <a:off x="5915227" y="3696111"/>
+            <a:ext cx="2046514" cy="381000"/>
+          </a:xfrm>
+          <a:prstGeom prst="rect">
+            <a:avLst/>
+          </a:prstGeom>
+        </p:spPr>
+        <p:style>
+          <a:lnRef idx="2">
+            <a:schemeClr val="accent2">
+              <a:shade val="50000"/>
+            </a:schemeClr>
+          </a:lnRef>
+          <a:fillRef idx="1">
+            <a:schemeClr val="accent2"/>
+          </a:fillRef>
+          <a:effectRef idx="0">
+            <a:schemeClr val="accent2"/>
+          </a:effectRef>
+          <a:fontRef idx="minor">
+            <a:schemeClr val="lt1"/>
+          </a:fontRef>
+        </p:style>
+        <p:txBody>
+          <a:bodyPr rtlCol="0" anchor="ctr"/>
+          <a:lstStyle/>
+          <a:p>
+            <a:pPr algn="ctr"/>
+            <a:r>
+              <a:rPr lang="ja-JP" altLang="en-US" sz="1200"/>
+              <a:t>インスタンス</a:t>
+            </a:r>
+            <a:r>
+              <a:rPr lang="en-US" altLang="ja-JP" sz="1200"/>
+              <a:t> $person_b</a:t>
+            </a:r>
+            <a:endParaRPr kumimoji="1" lang="ja-JP" altLang="en-US" sz="1200"/>
+          </a:p>
+        </p:txBody>
+      </p:sp>
+      <p:cxnSp>
+        <p:nvCxnSpPr>
+          <p:cNvPr id="27" name="カギ線コネクタ 26">
+            <a:extLst>
+              <a:ext uri="{FF2B5EF4-FFF2-40B4-BE49-F238E27FC236}">
+                <a16:creationId xmlns:a16="http://schemas.microsoft.com/office/drawing/2014/main" id="{A814CACA-41B7-06D5-71AC-911932BB97F9}"/>
+              </a:ext>
+            </a:extLst>
+          </p:cNvPr>
+          <p:cNvCxnSpPr>
+            <a:cxnSpLocks/>
+            <a:stCxn id="6" idx="3"/>
+            <a:endCxn id="18" idx="1"/>
+          </p:cNvCxnSpPr>
+          <p:nvPr/>
+        </p:nvCxnSpPr>
+        <p:spPr>
+          <a:xfrm flipV="1">
+            <a:off x="5193187" y="2008208"/>
+            <a:ext cx="722040" cy="1597752"/>
+          </a:xfrm>
+          <a:prstGeom prst="bentConnector3">
+            <a:avLst/>
+          </a:prstGeom>
+          <a:ln>
+            <a:tailEnd type="triangle"/>
+          </a:ln>
+        </p:spPr>
+        <p:style>
+          <a:lnRef idx="1">
+            <a:schemeClr val="accent1"/>
+          </a:lnRef>
+          <a:fillRef idx="0">
+            <a:schemeClr val="accent1"/>
+          </a:fillRef>
+          <a:effectRef idx="0">
+            <a:schemeClr val="accent1"/>
+          </a:effectRef>
+          <a:fontRef idx="minor">
+            <a:schemeClr val="tx1"/>
+          </a:fontRef>
+        </p:style>
+      </p:cxnSp>
+      <p:cxnSp>
+        <p:nvCxnSpPr>
+          <p:cNvPr id="28" name="カギ線コネクタ 27">
+            <a:extLst>
+              <a:ext uri="{FF2B5EF4-FFF2-40B4-BE49-F238E27FC236}">
+                <a16:creationId xmlns:a16="http://schemas.microsoft.com/office/drawing/2014/main" id="{977835E2-32A9-BBD7-77A1-D2EDACE2D1CF}"/>
+              </a:ext>
+            </a:extLst>
+          </p:cNvPr>
+          <p:cNvCxnSpPr>
+            <a:cxnSpLocks/>
+            <a:stCxn id="6" idx="3"/>
+            <a:endCxn id="22" idx="1"/>
+          </p:cNvCxnSpPr>
+          <p:nvPr/>
+        </p:nvCxnSpPr>
+        <p:spPr>
+          <a:xfrm>
+            <a:off x="5193187" y="3605960"/>
+            <a:ext cx="722040" cy="1624831"/>
+          </a:xfrm>
+          <a:prstGeom prst="bentConnector3">
+            <a:avLst/>
+          </a:prstGeom>
+          <a:ln>
+            <a:tailEnd type="triangle"/>
+          </a:ln>
+        </p:spPr>
+        <p:style>
+          <a:lnRef idx="1">
+            <a:schemeClr val="accent1"/>
+          </a:lnRef>
+          <a:fillRef idx="0">
+            <a:schemeClr val="accent1"/>
+          </a:fillRef>
+          <a:effectRef idx="0">
+            <a:schemeClr val="accent1"/>
+          </a:effectRef>
+          <a:fontRef idx="minor">
+            <a:schemeClr val="tx1"/>
+          </a:fontRef>
+        </p:style>
+      </p:cxnSp>
+      <p:sp>
+        <p:nvSpPr>
+          <p:cNvPr id="29" name="正方形/長方形 28">
+            <a:extLst>
+              <a:ext uri="{FF2B5EF4-FFF2-40B4-BE49-F238E27FC236}">
+                <a16:creationId xmlns:a16="http://schemas.microsoft.com/office/drawing/2014/main" id="{08AFF6BE-0EE3-CBDB-3955-EDA151483BD3}"/>
+              </a:ext>
+            </a:extLst>
+          </p:cNvPr>
+          <p:cNvSpPr/>
+          <p:nvPr/>
+        </p:nvSpPr>
+        <p:spPr>
+          <a:xfrm>
+            <a:off x="125914" y="2535861"/>
+            <a:ext cx="2046514" cy="2164928"/>
+          </a:xfrm>
+          <a:prstGeom prst="rect">
+            <a:avLst/>
+          </a:prstGeom>
+          <a:noFill/>
+        </p:spPr>
+        <p:style>
+          <a:lnRef idx="2">
+            <a:schemeClr val="accent1">
+              <a:shade val="50000"/>
+            </a:schemeClr>
+          </a:lnRef>
+          <a:fillRef idx="1">
+            <a:schemeClr val="accent1"/>
+          </a:fillRef>
+          <a:effectRef idx="0">
+            <a:schemeClr val="accent1"/>
+          </a:effectRef>
+          <a:fontRef idx="minor">
+            <a:schemeClr val="lt1"/>
+          </a:fontRef>
+        </p:style>
+        <p:txBody>
+          <a:bodyPr rtlCol="0" anchor="ctr"/>
+          <a:lstStyle/>
+          <a:p>
+            <a:pPr algn="ctr"/>
+            <a:endParaRPr kumimoji="1" lang="ja-JP" altLang="en-US">
+              <a:noFill/>
+            </a:endParaRPr>
+          </a:p>
+        </p:txBody>
+      </p:sp>
+      <p:sp>
+        <p:nvSpPr>
+          <p:cNvPr id="30" name="正方形/長方形 29">
+            <a:extLst>
+              <a:ext uri="{FF2B5EF4-FFF2-40B4-BE49-F238E27FC236}">
+                <a16:creationId xmlns:a16="http://schemas.microsoft.com/office/drawing/2014/main" id="{2429BADD-20F3-4C0C-41DE-89622A4AA9C0}"/>
+              </a:ext>
+            </a:extLst>
+          </p:cNvPr>
+          <p:cNvSpPr/>
+          <p:nvPr/>
+        </p:nvSpPr>
+        <p:spPr>
+          <a:xfrm>
+            <a:off x="125914" y="2154862"/>
+            <a:ext cx="2046514" cy="381000"/>
+          </a:xfrm>
+          <a:prstGeom prst="rect">
+            <a:avLst/>
+          </a:prstGeom>
+        </p:spPr>
+        <p:style>
+          <a:lnRef idx="2">
+            <a:schemeClr val="accent1">
+              <a:shade val="50000"/>
+            </a:schemeClr>
+          </a:lnRef>
+          <a:fillRef idx="1">
+            <a:schemeClr val="accent1"/>
+          </a:fillRef>
+          <a:effectRef idx="0">
+            <a:schemeClr val="accent1"/>
+          </a:effectRef>
+          <a:fontRef idx="minor">
+            <a:schemeClr val="lt1"/>
+          </a:fontRef>
+        </p:style>
+        <p:txBody>
+          <a:bodyPr rtlCol="0" anchor="ctr"/>
+          <a:lstStyle/>
+          <a:p>
+            <a:pPr algn="ctr"/>
+            <a:r>
+              <a:rPr lang="ja-JP" altLang="en-US" sz="1400"/>
+              <a:t>クラス</a:t>
+            </a:r>
+            <a:r>
+              <a:rPr lang="en-US" altLang="ja-JP" sz="1400"/>
+              <a:t> </a:t>
+            </a:r>
+            <a:r>
+              <a:rPr kumimoji="1" lang="en-US" altLang="ja-JP" sz="1400"/>
+              <a:t>Person</a:t>
+            </a:r>
+            <a:endParaRPr kumimoji="1" lang="ja-JP" altLang="en-US" sz="1400"/>
+          </a:p>
+        </p:txBody>
+      </p:sp>
+      <p:sp>
+        <p:nvSpPr>
+          <p:cNvPr id="31" name="テキスト ボックス 30">
+            <a:extLst>
+              <a:ext uri="{FF2B5EF4-FFF2-40B4-BE49-F238E27FC236}">
+                <a16:creationId xmlns:a16="http://schemas.microsoft.com/office/drawing/2014/main" id="{F384A79A-2D54-B01F-E549-3C061F516F2C}"/>
+              </a:ext>
+            </a:extLst>
+          </p:cNvPr>
+          <p:cNvSpPr txBox="1"/>
+          <p:nvPr/>
+        </p:nvSpPr>
+        <p:spPr>
+          <a:xfrm>
+            <a:off x="240214" y="2587675"/>
+            <a:ext cx="1082348" cy="738664"/>
+          </a:xfrm>
+          <a:prstGeom prst="rect">
+            <a:avLst/>
+          </a:prstGeom>
+          <a:noFill/>
+        </p:spPr>
+        <p:txBody>
+          <a:bodyPr wrap="none" rtlCol="0">
+            <a:spAutoFit/>
+          </a:bodyPr>
+          <a:lstStyle/>
+          <a:p>
+            <a:r>
+              <a:rPr lang="ja-JP" altLang="en-US" sz="1400"/>
+              <a:t>プロパティ</a:t>
+            </a:r>
+            <a:endParaRPr lang="en-US" altLang="ja-JP" sz="1400"/>
+          </a:p>
+          <a:p>
+            <a:r>
+              <a:rPr kumimoji="1" lang="en-US" altLang="ja-JP" sz="1400"/>
+              <a:t>$name</a:t>
+            </a:r>
+          </a:p>
+          <a:p>
+            <a:r>
+              <a:rPr kumimoji="1" lang="en-US" altLang="ja-JP" sz="1400"/>
+              <a:t>$age</a:t>
+            </a:r>
+            <a:endParaRPr kumimoji="1" lang="ja-JP" altLang="en-US" sz="1400"/>
+          </a:p>
+        </p:txBody>
+      </p:sp>
+      <p:sp>
+        <p:nvSpPr>
+          <p:cNvPr id="32" name="テキスト ボックス 31">
+            <a:extLst>
+              <a:ext uri="{FF2B5EF4-FFF2-40B4-BE49-F238E27FC236}">
+                <a16:creationId xmlns:a16="http://schemas.microsoft.com/office/drawing/2014/main" id="{4FC2099D-B325-7ED0-5152-F9CFF4F77297}"/>
+              </a:ext>
+            </a:extLst>
+          </p:cNvPr>
+          <p:cNvSpPr txBox="1"/>
+          <p:nvPr/>
+        </p:nvSpPr>
+        <p:spPr>
+          <a:xfrm>
+            <a:off x="240214" y="3514614"/>
+            <a:ext cx="1141659" cy="954107"/>
+          </a:xfrm>
+          <a:prstGeom prst="rect">
+            <a:avLst/>
+          </a:prstGeom>
+          <a:noFill/>
+        </p:spPr>
+        <p:txBody>
+          <a:bodyPr wrap="none" rtlCol="0">
+            <a:spAutoFit/>
+          </a:bodyPr>
+          <a:lstStyle/>
+          <a:p>
+            <a:r>
+              <a:rPr lang="ja-JP" altLang="en-US" sz="1400"/>
+              <a:t>メソッド</a:t>
+            </a:r>
+            <a:endParaRPr lang="en-US" altLang="ja-JP" sz="1400"/>
+          </a:p>
+          <a:p>
+            <a:r>
+              <a:rPr kumimoji="1" lang="en-US" altLang="ja-JP" sz="1400"/>
+              <a:t>__construct</a:t>
+            </a:r>
+          </a:p>
+          <a:p>
+            <a:r>
+              <a:rPr kumimoji="1" lang="en-US" altLang="ja-JP" sz="1400"/>
+              <a:t>getName()</a:t>
+            </a:r>
+          </a:p>
+          <a:p>
+            <a:r>
+              <a:rPr lang="en-US" altLang="ja-JP" sz="1400"/>
+              <a:t>getAge()</a:t>
+            </a:r>
+            <a:endParaRPr kumimoji="1" lang="ja-JP" altLang="en-US" sz="1400"/>
+          </a:p>
+        </p:txBody>
+      </p:sp>
+      <p:cxnSp>
+        <p:nvCxnSpPr>
+          <p:cNvPr id="11" name="直線矢印コネクタ 10">
+            <a:extLst>
+              <a:ext uri="{FF2B5EF4-FFF2-40B4-BE49-F238E27FC236}">
+                <a16:creationId xmlns:a16="http://schemas.microsoft.com/office/drawing/2014/main" id="{D34507A7-02EC-2442-60B1-4C1FDC0046FE}"/>
+              </a:ext>
+            </a:extLst>
+          </p:cNvPr>
+          <p:cNvCxnSpPr>
+            <a:cxnSpLocks/>
+            <a:stCxn id="29" idx="3"/>
+            <a:endCxn id="6" idx="1"/>
+          </p:cNvCxnSpPr>
+          <p:nvPr/>
+        </p:nvCxnSpPr>
+        <p:spPr>
+          <a:xfrm flipV="1">
+            <a:off x="2172428" y="3605960"/>
+            <a:ext cx="974245" cy="12365"/>
+          </a:xfrm>
+          <a:prstGeom prst="straightConnector1">
+            <a:avLst/>
+          </a:prstGeom>
+          <a:ln>
+            <a:tailEnd type="triangle"/>
+          </a:ln>
+        </p:spPr>
+        <p:style>
+          <a:lnRef idx="1">
+            <a:schemeClr val="accent1"/>
+          </a:lnRef>
+          <a:fillRef idx="0">
+            <a:schemeClr val="accent1"/>
+          </a:fillRef>
+          <a:effectRef idx="0">
+            <a:schemeClr val="accent1"/>
+          </a:effectRef>
+          <a:fontRef idx="minor">
+            <a:schemeClr val="tx1"/>
+          </a:fontRef>
+        </p:style>
+      </p:cxnSp>
+      <p:sp>
+        <p:nvSpPr>
+          <p:cNvPr id="33" name="テキスト ボックス 32">
+            <a:extLst>
+              <a:ext uri="{FF2B5EF4-FFF2-40B4-BE49-F238E27FC236}">
+                <a16:creationId xmlns:a16="http://schemas.microsoft.com/office/drawing/2014/main" id="{F2F93EF3-6A10-FA94-B4A8-33CD4A536129}"/>
+              </a:ext>
+            </a:extLst>
+          </p:cNvPr>
+          <p:cNvSpPr txBox="1"/>
+          <p:nvPr/>
+        </p:nvSpPr>
+        <p:spPr>
+          <a:xfrm>
+            <a:off x="2267109" y="2775951"/>
+            <a:ext cx="837089" cy="523220"/>
+          </a:xfrm>
+          <a:prstGeom prst="rect">
+            <a:avLst/>
+          </a:prstGeom>
+          <a:noFill/>
+        </p:spPr>
+        <p:txBody>
+          <a:bodyPr wrap="none" rtlCol="0">
+            <a:spAutoFit/>
+          </a:bodyPr>
+          <a:lstStyle/>
+          <a:p>
+            <a:r>
+              <a:rPr kumimoji="1" lang="ja-JP" altLang="en-US" sz="1400"/>
+              <a:t>継承</a:t>
+            </a:r>
+            <a:endParaRPr kumimoji="1" lang="en-US" altLang="ja-JP" sz="1400"/>
+          </a:p>
+          <a:p>
+            <a:r>
+              <a:rPr lang="en-US" altLang="ja-JP" sz="1400">
+                <a:highlight>
+                  <a:srgbClr val="FFFF00"/>
+                </a:highlight>
+              </a:rPr>
+              <a:t>extends</a:t>
+            </a:r>
+            <a:endParaRPr kumimoji="1" lang="ja-JP" altLang="en-US" sz="1400">
+              <a:highlight>
+                <a:srgbClr val="FFFF00"/>
+              </a:highlight>
+            </a:endParaRPr>
+          </a:p>
+        </p:txBody>
+      </p:sp>
+      <p:sp>
+        <p:nvSpPr>
+          <p:cNvPr id="34" name="テキスト ボックス 33">
+            <a:extLst>
+              <a:ext uri="{FF2B5EF4-FFF2-40B4-BE49-F238E27FC236}">
+                <a16:creationId xmlns:a16="http://schemas.microsoft.com/office/drawing/2014/main" id="{D5EA3D6A-30E5-5B87-4670-CC72591FB284}"/>
+              </a:ext>
+            </a:extLst>
+          </p:cNvPr>
+          <p:cNvSpPr txBox="1"/>
+          <p:nvPr/>
+        </p:nvSpPr>
+        <p:spPr>
+          <a:xfrm>
+            <a:off x="6073804" y="970689"/>
+            <a:ext cx="1598515" cy="954107"/>
+          </a:xfrm>
+          <a:prstGeom prst="rect">
+            <a:avLst/>
+          </a:prstGeom>
+          <a:noFill/>
+        </p:spPr>
+        <p:txBody>
+          <a:bodyPr wrap="none" rtlCol="0">
+            <a:spAutoFit/>
+          </a:bodyPr>
+          <a:lstStyle/>
+          <a:p>
+            <a:r>
+              <a:rPr lang="ja-JP" altLang="en-US" sz="1400"/>
+              <a:t>プロパティ</a:t>
+            </a:r>
+            <a:endParaRPr lang="en-US" altLang="ja-JP" sz="1400"/>
+          </a:p>
+          <a:p>
+            <a:r>
+              <a:rPr kumimoji="1" lang="en-US" altLang="ja-JP" sz="1400"/>
+              <a:t>$name = ‘suzuki’</a:t>
+            </a:r>
+          </a:p>
+          <a:p>
+            <a:r>
+              <a:rPr kumimoji="1" lang="en-US" altLang="ja-JP" sz="1400"/>
+              <a:t>$age = 28</a:t>
+            </a:r>
+          </a:p>
+          <a:p>
+            <a:r>
+              <a:rPr lang="en-US" altLang="ja-JP" sz="1400" b="1">
+                <a:solidFill>
+                  <a:srgbClr val="C00000"/>
+                </a:solidFill>
+              </a:rPr>
+              <a:t>$sex = ‘male’</a:t>
+            </a:r>
+            <a:endParaRPr kumimoji="1" lang="ja-JP" altLang="en-US" sz="1400" b="1">
+              <a:solidFill>
+                <a:srgbClr val="C00000"/>
+              </a:solidFill>
+            </a:endParaRPr>
+          </a:p>
+        </p:txBody>
+      </p:sp>
+      <p:sp>
+        <p:nvSpPr>
+          <p:cNvPr id="35" name="テキスト ボックス 34">
+            <a:extLst>
+              <a:ext uri="{FF2B5EF4-FFF2-40B4-BE49-F238E27FC236}">
+                <a16:creationId xmlns:a16="http://schemas.microsoft.com/office/drawing/2014/main" id="{DAE18A7C-2BAC-E468-4CC4-55306740F2F3}"/>
+              </a:ext>
+            </a:extLst>
+          </p:cNvPr>
+          <p:cNvSpPr txBox="1"/>
+          <p:nvPr/>
+        </p:nvSpPr>
+        <p:spPr>
+          <a:xfrm>
+            <a:off x="6073804" y="1923900"/>
+            <a:ext cx="1141659" cy="1169551"/>
+          </a:xfrm>
+          <a:prstGeom prst="rect">
+            <a:avLst/>
+          </a:prstGeom>
+          <a:noFill/>
+        </p:spPr>
+        <p:txBody>
+          <a:bodyPr wrap="none" rtlCol="0">
+            <a:spAutoFit/>
+          </a:bodyPr>
+          <a:lstStyle/>
+          <a:p>
+            <a:r>
+              <a:rPr lang="ja-JP" altLang="en-US" sz="1400"/>
+              <a:t>メソッド</a:t>
+            </a:r>
+            <a:endParaRPr lang="en-US" altLang="ja-JP" sz="1400"/>
+          </a:p>
+          <a:p>
+            <a:r>
+              <a:rPr lang="en-US" altLang="ja-JP" sz="1400"/>
+              <a:t>__construct</a:t>
+            </a:r>
+          </a:p>
+          <a:p>
+            <a:r>
+              <a:rPr kumimoji="1" lang="en-US" altLang="ja-JP" sz="1400"/>
+              <a:t>getName()</a:t>
+            </a:r>
+          </a:p>
+          <a:p>
+            <a:r>
+              <a:rPr lang="en-US" altLang="ja-JP" sz="1400"/>
+              <a:t>getAge()</a:t>
+            </a:r>
+          </a:p>
+          <a:p>
+            <a:r>
+              <a:rPr kumimoji="1" lang="en-US" altLang="ja-JP" sz="1400" b="1">
+                <a:solidFill>
+                  <a:srgbClr val="C00000"/>
+                </a:solidFill>
+              </a:rPr>
+              <a:t>getSex()</a:t>
+            </a:r>
+            <a:endParaRPr kumimoji="1" lang="ja-JP" altLang="en-US" sz="1400" b="1">
+              <a:solidFill>
+                <a:srgbClr val="C00000"/>
+              </a:solidFill>
+            </a:endParaRPr>
+          </a:p>
+        </p:txBody>
+      </p:sp>
+      <p:sp>
+        <p:nvSpPr>
+          <p:cNvPr id="36" name="テキスト ボックス 35">
+            <a:extLst>
+              <a:ext uri="{FF2B5EF4-FFF2-40B4-BE49-F238E27FC236}">
+                <a16:creationId xmlns:a16="http://schemas.microsoft.com/office/drawing/2014/main" id="{DCC50B04-70E7-381C-01BF-264D899B3919}"/>
+              </a:ext>
+            </a:extLst>
+          </p:cNvPr>
+          <p:cNvSpPr txBox="1"/>
+          <p:nvPr/>
+        </p:nvSpPr>
+        <p:spPr>
+          <a:xfrm>
+            <a:off x="6073804" y="4147823"/>
+            <a:ext cx="1638590" cy="954107"/>
+          </a:xfrm>
+          <a:prstGeom prst="rect">
+            <a:avLst/>
+          </a:prstGeom>
+          <a:noFill/>
+        </p:spPr>
+        <p:txBody>
+          <a:bodyPr wrap="none" rtlCol="0">
+            <a:spAutoFit/>
+          </a:bodyPr>
+          <a:lstStyle/>
+          <a:p>
+            <a:r>
+              <a:rPr lang="ja-JP" altLang="en-US" sz="1400"/>
+              <a:t>プロパティ</a:t>
+            </a:r>
+            <a:endParaRPr lang="en-US" altLang="ja-JP" sz="1400"/>
+          </a:p>
+          <a:p>
+            <a:r>
+              <a:rPr kumimoji="1" lang="en-US" altLang="ja-JP" sz="1400"/>
+              <a:t>$name = ‘tanaka’</a:t>
+            </a:r>
+          </a:p>
+          <a:p>
+            <a:r>
+              <a:rPr kumimoji="1" lang="en-US" altLang="ja-JP" sz="1400"/>
+              <a:t>$age = 26</a:t>
+            </a:r>
+          </a:p>
+          <a:p>
+            <a:r>
+              <a:rPr lang="en-US" altLang="ja-JP" sz="1400" b="1">
+                <a:solidFill>
+                  <a:srgbClr val="C00000"/>
+                </a:solidFill>
+              </a:rPr>
+              <a:t>$sex = ‘male’</a:t>
+            </a:r>
+            <a:endParaRPr kumimoji="1" lang="ja-JP" altLang="en-US" sz="1400" b="1">
+              <a:solidFill>
+                <a:srgbClr val="C00000"/>
+              </a:solidFill>
+            </a:endParaRPr>
+          </a:p>
+        </p:txBody>
+      </p:sp>
+      <p:sp>
+        <p:nvSpPr>
+          <p:cNvPr id="39" name="テキスト ボックス 38">
+            <a:extLst>
+              <a:ext uri="{FF2B5EF4-FFF2-40B4-BE49-F238E27FC236}">
+                <a16:creationId xmlns:a16="http://schemas.microsoft.com/office/drawing/2014/main" id="{42818952-C22B-199F-9D21-91C103932159}"/>
+              </a:ext>
+            </a:extLst>
+          </p:cNvPr>
+          <p:cNvSpPr txBox="1"/>
+          <p:nvPr/>
+        </p:nvSpPr>
+        <p:spPr>
+          <a:xfrm>
+            <a:off x="8186011" y="2154862"/>
+            <a:ext cx="3995004" cy="307777"/>
+          </a:xfrm>
+          <a:prstGeom prst="rect">
+            <a:avLst/>
+          </a:prstGeom>
+          <a:noFill/>
+        </p:spPr>
+        <p:txBody>
+          <a:bodyPr wrap="none" rtlCol="0">
+            <a:spAutoFit/>
+          </a:bodyPr>
+          <a:lstStyle/>
+          <a:p>
+            <a:r>
+              <a:rPr kumimoji="1" lang="en-US" altLang="ja-JP" sz="1400">
+                <a:highlight>
+                  <a:srgbClr val="FFFF00"/>
+                </a:highlight>
+              </a:rPr>
+              <a:t>$person_a = new Person2(‘suzuki’, 28, ‘male’)</a:t>
+            </a:r>
+            <a:endParaRPr kumimoji="1" lang="ja-JP" altLang="en-US" sz="1400">
+              <a:highlight>
+                <a:srgbClr val="FFFF00"/>
+              </a:highlight>
+            </a:endParaRPr>
+          </a:p>
+        </p:txBody>
+      </p:sp>
+      <p:cxnSp>
+        <p:nvCxnSpPr>
+          <p:cNvPr id="41" name="直線矢印コネクタ 40">
+            <a:extLst>
+              <a:ext uri="{FF2B5EF4-FFF2-40B4-BE49-F238E27FC236}">
+                <a16:creationId xmlns:a16="http://schemas.microsoft.com/office/drawing/2014/main" id="{DB060922-98CD-E08A-F069-E89C75CEF06D}"/>
+              </a:ext>
+            </a:extLst>
+          </p:cNvPr>
+          <p:cNvCxnSpPr/>
+          <p:nvPr/>
+        </p:nvCxnSpPr>
+        <p:spPr>
+          <a:xfrm flipV="1">
+            <a:off x="7027520" y="1901936"/>
+            <a:ext cx="0" cy="246798"/>
+          </a:xfrm>
+          <a:prstGeom prst="straightConnector1">
+            <a:avLst/>
+          </a:prstGeom>
+          <a:ln>
+            <a:prstDash val="dashDot"/>
+            <a:tailEnd type="triangle"/>
+          </a:ln>
+        </p:spPr>
+        <p:style>
+          <a:lnRef idx="1">
+            <a:schemeClr val="accent1"/>
+          </a:lnRef>
+          <a:fillRef idx="0">
+            <a:schemeClr val="accent1"/>
+          </a:fillRef>
+          <a:effectRef idx="0">
+            <a:schemeClr val="accent1"/>
+          </a:effectRef>
+          <a:fontRef idx="minor">
+            <a:schemeClr val="tx1"/>
+          </a:fontRef>
+        </p:style>
+      </p:cxnSp>
+      <p:sp>
+        <p:nvSpPr>
+          <p:cNvPr id="42" name="テキスト ボックス 41">
+            <a:extLst>
+              <a:ext uri="{FF2B5EF4-FFF2-40B4-BE49-F238E27FC236}">
+                <a16:creationId xmlns:a16="http://schemas.microsoft.com/office/drawing/2014/main" id="{9AEFC2B6-DFB3-1C82-04AE-C04BF24C6750}"/>
+              </a:ext>
+            </a:extLst>
+          </p:cNvPr>
+          <p:cNvSpPr txBox="1"/>
+          <p:nvPr/>
+        </p:nvSpPr>
+        <p:spPr>
+          <a:xfrm>
+            <a:off x="7203791" y="1892639"/>
+            <a:ext cx="1082348" cy="307777"/>
+          </a:xfrm>
+          <a:prstGeom prst="rect">
+            <a:avLst/>
+          </a:prstGeom>
+          <a:noFill/>
+        </p:spPr>
+        <p:txBody>
+          <a:bodyPr wrap="none" rtlCol="0">
+            <a:spAutoFit/>
+          </a:bodyPr>
+          <a:lstStyle/>
+          <a:p>
+            <a:r>
+              <a:rPr kumimoji="1" lang="en-US" altLang="ja-JP" sz="1400">
+                <a:highlight>
+                  <a:srgbClr val="FFFF00"/>
+                </a:highlight>
+              </a:rPr>
+              <a:t>$this-&gt;sex</a:t>
+            </a:r>
+            <a:endParaRPr kumimoji="1" lang="ja-JP" altLang="en-US" sz="1400">
+              <a:highlight>
+                <a:srgbClr val="FFFF00"/>
+              </a:highlight>
+            </a:endParaRPr>
+          </a:p>
+        </p:txBody>
+      </p:sp>
+      <p:sp>
+        <p:nvSpPr>
+          <p:cNvPr id="43" name="テキスト ボックス 42">
+            <a:extLst>
+              <a:ext uri="{FF2B5EF4-FFF2-40B4-BE49-F238E27FC236}">
+                <a16:creationId xmlns:a16="http://schemas.microsoft.com/office/drawing/2014/main" id="{B896A396-0255-5BE4-6820-86648D625D60}"/>
+              </a:ext>
+            </a:extLst>
+          </p:cNvPr>
+          <p:cNvSpPr txBox="1"/>
+          <p:nvPr/>
+        </p:nvSpPr>
+        <p:spPr>
+          <a:xfrm>
+            <a:off x="8186011" y="2725717"/>
+            <a:ext cx="1955985" cy="307777"/>
+          </a:xfrm>
+          <a:prstGeom prst="rect">
+            <a:avLst/>
+          </a:prstGeom>
+          <a:noFill/>
+        </p:spPr>
+        <p:txBody>
+          <a:bodyPr wrap="none" rtlCol="0">
+            <a:spAutoFit/>
+          </a:bodyPr>
+          <a:lstStyle/>
+          <a:p>
+            <a:r>
+              <a:rPr kumimoji="1" lang="en-US" altLang="ja-JP" sz="1400">
+                <a:highlight>
+                  <a:srgbClr val="FFFF00"/>
+                </a:highlight>
+              </a:rPr>
+              <a:t>$person_a-&gt;getSex()</a:t>
+            </a:r>
+            <a:endParaRPr kumimoji="1" lang="ja-JP" altLang="en-US" sz="1400">
+              <a:highlight>
+                <a:srgbClr val="FFFF00"/>
+              </a:highlight>
+            </a:endParaRPr>
+          </a:p>
+        </p:txBody>
+      </p:sp>
+      <p:cxnSp>
+        <p:nvCxnSpPr>
+          <p:cNvPr id="44" name="直線矢印コネクタ 43">
+            <a:extLst>
+              <a:ext uri="{FF2B5EF4-FFF2-40B4-BE49-F238E27FC236}">
+                <a16:creationId xmlns:a16="http://schemas.microsoft.com/office/drawing/2014/main" id="{BF8BF473-CDE5-7BFB-6743-54246AEC778A}"/>
+              </a:ext>
+            </a:extLst>
+          </p:cNvPr>
+          <p:cNvCxnSpPr>
+            <a:cxnSpLocks/>
+            <a:stCxn id="43" idx="1"/>
+          </p:cNvCxnSpPr>
+          <p:nvPr/>
+        </p:nvCxnSpPr>
+        <p:spPr>
+          <a:xfrm flipH="1">
+            <a:off x="7238942" y="2879606"/>
+            <a:ext cx="947069" cy="0"/>
+          </a:xfrm>
+          <a:prstGeom prst="straightConnector1">
+            <a:avLst/>
+          </a:prstGeom>
+          <a:ln>
+            <a:prstDash val="dashDot"/>
+            <a:tailEnd type="triangle"/>
+          </a:ln>
+        </p:spPr>
+        <p:style>
+          <a:lnRef idx="1">
+            <a:schemeClr val="accent1"/>
+          </a:lnRef>
+          <a:fillRef idx="0">
+            <a:schemeClr val="accent1"/>
+          </a:fillRef>
+          <a:effectRef idx="0">
+            <a:schemeClr val="accent1"/>
+          </a:effectRef>
+          <a:fontRef idx="minor">
+            <a:schemeClr val="tx1"/>
+          </a:fontRef>
+        </p:style>
+      </p:cxnSp>
+      <p:cxnSp>
+        <p:nvCxnSpPr>
+          <p:cNvPr id="45" name="直線矢印コネクタ 44">
+            <a:extLst>
+              <a:ext uri="{FF2B5EF4-FFF2-40B4-BE49-F238E27FC236}">
+                <a16:creationId xmlns:a16="http://schemas.microsoft.com/office/drawing/2014/main" id="{FD7F9018-0BC2-B521-9DF9-47491E4BC347}"/>
+              </a:ext>
+            </a:extLst>
+          </p:cNvPr>
+          <p:cNvCxnSpPr>
+            <a:cxnSpLocks/>
+            <a:stCxn id="39" idx="1"/>
+          </p:cNvCxnSpPr>
+          <p:nvPr/>
+        </p:nvCxnSpPr>
+        <p:spPr>
+          <a:xfrm flipH="1">
+            <a:off x="7238942" y="2308751"/>
+            <a:ext cx="947069" cy="7309"/>
+          </a:xfrm>
+          <a:prstGeom prst="straightConnector1">
+            <a:avLst/>
+          </a:prstGeom>
+          <a:ln>
+            <a:prstDash val="dashDot"/>
+            <a:tailEnd type="triangle"/>
+          </a:ln>
+        </p:spPr>
+        <p:style>
+          <a:lnRef idx="1">
+            <a:schemeClr val="accent1"/>
+          </a:lnRef>
+          <a:fillRef idx="0">
+            <a:schemeClr val="accent1"/>
+          </a:fillRef>
+          <a:effectRef idx="0">
+            <a:schemeClr val="accent1"/>
+          </a:effectRef>
+          <a:fontRef idx="minor">
+            <a:schemeClr val="tx1"/>
+          </a:fontRef>
+        </p:style>
+      </p:cxnSp>
+      <p:sp>
+        <p:nvSpPr>
+          <p:cNvPr id="46" name="テキスト ボックス 45">
+            <a:extLst>
+              <a:ext uri="{FF2B5EF4-FFF2-40B4-BE49-F238E27FC236}">
+                <a16:creationId xmlns:a16="http://schemas.microsoft.com/office/drawing/2014/main" id="{3E0A997C-6DC6-784C-EA39-98219D8E0795}"/>
+              </a:ext>
+            </a:extLst>
+          </p:cNvPr>
+          <p:cNvSpPr txBox="1"/>
+          <p:nvPr/>
+        </p:nvSpPr>
+        <p:spPr>
+          <a:xfrm>
+            <a:off x="6073803" y="5101930"/>
+            <a:ext cx="1141659" cy="1169551"/>
+          </a:xfrm>
+          <a:prstGeom prst="rect">
+            <a:avLst/>
+          </a:prstGeom>
+          <a:noFill/>
+        </p:spPr>
+        <p:txBody>
+          <a:bodyPr wrap="none" rtlCol="0">
+            <a:spAutoFit/>
+          </a:bodyPr>
+          <a:lstStyle/>
+          <a:p>
+            <a:r>
+              <a:rPr lang="ja-JP" altLang="en-US" sz="1400"/>
+              <a:t>メソッド</a:t>
+            </a:r>
+            <a:endParaRPr lang="en-US" altLang="ja-JP" sz="1400"/>
+          </a:p>
+          <a:p>
+            <a:r>
+              <a:rPr lang="en-US" altLang="ja-JP" sz="1400"/>
+              <a:t>__construct</a:t>
+            </a:r>
+          </a:p>
+          <a:p>
+            <a:r>
+              <a:rPr kumimoji="1" lang="en-US" altLang="ja-JP" sz="1400"/>
+              <a:t>getName()</a:t>
+            </a:r>
+          </a:p>
+          <a:p>
+            <a:r>
+              <a:rPr lang="en-US" altLang="ja-JP" sz="1400"/>
+              <a:t>getAge()</a:t>
+            </a:r>
+          </a:p>
+          <a:p>
+            <a:r>
+              <a:rPr kumimoji="1" lang="en-US" altLang="ja-JP" sz="1400" b="1">
+                <a:solidFill>
+                  <a:srgbClr val="C00000"/>
+                </a:solidFill>
+              </a:rPr>
+              <a:t>getSex()</a:t>
+            </a:r>
+            <a:endParaRPr kumimoji="1" lang="ja-JP" altLang="en-US" sz="1400" b="1">
+              <a:solidFill>
+                <a:srgbClr val="C00000"/>
+              </a:solidFill>
+            </a:endParaRPr>
+          </a:p>
+        </p:txBody>
+      </p:sp>
+      <p:sp>
+        <p:nvSpPr>
+          <p:cNvPr id="37" name="テキスト ボックス 36">
+            <a:extLst>
+              <a:ext uri="{FF2B5EF4-FFF2-40B4-BE49-F238E27FC236}">
+                <a16:creationId xmlns:a16="http://schemas.microsoft.com/office/drawing/2014/main" id="{E57614F6-571D-DB5F-0B1A-6BDEBD11FC0A}"/>
+              </a:ext>
+            </a:extLst>
+          </p:cNvPr>
+          <p:cNvSpPr txBox="1"/>
+          <p:nvPr/>
+        </p:nvSpPr>
+        <p:spPr>
+          <a:xfrm>
+            <a:off x="4196085" y="1486020"/>
+            <a:ext cx="1620957" cy="307777"/>
+          </a:xfrm>
+          <a:prstGeom prst="rect">
+            <a:avLst/>
+          </a:prstGeom>
+          <a:noFill/>
+        </p:spPr>
+        <p:txBody>
+          <a:bodyPr wrap="none" rtlCol="0">
+            <a:spAutoFit/>
+          </a:bodyPr>
+          <a:lstStyle/>
+          <a:p>
+            <a:r>
+              <a:rPr kumimoji="1" lang="ja-JP" altLang="en-US" sz="1400"/>
+              <a:t>インスタンス生成</a:t>
+            </a:r>
+          </a:p>
+        </p:txBody>
+      </p:sp>
+      <p:sp>
+        <p:nvSpPr>
+          <p:cNvPr id="38" name="テキスト ボックス 37">
+            <a:extLst>
+              <a:ext uri="{FF2B5EF4-FFF2-40B4-BE49-F238E27FC236}">
+                <a16:creationId xmlns:a16="http://schemas.microsoft.com/office/drawing/2014/main" id="{F0AB2E2B-742E-1120-5228-87CCBF17EA72}"/>
+              </a:ext>
+            </a:extLst>
+          </p:cNvPr>
+          <p:cNvSpPr txBox="1"/>
+          <p:nvPr/>
+        </p:nvSpPr>
+        <p:spPr>
+          <a:xfrm>
+            <a:off x="4196085" y="5484520"/>
+            <a:ext cx="1620957" cy="307777"/>
+          </a:xfrm>
+          <a:prstGeom prst="rect">
+            <a:avLst/>
+          </a:prstGeom>
+          <a:noFill/>
+        </p:spPr>
+        <p:txBody>
+          <a:bodyPr wrap="none" rtlCol="0">
+            <a:spAutoFit/>
+          </a:bodyPr>
+          <a:lstStyle/>
+          <a:p>
+            <a:r>
+              <a:rPr kumimoji="1" lang="ja-JP" altLang="en-US" sz="1400"/>
+              <a:t>インスタンス生成</a:t>
+            </a:r>
+            <a:endParaRPr kumimoji="1" lang="en-US" altLang="ja-JP" sz="1400"/>
+          </a:p>
+        </p:txBody>
+      </p:sp>
+    </p:spTree>
+    <p:extLst>
+      <p:ext uri="{BB962C8B-B14F-4D97-AF65-F5344CB8AC3E}">
+        <p14:creationId xmlns:p14="http://schemas.microsoft.com/office/powerpoint/2010/main" val="2430250709"/>
+      </p:ext>
+    </p:extLst>
+  </p:cSld>
+  <p:clrMapOvr>
+    <a:masterClrMapping/>
+  </p:clrMapOvr>
+</p:sld>
+</file>
+
+<file path=ppt/slides/slide15.xml><?xml version="1.0" encoding="utf-8"?>
+<p:sld xmlns:a="http://schemas.openxmlformats.org/drawingml/2006/main" xmlns:r="http://schemas.openxmlformats.org/officeDocument/2006/relationships" xmlns:p="http://schemas.openxmlformats.org/presentationml/2006/main">
+  <p:cSld>
+    <p:spTree>
+      <p:nvGrpSpPr>
+        <p:cNvPr id="1" name=""/>
+        <p:cNvGrpSpPr/>
+        <p:nvPr/>
+      </p:nvGrpSpPr>
+      <p:grpSpPr>
+        <a:xfrm>
+          <a:off x="0" y="0"/>
+          <a:ext cx="0" cy="0"/>
+          <a:chOff x="0" y="0"/>
+          <a:chExt cx="0" cy="0"/>
+        </a:xfrm>
+      </p:grpSpPr>
+      <p:sp>
+        <p:nvSpPr>
+          <p:cNvPr id="6" name="正方形/長方形 5">
+            <a:extLst>
+              <a:ext uri="{FF2B5EF4-FFF2-40B4-BE49-F238E27FC236}">
+                <a16:creationId xmlns:a16="http://schemas.microsoft.com/office/drawing/2014/main" id="{C9C02D05-25D4-EA2D-FE8C-904CF4B90C1A}"/>
+              </a:ext>
+            </a:extLst>
+          </p:cNvPr>
+          <p:cNvSpPr/>
+          <p:nvPr/>
+        </p:nvSpPr>
+        <p:spPr>
+          <a:xfrm>
             <a:off x="3661828" y="2523496"/>
             <a:ext cx="2046514" cy="2164928"/>
           </a:xfrm>
@@ -8683,7 +9424,7 @@
 </p:sld>
 </file>
 
-<file path=ppt/slides/slide15.xml><?xml version="1.0" encoding="utf-8"?>
+<file path=ppt/slides/slide16.xml><?xml version="1.0" encoding="utf-8"?>
 <p:sld xmlns:a="http://schemas.openxmlformats.org/drawingml/2006/main" xmlns:r="http://schemas.openxmlformats.org/officeDocument/2006/relationships" xmlns:p="http://schemas.openxmlformats.org/presentationml/2006/main">
   <p:cSld>
     <p:spTree>
@@ -23972,42 +24713,12 @@
           <a:chExt cx="0" cy="0"/>
         </a:xfrm>
       </p:grpSpPr>
-      <p:pic>
-        <p:nvPicPr>
-          <p:cNvPr id="4" name="図 3" descr="グラフィカル ユーザー インターフェイス, テキスト, アプリケーション&#10;&#10;自動的に生成された説明">
-            <a:extLst>
-              <a:ext uri="{FF2B5EF4-FFF2-40B4-BE49-F238E27FC236}">
-                <a16:creationId xmlns:a16="http://schemas.microsoft.com/office/drawing/2014/main" id="{FB3C4168-0902-EB06-696A-A791CC572704}"/>
-              </a:ext>
-            </a:extLst>
-          </p:cNvPr>
-          <p:cNvPicPr>
-            <a:picLocks noChangeAspect="1"/>
-          </p:cNvPicPr>
-          <p:nvPr/>
-        </p:nvPicPr>
-        <p:blipFill>
-          <a:blip r:embed="rId2"/>
-          <a:stretch>
-            <a:fillRect/>
-          </a:stretch>
-        </p:blipFill>
-        <p:spPr>
-          <a:xfrm>
-            <a:off x="809173" y="965200"/>
-            <a:ext cx="5397500" cy="3543300"/>
-          </a:xfrm>
-          <a:prstGeom prst="rect">
-            <a:avLst/>
-          </a:prstGeom>
-        </p:spPr>
-      </p:pic>
-      <p:sp>
-        <p:nvSpPr>
-          <p:cNvPr id="9" name="右中かっこ 8">
-            <a:extLst>
-              <a:ext uri="{FF2B5EF4-FFF2-40B4-BE49-F238E27FC236}">
-                <a16:creationId xmlns:a16="http://schemas.microsoft.com/office/drawing/2014/main" id="{25AF4E1E-5F5B-6983-4423-C9BAF0BCA6B4}"/>
+      <p:sp>
+        <p:nvSpPr>
+          <p:cNvPr id="6" name="正方形/長方形 5">
+            <a:extLst>
+              <a:ext uri="{FF2B5EF4-FFF2-40B4-BE49-F238E27FC236}">
+                <a16:creationId xmlns:a16="http://schemas.microsoft.com/office/drawing/2014/main" id="{C9C02D05-25D4-EA2D-FE8C-904CF4B90C1A}"/>
               </a:ext>
             </a:extLst>
           </p:cNvPr>
@@ -24016,12 +24727,485 @@
         </p:nvSpPr>
         <p:spPr>
           <a:xfrm>
-            <a:off x="6524289" y="965200"/>
-            <a:ext cx="139584" cy="533400"/>
-          </a:xfrm>
-          <a:prstGeom prst="rightBrace">
-            <a:avLst/>
-          </a:prstGeom>
+            <a:off x="5229619" y="1391330"/>
+            <a:ext cx="2742403" cy="4378399"/>
+          </a:xfrm>
+          <a:prstGeom prst="rect">
+            <a:avLst/>
+          </a:prstGeom>
+          <a:noFill/>
+        </p:spPr>
+        <p:style>
+          <a:lnRef idx="2">
+            <a:schemeClr val="accent1">
+              <a:shade val="50000"/>
+            </a:schemeClr>
+          </a:lnRef>
+          <a:fillRef idx="1">
+            <a:schemeClr val="accent1"/>
+          </a:fillRef>
+          <a:effectRef idx="0">
+            <a:schemeClr val="accent1"/>
+          </a:effectRef>
+          <a:fontRef idx="minor">
+            <a:schemeClr val="lt1"/>
+          </a:fontRef>
+        </p:style>
+        <p:txBody>
+          <a:bodyPr rtlCol="0" anchor="ctr"/>
+          <a:lstStyle/>
+          <a:p>
+            <a:pPr algn="ctr"/>
+            <a:endParaRPr kumimoji="1" lang="ja-JP" altLang="en-US">
+              <a:noFill/>
+            </a:endParaRPr>
+          </a:p>
+        </p:txBody>
+      </p:sp>
+      <p:sp>
+        <p:nvSpPr>
+          <p:cNvPr id="7" name="正方形/長方形 6">
+            <a:extLst>
+              <a:ext uri="{FF2B5EF4-FFF2-40B4-BE49-F238E27FC236}">
+                <a16:creationId xmlns:a16="http://schemas.microsoft.com/office/drawing/2014/main" id="{A4DE77E2-1CE8-74C1-18C3-A722FF20EEE8}"/>
+              </a:ext>
+            </a:extLst>
+          </p:cNvPr>
+          <p:cNvSpPr/>
+          <p:nvPr/>
+        </p:nvSpPr>
+        <p:spPr>
+          <a:xfrm>
+            <a:off x="5229619" y="1022739"/>
+            <a:ext cx="2742404" cy="381000"/>
+          </a:xfrm>
+          <a:prstGeom prst="rect">
+            <a:avLst/>
+          </a:prstGeom>
+        </p:spPr>
+        <p:style>
+          <a:lnRef idx="2">
+            <a:schemeClr val="accent1">
+              <a:shade val="50000"/>
+            </a:schemeClr>
+          </a:lnRef>
+          <a:fillRef idx="1">
+            <a:schemeClr val="accent1"/>
+          </a:fillRef>
+          <a:effectRef idx="0">
+            <a:schemeClr val="accent1"/>
+          </a:effectRef>
+          <a:fontRef idx="minor">
+            <a:schemeClr val="lt1"/>
+          </a:fontRef>
+        </p:style>
+        <p:txBody>
+          <a:bodyPr rtlCol="0" anchor="ctr"/>
+          <a:lstStyle/>
+          <a:p>
+            <a:pPr algn="ctr"/>
+            <a:r>
+              <a:rPr lang="ja-JP" altLang="en-US" sz="1400"/>
+              <a:t>クラス</a:t>
+            </a:r>
+            <a:r>
+              <a:rPr lang="en-US" altLang="ja-JP" sz="1400"/>
+              <a:t> </a:t>
+            </a:r>
+            <a:r>
+              <a:rPr kumimoji="1" lang="en-US" altLang="ja-JP" sz="1400"/>
+              <a:t>Person2</a:t>
+            </a:r>
+            <a:endParaRPr kumimoji="1" lang="ja-JP" altLang="en-US" sz="1400"/>
+          </a:p>
+        </p:txBody>
+      </p:sp>
+      <p:sp>
+        <p:nvSpPr>
+          <p:cNvPr id="8" name="テキスト ボックス 7">
+            <a:extLst>
+              <a:ext uri="{FF2B5EF4-FFF2-40B4-BE49-F238E27FC236}">
+                <a16:creationId xmlns:a16="http://schemas.microsoft.com/office/drawing/2014/main" id="{1A6A510B-C237-4F2B-9739-3ECA1EF552C5}"/>
+              </a:ext>
+            </a:extLst>
+          </p:cNvPr>
+          <p:cNvSpPr txBox="1"/>
+          <p:nvPr/>
+        </p:nvSpPr>
+        <p:spPr>
+          <a:xfrm>
+            <a:off x="5343920" y="4898585"/>
+            <a:ext cx="2374368" cy="523220"/>
+          </a:xfrm>
+          <a:prstGeom prst="rect">
+            <a:avLst/>
+          </a:prstGeom>
+          <a:noFill/>
+        </p:spPr>
+        <p:txBody>
+          <a:bodyPr wrap="none" rtlCol="0">
+            <a:spAutoFit/>
+          </a:bodyPr>
+          <a:lstStyle/>
+          <a:p>
+            <a:r>
+              <a:rPr lang="ja-JP" altLang="en-US" sz="1400">
+                <a:solidFill>
+                  <a:schemeClr val="tx1">
+                    <a:lumMod val="85000"/>
+                    <a:lumOff val="15000"/>
+                  </a:schemeClr>
+                </a:solidFill>
+              </a:rPr>
+              <a:t>プロパティ</a:t>
+            </a:r>
+            <a:endParaRPr lang="en-US" altLang="ja-JP" sz="1400">
+              <a:solidFill>
+                <a:schemeClr val="tx1">
+                  <a:lumMod val="85000"/>
+                  <a:lumOff val="15000"/>
+                </a:schemeClr>
+              </a:solidFill>
+            </a:endParaRPr>
+          </a:p>
+          <a:p>
+            <a:r>
+              <a:rPr kumimoji="1" lang="en-US" altLang="ja-JP" sz="1400">
+                <a:solidFill>
+                  <a:schemeClr val="tx1">
+                    <a:lumMod val="85000"/>
+                    <a:lumOff val="15000"/>
+                  </a:schemeClr>
+                </a:solidFill>
+                <a:highlight>
+                  <a:srgbClr val="FFFF00"/>
+                </a:highlight>
+              </a:rPr>
+              <a:t>protected</a:t>
+            </a:r>
+            <a:r>
+              <a:rPr kumimoji="1" lang="en-US" altLang="ja-JP" sz="1400">
+                <a:solidFill>
+                  <a:schemeClr val="tx1">
+                    <a:lumMod val="85000"/>
+                    <a:lumOff val="15000"/>
+                  </a:schemeClr>
+                </a:solidFill>
+              </a:rPr>
+              <a:t> static $age = 28</a:t>
+            </a:r>
+            <a:endParaRPr kumimoji="1" lang="ja-JP" altLang="en-US" sz="1400">
+              <a:solidFill>
+                <a:schemeClr val="tx1">
+                  <a:lumMod val="85000"/>
+                  <a:lumOff val="15000"/>
+                </a:schemeClr>
+              </a:solidFill>
+            </a:endParaRPr>
+          </a:p>
+        </p:txBody>
+      </p:sp>
+      <p:sp>
+        <p:nvSpPr>
+          <p:cNvPr id="29" name="正方形/長方形 28">
+            <a:extLst>
+              <a:ext uri="{FF2B5EF4-FFF2-40B4-BE49-F238E27FC236}">
+                <a16:creationId xmlns:a16="http://schemas.microsoft.com/office/drawing/2014/main" id="{08AFF6BE-0EE3-CBDB-3955-EDA151483BD3}"/>
+              </a:ext>
+            </a:extLst>
+          </p:cNvPr>
+          <p:cNvSpPr/>
+          <p:nvPr/>
+        </p:nvSpPr>
+        <p:spPr>
+          <a:xfrm>
+            <a:off x="1648497" y="1879895"/>
+            <a:ext cx="2606878" cy="2846651"/>
+          </a:xfrm>
+          <a:prstGeom prst="rect">
+            <a:avLst/>
+          </a:prstGeom>
+          <a:noFill/>
+        </p:spPr>
+        <p:style>
+          <a:lnRef idx="2">
+            <a:schemeClr val="accent1">
+              <a:shade val="50000"/>
+            </a:schemeClr>
+          </a:lnRef>
+          <a:fillRef idx="1">
+            <a:schemeClr val="accent1"/>
+          </a:fillRef>
+          <a:effectRef idx="0">
+            <a:schemeClr val="accent1"/>
+          </a:effectRef>
+          <a:fontRef idx="minor">
+            <a:schemeClr val="lt1"/>
+          </a:fontRef>
+        </p:style>
+        <p:txBody>
+          <a:bodyPr rtlCol="0" anchor="ctr"/>
+          <a:lstStyle/>
+          <a:p>
+            <a:pPr algn="ctr"/>
+            <a:endParaRPr kumimoji="1" lang="ja-JP" altLang="en-US">
+              <a:noFill/>
+            </a:endParaRPr>
+          </a:p>
+        </p:txBody>
+      </p:sp>
+      <p:sp>
+        <p:nvSpPr>
+          <p:cNvPr id="30" name="正方形/長方形 29">
+            <a:extLst>
+              <a:ext uri="{FF2B5EF4-FFF2-40B4-BE49-F238E27FC236}">
+                <a16:creationId xmlns:a16="http://schemas.microsoft.com/office/drawing/2014/main" id="{2429BADD-20F3-4C0C-41DE-89622A4AA9C0}"/>
+              </a:ext>
+            </a:extLst>
+          </p:cNvPr>
+          <p:cNvSpPr/>
+          <p:nvPr/>
+        </p:nvSpPr>
+        <p:spPr>
+          <a:xfrm>
+            <a:off x="1648497" y="1498897"/>
+            <a:ext cx="2606878" cy="381000"/>
+          </a:xfrm>
+          <a:prstGeom prst="rect">
+            <a:avLst/>
+          </a:prstGeom>
+        </p:spPr>
+        <p:style>
+          <a:lnRef idx="2">
+            <a:schemeClr val="accent1">
+              <a:shade val="50000"/>
+            </a:schemeClr>
+          </a:lnRef>
+          <a:fillRef idx="1">
+            <a:schemeClr val="accent1"/>
+          </a:fillRef>
+          <a:effectRef idx="0">
+            <a:schemeClr val="accent1"/>
+          </a:effectRef>
+          <a:fontRef idx="minor">
+            <a:schemeClr val="lt1"/>
+          </a:fontRef>
+        </p:style>
+        <p:txBody>
+          <a:bodyPr rtlCol="0" anchor="ctr"/>
+          <a:lstStyle/>
+          <a:p>
+            <a:pPr algn="ctr"/>
+            <a:r>
+              <a:rPr lang="ja-JP" altLang="en-US" sz="1400"/>
+              <a:t>クラス</a:t>
+            </a:r>
+            <a:r>
+              <a:rPr lang="en-US" altLang="ja-JP" sz="1400"/>
+              <a:t> </a:t>
+            </a:r>
+            <a:r>
+              <a:rPr kumimoji="1" lang="en-US" altLang="ja-JP" sz="1400"/>
+              <a:t>Person</a:t>
+            </a:r>
+            <a:endParaRPr kumimoji="1" lang="ja-JP" altLang="en-US" sz="1400"/>
+          </a:p>
+        </p:txBody>
+      </p:sp>
+      <p:sp>
+        <p:nvSpPr>
+          <p:cNvPr id="31" name="テキスト ボックス 30">
+            <a:extLst>
+              <a:ext uri="{FF2B5EF4-FFF2-40B4-BE49-F238E27FC236}">
+                <a16:creationId xmlns:a16="http://schemas.microsoft.com/office/drawing/2014/main" id="{F384A79A-2D54-B01F-E549-3C061F516F2C}"/>
+              </a:ext>
+            </a:extLst>
+          </p:cNvPr>
+          <p:cNvSpPr txBox="1"/>
+          <p:nvPr/>
+        </p:nvSpPr>
+        <p:spPr>
+          <a:xfrm>
+            <a:off x="1734536" y="1931710"/>
+            <a:ext cx="2374368" cy="523220"/>
+          </a:xfrm>
+          <a:prstGeom prst="rect">
+            <a:avLst/>
+          </a:prstGeom>
+          <a:noFill/>
+        </p:spPr>
+        <p:txBody>
+          <a:bodyPr wrap="none" rtlCol="0">
+            <a:spAutoFit/>
+          </a:bodyPr>
+          <a:lstStyle/>
+          <a:p>
+            <a:r>
+              <a:rPr lang="ja-JP" altLang="en-US" sz="1400">
+                <a:solidFill>
+                  <a:schemeClr val="tx1">
+                    <a:lumMod val="85000"/>
+                    <a:lumOff val="15000"/>
+                  </a:schemeClr>
+                </a:solidFill>
+              </a:rPr>
+              <a:t>プロパティ</a:t>
+            </a:r>
+            <a:endParaRPr lang="en-US" altLang="ja-JP" sz="1400">
+              <a:solidFill>
+                <a:schemeClr val="tx1">
+                  <a:lumMod val="85000"/>
+                  <a:lumOff val="15000"/>
+                </a:schemeClr>
+              </a:solidFill>
+            </a:endParaRPr>
+          </a:p>
+          <a:p>
+            <a:r>
+              <a:rPr kumimoji="1" lang="en-US" altLang="ja-JP" sz="1400">
+                <a:solidFill>
+                  <a:schemeClr val="tx1">
+                    <a:lumMod val="85000"/>
+                    <a:lumOff val="15000"/>
+                  </a:schemeClr>
+                </a:solidFill>
+                <a:highlight>
+                  <a:srgbClr val="FFFF00"/>
+                </a:highlight>
+              </a:rPr>
+              <a:t>protected</a:t>
+            </a:r>
+            <a:r>
+              <a:rPr kumimoji="1" lang="en-US" altLang="ja-JP" sz="1400">
+                <a:solidFill>
+                  <a:schemeClr val="tx1">
+                    <a:lumMod val="85000"/>
+                    <a:lumOff val="15000"/>
+                  </a:schemeClr>
+                </a:solidFill>
+              </a:rPr>
+              <a:t> static $age = 26</a:t>
+            </a:r>
+            <a:endParaRPr kumimoji="1" lang="ja-JP" altLang="en-US" sz="1400">
+              <a:solidFill>
+                <a:schemeClr val="tx1">
+                  <a:lumMod val="85000"/>
+                  <a:lumOff val="15000"/>
+                </a:schemeClr>
+              </a:solidFill>
+            </a:endParaRPr>
+          </a:p>
+        </p:txBody>
+      </p:sp>
+      <p:sp>
+        <p:nvSpPr>
+          <p:cNvPr id="32" name="テキスト ボックス 31">
+            <a:extLst>
+              <a:ext uri="{FF2B5EF4-FFF2-40B4-BE49-F238E27FC236}">
+                <a16:creationId xmlns:a16="http://schemas.microsoft.com/office/drawing/2014/main" id="{4FC2099D-B325-7ED0-5152-F9CFF4F77297}"/>
+              </a:ext>
+            </a:extLst>
+          </p:cNvPr>
+          <p:cNvSpPr txBox="1"/>
+          <p:nvPr/>
+        </p:nvSpPr>
+        <p:spPr>
+          <a:xfrm>
+            <a:off x="1734536" y="2686104"/>
+            <a:ext cx="1957587" cy="523220"/>
+          </a:xfrm>
+          <a:prstGeom prst="rect">
+            <a:avLst/>
+          </a:prstGeom>
+          <a:noFill/>
+        </p:spPr>
+        <p:txBody>
+          <a:bodyPr wrap="none" rtlCol="0">
+            <a:spAutoFit/>
+          </a:bodyPr>
+          <a:lstStyle/>
+          <a:p>
+            <a:r>
+              <a:rPr lang="ja-JP" altLang="en-US" sz="1400">
+                <a:solidFill>
+                  <a:schemeClr val="tx1">
+                    <a:lumMod val="85000"/>
+                    <a:lumOff val="15000"/>
+                  </a:schemeClr>
+                </a:solidFill>
+              </a:rPr>
+              <a:t>メソッド</a:t>
+            </a:r>
+            <a:endParaRPr lang="en-US" altLang="ja-JP" sz="1400">
+              <a:solidFill>
+                <a:schemeClr val="tx1">
+                  <a:lumMod val="85000"/>
+                  <a:lumOff val="15000"/>
+                </a:schemeClr>
+              </a:solidFill>
+            </a:endParaRPr>
+          </a:p>
+          <a:p>
+            <a:r>
+              <a:rPr kumimoji="1" lang="en-US" altLang="ja-JP" sz="1400">
+                <a:solidFill>
+                  <a:schemeClr val="tx1">
+                    <a:lumMod val="85000"/>
+                    <a:lumOff val="15000"/>
+                  </a:schemeClr>
+                </a:solidFill>
+              </a:rPr>
+              <a:t>public static </a:t>
+            </a:r>
+            <a:r>
+              <a:rPr lang="en-US" altLang="ja-JP" sz="1400">
+                <a:solidFill>
+                  <a:schemeClr val="tx1">
+                    <a:lumMod val="85000"/>
+                    <a:lumOff val="15000"/>
+                  </a:schemeClr>
+                </a:solidFill>
+              </a:rPr>
+              <a:t>getAge()</a:t>
+            </a:r>
+            <a:endParaRPr kumimoji="1" lang="ja-JP" altLang="en-US" sz="1400">
+              <a:solidFill>
+                <a:schemeClr val="tx1">
+                  <a:lumMod val="85000"/>
+                  <a:lumOff val="15000"/>
+                </a:schemeClr>
+              </a:solidFill>
+            </a:endParaRPr>
+          </a:p>
+        </p:txBody>
+      </p:sp>
+      <p:cxnSp>
+        <p:nvCxnSpPr>
+          <p:cNvPr id="11" name="直線矢印コネクタ 10">
+            <a:extLst>
+              <a:ext uri="{FF2B5EF4-FFF2-40B4-BE49-F238E27FC236}">
+                <a16:creationId xmlns:a16="http://schemas.microsoft.com/office/drawing/2014/main" id="{D34507A7-02EC-2442-60B1-4C1FDC0046FE}"/>
+              </a:ext>
+            </a:extLst>
+          </p:cNvPr>
+          <p:cNvCxnSpPr>
+            <a:cxnSpLocks/>
+            <a:stCxn id="29" idx="3"/>
+            <a:endCxn id="37" idx="1"/>
+          </p:cNvCxnSpPr>
+          <p:nvPr/>
+        </p:nvCxnSpPr>
+        <p:spPr>
+          <a:xfrm>
+            <a:off x="4255375" y="3303221"/>
+            <a:ext cx="1096919" cy="0"/>
+          </a:xfrm>
+          <a:prstGeom prst="straightConnector1">
+            <a:avLst/>
+          </a:prstGeom>
+          <a:ln>
+            <a:tailEnd type="triangle"/>
+          </a:ln>
         </p:spPr>
         <p:style>
           <a:lnRef idx="1">
@@ -24037,21 +25221,13 @@
             <a:schemeClr val="tx1"/>
           </a:fontRef>
         </p:style>
-        <p:txBody>
-          <a:bodyPr rtlCol="0" anchor="ctr"/>
-          <a:lstStyle/>
-          <a:p>
-            <a:pPr algn="ctr"/>
-            <a:endParaRPr kumimoji="1" lang="ja-JP" altLang="en-US"/>
-          </a:p>
-        </p:txBody>
-      </p:sp>
-      <p:sp>
-        <p:nvSpPr>
-          <p:cNvPr id="10" name="テキスト ボックス 9">
-            <a:extLst>
-              <a:ext uri="{FF2B5EF4-FFF2-40B4-BE49-F238E27FC236}">
-                <a16:creationId xmlns:a16="http://schemas.microsoft.com/office/drawing/2014/main" id="{DCAD2E75-1A1E-40E1-88E9-662F472D41AB}"/>
+      </p:cxnSp>
+      <p:sp>
+        <p:nvSpPr>
+          <p:cNvPr id="33" name="テキスト ボックス 32">
+            <a:extLst>
+              <a:ext uri="{FF2B5EF4-FFF2-40B4-BE49-F238E27FC236}">
+                <a16:creationId xmlns:a16="http://schemas.microsoft.com/office/drawing/2014/main" id="{F2F93EF3-6A10-FA94-B4A8-33CD4A536129}"/>
               </a:ext>
             </a:extLst>
           </p:cNvPr>
@@ -24060,8 +25236,8 @@
         </p:nvSpPr>
         <p:spPr>
           <a:xfrm>
-            <a:off x="6857640" y="1041400"/>
-            <a:ext cx="646331" cy="369332"/>
+            <a:off x="4531964" y="2793640"/>
+            <a:ext cx="543739" cy="307777"/>
           </a:xfrm>
           <a:prstGeom prst="rect">
             <a:avLst/>
@@ -24075,19 +25251,33 @@
           <a:lstStyle/>
           <a:p>
             <a:r>
-              <a:rPr kumimoji="1" lang="ja-JP" altLang="en-US"/>
-              <a:t>変数</a:t>
-            </a:r>
-            <a:endParaRPr kumimoji="1" lang="en-US" altLang="ja-JP"/>
-          </a:p>
-        </p:txBody>
-      </p:sp>
-      <p:sp>
-        <p:nvSpPr>
-          <p:cNvPr id="11" name="右中かっこ 10">
-            <a:extLst>
-              <a:ext uri="{FF2B5EF4-FFF2-40B4-BE49-F238E27FC236}">
-                <a16:creationId xmlns:a16="http://schemas.microsoft.com/office/drawing/2014/main" id="{CB29F5A7-A014-9E09-F028-AD5A1BCDC5B2}"/>
+              <a:rPr kumimoji="1" lang="ja-JP" altLang="en-US" sz="1400">
+                <a:solidFill>
+                  <a:schemeClr val="tx1">
+                    <a:lumMod val="85000"/>
+                    <a:lumOff val="15000"/>
+                  </a:schemeClr>
+                </a:solidFill>
+              </a:rPr>
+              <a:t>継承</a:t>
+            </a:r>
+            <a:endParaRPr kumimoji="1" lang="en-US" altLang="ja-JP" sz="1400">
+              <a:solidFill>
+                <a:schemeClr val="tx1">
+                  <a:lumMod val="85000"/>
+                  <a:lumOff val="15000"/>
+                </a:schemeClr>
+              </a:solidFill>
+            </a:endParaRPr>
+          </a:p>
+        </p:txBody>
+      </p:sp>
+      <p:sp>
+        <p:nvSpPr>
+          <p:cNvPr id="37" name="正方形/長方形 36">
+            <a:extLst>
+              <a:ext uri="{FF2B5EF4-FFF2-40B4-BE49-F238E27FC236}">
+                <a16:creationId xmlns:a16="http://schemas.microsoft.com/office/drawing/2014/main" id="{020482F8-5665-237A-738C-381D5E20A92C}"/>
               </a:ext>
             </a:extLst>
           </p:cNvPr>
@@ -24096,12 +25286,462 @@
         </p:nvSpPr>
         <p:spPr>
           <a:xfrm>
-            <a:off x="6527070" y="1575301"/>
-            <a:ext cx="139584" cy="533400"/>
-          </a:xfrm>
-          <a:prstGeom prst="rightBrace">
-            <a:avLst/>
-          </a:prstGeom>
+            <a:off x="5352294" y="1879895"/>
+            <a:ext cx="2465183" cy="2846651"/>
+          </a:xfrm>
+          <a:prstGeom prst="rect">
+            <a:avLst/>
+          </a:prstGeom>
+          <a:noFill/>
+        </p:spPr>
+        <p:style>
+          <a:lnRef idx="2">
+            <a:schemeClr val="accent1">
+              <a:shade val="50000"/>
+            </a:schemeClr>
+          </a:lnRef>
+          <a:fillRef idx="1">
+            <a:schemeClr val="accent1"/>
+          </a:fillRef>
+          <a:effectRef idx="0">
+            <a:schemeClr val="accent1"/>
+          </a:effectRef>
+          <a:fontRef idx="minor">
+            <a:schemeClr val="lt1"/>
+          </a:fontRef>
+        </p:style>
+        <p:txBody>
+          <a:bodyPr rtlCol="0" anchor="ctr"/>
+          <a:lstStyle/>
+          <a:p>
+            <a:pPr algn="ctr"/>
+            <a:endParaRPr kumimoji="1" lang="ja-JP" altLang="en-US">
+              <a:noFill/>
+            </a:endParaRPr>
+          </a:p>
+        </p:txBody>
+      </p:sp>
+      <p:sp>
+        <p:nvSpPr>
+          <p:cNvPr id="38" name="正方形/長方形 37">
+            <a:extLst>
+              <a:ext uri="{FF2B5EF4-FFF2-40B4-BE49-F238E27FC236}">
+                <a16:creationId xmlns:a16="http://schemas.microsoft.com/office/drawing/2014/main" id="{D47FC11F-2EEA-2090-864B-52E8931EF612}"/>
+              </a:ext>
+            </a:extLst>
+          </p:cNvPr>
+          <p:cNvSpPr/>
+          <p:nvPr/>
+        </p:nvSpPr>
+        <p:spPr>
+          <a:xfrm>
+            <a:off x="5352294" y="1498897"/>
+            <a:ext cx="2465183" cy="381000"/>
+          </a:xfrm>
+          <a:prstGeom prst="rect">
+            <a:avLst/>
+          </a:prstGeom>
+        </p:spPr>
+        <p:style>
+          <a:lnRef idx="2">
+            <a:schemeClr val="accent1">
+              <a:shade val="50000"/>
+            </a:schemeClr>
+          </a:lnRef>
+          <a:fillRef idx="1">
+            <a:schemeClr val="accent1"/>
+          </a:fillRef>
+          <a:effectRef idx="0">
+            <a:schemeClr val="accent1"/>
+          </a:effectRef>
+          <a:fontRef idx="minor">
+            <a:schemeClr val="lt1"/>
+          </a:fontRef>
+        </p:style>
+        <p:txBody>
+          <a:bodyPr rtlCol="0" anchor="ctr"/>
+          <a:lstStyle/>
+          <a:p>
+            <a:pPr algn="ctr"/>
+            <a:r>
+              <a:rPr lang="ja-JP" altLang="en-US" sz="1400"/>
+              <a:t>クラス</a:t>
+            </a:r>
+            <a:r>
+              <a:rPr lang="en-US" altLang="ja-JP" sz="1400"/>
+              <a:t> </a:t>
+            </a:r>
+            <a:r>
+              <a:rPr kumimoji="1" lang="en-US" altLang="ja-JP" sz="1400"/>
+              <a:t>Person</a:t>
+            </a:r>
+            <a:endParaRPr kumimoji="1" lang="ja-JP" altLang="en-US" sz="1400"/>
+          </a:p>
+        </p:txBody>
+      </p:sp>
+      <p:sp>
+        <p:nvSpPr>
+          <p:cNvPr id="40" name="テキスト ボックス 39">
+            <a:extLst>
+              <a:ext uri="{FF2B5EF4-FFF2-40B4-BE49-F238E27FC236}">
+                <a16:creationId xmlns:a16="http://schemas.microsoft.com/office/drawing/2014/main" id="{E05D9A18-E816-845B-9367-CA22DDC0D895}"/>
+              </a:ext>
+            </a:extLst>
+          </p:cNvPr>
+          <p:cNvSpPr txBox="1"/>
+          <p:nvPr/>
+        </p:nvSpPr>
+        <p:spPr>
+          <a:xfrm>
+            <a:off x="5466594" y="1931710"/>
+            <a:ext cx="2374368" cy="523220"/>
+          </a:xfrm>
+          <a:prstGeom prst="rect">
+            <a:avLst/>
+          </a:prstGeom>
+          <a:noFill/>
+        </p:spPr>
+        <p:txBody>
+          <a:bodyPr wrap="none" rtlCol="0">
+            <a:spAutoFit/>
+          </a:bodyPr>
+          <a:lstStyle/>
+          <a:p>
+            <a:r>
+              <a:rPr lang="ja-JP" altLang="en-US" sz="1400">
+                <a:solidFill>
+                  <a:schemeClr val="tx1">
+                    <a:lumMod val="85000"/>
+                    <a:lumOff val="15000"/>
+                  </a:schemeClr>
+                </a:solidFill>
+              </a:rPr>
+              <a:t>プロパティ</a:t>
+            </a:r>
+            <a:endParaRPr kumimoji="1" lang="en-US" altLang="ja-JP" sz="1400">
+              <a:solidFill>
+                <a:schemeClr val="tx1">
+                  <a:lumMod val="85000"/>
+                  <a:lumOff val="15000"/>
+                </a:schemeClr>
+              </a:solidFill>
+            </a:endParaRPr>
+          </a:p>
+          <a:p>
+            <a:r>
+              <a:rPr kumimoji="1" lang="en-US" altLang="ja-JP" sz="1400" strike="sngStrike">
+                <a:solidFill>
+                  <a:schemeClr val="tx1">
+                    <a:lumMod val="85000"/>
+                    <a:lumOff val="15000"/>
+                  </a:schemeClr>
+                </a:solidFill>
+                <a:highlight>
+                  <a:srgbClr val="FFFF00"/>
+                </a:highlight>
+              </a:rPr>
+              <a:t>protected</a:t>
+            </a:r>
+            <a:r>
+              <a:rPr kumimoji="1" lang="en-US" altLang="ja-JP" sz="1400" strike="sngStrike">
+                <a:solidFill>
+                  <a:schemeClr val="tx1">
+                    <a:lumMod val="85000"/>
+                    <a:lumOff val="15000"/>
+                  </a:schemeClr>
+                </a:solidFill>
+              </a:rPr>
+              <a:t> static $age = 26</a:t>
+            </a:r>
+            <a:endParaRPr kumimoji="1" lang="ja-JP" altLang="en-US" sz="1400" strike="sngStrike">
+              <a:solidFill>
+                <a:schemeClr val="tx1">
+                  <a:lumMod val="85000"/>
+                  <a:lumOff val="15000"/>
+                </a:schemeClr>
+              </a:solidFill>
+            </a:endParaRPr>
+          </a:p>
+        </p:txBody>
+      </p:sp>
+      <p:sp>
+        <p:nvSpPr>
+          <p:cNvPr id="47" name="テキスト ボックス 46">
+            <a:extLst>
+              <a:ext uri="{FF2B5EF4-FFF2-40B4-BE49-F238E27FC236}">
+                <a16:creationId xmlns:a16="http://schemas.microsoft.com/office/drawing/2014/main" id="{7F549D91-621F-F21E-386A-91A44485C040}"/>
+              </a:ext>
+            </a:extLst>
+          </p:cNvPr>
+          <p:cNvSpPr txBox="1"/>
+          <p:nvPr/>
+        </p:nvSpPr>
+        <p:spPr>
+          <a:xfrm>
+            <a:off x="5506211" y="3725892"/>
+            <a:ext cx="1957587" cy="523220"/>
+          </a:xfrm>
+          <a:prstGeom prst="rect">
+            <a:avLst/>
+          </a:prstGeom>
+          <a:noFill/>
+        </p:spPr>
+        <p:txBody>
+          <a:bodyPr wrap="none" rtlCol="0">
+            <a:spAutoFit/>
+          </a:bodyPr>
+          <a:lstStyle/>
+          <a:p>
+            <a:r>
+              <a:rPr lang="ja-JP" altLang="en-US" sz="1400">
+                <a:solidFill>
+                  <a:schemeClr val="tx1">
+                    <a:lumMod val="85000"/>
+                    <a:lumOff val="15000"/>
+                  </a:schemeClr>
+                </a:solidFill>
+              </a:rPr>
+              <a:t>メソッド</a:t>
+            </a:r>
+            <a:endParaRPr lang="en-US" altLang="ja-JP" sz="1400">
+              <a:solidFill>
+                <a:schemeClr val="tx1">
+                  <a:lumMod val="85000"/>
+                  <a:lumOff val="15000"/>
+                </a:schemeClr>
+              </a:solidFill>
+            </a:endParaRPr>
+          </a:p>
+          <a:p>
+            <a:r>
+              <a:rPr kumimoji="1" lang="en-US" altLang="ja-JP" sz="1400">
+                <a:solidFill>
+                  <a:schemeClr val="tx1">
+                    <a:lumMod val="85000"/>
+                    <a:lumOff val="15000"/>
+                  </a:schemeClr>
+                </a:solidFill>
+              </a:rPr>
+              <a:t>public static </a:t>
+            </a:r>
+            <a:r>
+              <a:rPr lang="en-US" altLang="ja-JP" sz="1400">
+                <a:solidFill>
+                  <a:schemeClr val="tx1">
+                    <a:lumMod val="85000"/>
+                    <a:lumOff val="15000"/>
+                  </a:schemeClr>
+                </a:solidFill>
+              </a:rPr>
+              <a:t>getAge()</a:t>
+            </a:r>
+            <a:endParaRPr kumimoji="1" lang="ja-JP" altLang="en-US" sz="1400">
+              <a:solidFill>
+                <a:schemeClr val="tx1">
+                  <a:lumMod val="85000"/>
+                  <a:lumOff val="15000"/>
+                </a:schemeClr>
+              </a:solidFill>
+            </a:endParaRPr>
+          </a:p>
+        </p:txBody>
+      </p:sp>
+      <p:sp>
+        <p:nvSpPr>
+          <p:cNvPr id="45" name="テキスト ボックス 44">
+            <a:extLst>
+              <a:ext uri="{FF2B5EF4-FFF2-40B4-BE49-F238E27FC236}">
+                <a16:creationId xmlns:a16="http://schemas.microsoft.com/office/drawing/2014/main" id="{C29BD09B-98D4-1644-13F6-BFE1C9D3818A}"/>
+              </a:ext>
+            </a:extLst>
+          </p:cNvPr>
+          <p:cNvSpPr txBox="1"/>
+          <p:nvPr/>
+        </p:nvSpPr>
+        <p:spPr>
+          <a:xfrm>
+            <a:off x="6641455" y="4249112"/>
+            <a:ext cx="1957311" cy="307777"/>
+          </a:xfrm>
+          <a:prstGeom prst="rect">
+            <a:avLst/>
+          </a:prstGeom>
+          <a:noFill/>
+        </p:spPr>
+        <p:txBody>
+          <a:bodyPr wrap="square" rtlCol="0">
+            <a:spAutoFit/>
+          </a:bodyPr>
+          <a:lstStyle/>
+          <a:p>
+            <a:r>
+              <a:rPr lang="en-US" altLang="ja-JP" sz="1400">
+                <a:solidFill>
+                  <a:schemeClr val="tx1">
+                    <a:lumMod val="85000"/>
+                    <a:lumOff val="15000"/>
+                  </a:schemeClr>
+                </a:solidFill>
+                <a:highlight>
+                  <a:srgbClr val="FFFF00"/>
+                </a:highlight>
+              </a:rPr>
+              <a:t>static::$age</a:t>
+            </a:r>
+            <a:endParaRPr kumimoji="1" lang="ja-JP" altLang="en-US" sz="1400">
+              <a:solidFill>
+                <a:schemeClr val="tx1">
+                  <a:lumMod val="85000"/>
+                  <a:lumOff val="15000"/>
+                </a:schemeClr>
+              </a:solidFill>
+              <a:highlight>
+                <a:srgbClr val="FFFF00"/>
+              </a:highlight>
+            </a:endParaRPr>
+          </a:p>
+        </p:txBody>
+      </p:sp>
+      <p:sp>
+        <p:nvSpPr>
+          <p:cNvPr id="51" name="テキスト ボックス 50">
+            <a:extLst>
+              <a:ext uri="{FF2B5EF4-FFF2-40B4-BE49-F238E27FC236}">
+                <a16:creationId xmlns:a16="http://schemas.microsoft.com/office/drawing/2014/main" id="{5B2E12AD-FBFE-1123-521D-A6AD82C5BA1A}"/>
+              </a:ext>
+            </a:extLst>
+          </p:cNvPr>
+          <p:cNvSpPr txBox="1"/>
+          <p:nvPr/>
+        </p:nvSpPr>
+        <p:spPr>
+          <a:xfrm>
+            <a:off x="2867383" y="3208952"/>
+            <a:ext cx="1957311" cy="307777"/>
+          </a:xfrm>
+          <a:prstGeom prst="rect">
+            <a:avLst/>
+          </a:prstGeom>
+          <a:noFill/>
+        </p:spPr>
+        <p:txBody>
+          <a:bodyPr wrap="square" rtlCol="0">
+            <a:spAutoFit/>
+          </a:bodyPr>
+          <a:lstStyle/>
+          <a:p>
+            <a:r>
+              <a:rPr lang="en-US" altLang="ja-JP" sz="1400">
+                <a:solidFill>
+                  <a:schemeClr val="tx1">
+                    <a:lumMod val="85000"/>
+                    <a:lumOff val="15000"/>
+                  </a:schemeClr>
+                </a:solidFill>
+                <a:highlight>
+                  <a:srgbClr val="FFFF00"/>
+                </a:highlight>
+              </a:rPr>
+              <a:t>static::$age</a:t>
+            </a:r>
+            <a:endParaRPr kumimoji="1" lang="ja-JP" altLang="en-US" sz="1400">
+              <a:solidFill>
+                <a:schemeClr val="tx1">
+                  <a:lumMod val="85000"/>
+                  <a:lumOff val="15000"/>
+                </a:schemeClr>
+              </a:solidFill>
+              <a:highlight>
+                <a:srgbClr val="FFFF00"/>
+              </a:highlight>
+            </a:endParaRPr>
+          </a:p>
+        </p:txBody>
+      </p:sp>
+      <p:sp>
+        <p:nvSpPr>
+          <p:cNvPr id="52" name="テキスト ボックス 51">
+            <a:extLst>
+              <a:ext uri="{FF2B5EF4-FFF2-40B4-BE49-F238E27FC236}">
+                <a16:creationId xmlns:a16="http://schemas.microsoft.com/office/drawing/2014/main" id="{D58E555E-A6C0-5D7C-CE75-06AA50BCBD29}"/>
+              </a:ext>
+            </a:extLst>
+          </p:cNvPr>
+          <p:cNvSpPr txBox="1"/>
+          <p:nvPr/>
+        </p:nvSpPr>
+        <p:spPr>
+          <a:xfrm>
+            <a:off x="8802547" y="2793640"/>
+            <a:ext cx="1584088" cy="307777"/>
+          </a:xfrm>
+          <a:prstGeom prst="rect">
+            <a:avLst/>
+          </a:prstGeom>
+          <a:noFill/>
+        </p:spPr>
+        <p:txBody>
+          <a:bodyPr wrap="none" rtlCol="0">
+            <a:spAutoFit/>
+          </a:bodyPr>
+          <a:lstStyle/>
+          <a:p>
+            <a:r>
+              <a:rPr lang="en-US" altLang="ja-JP" sz="1400">
+                <a:solidFill>
+                  <a:schemeClr val="tx1">
+                    <a:lumMod val="85000"/>
+                    <a:lumOff val="15000"/>
+                  </a:schemeClr>
+                </a:solidFill>
+                <a:highlight>
+                  <a:srgbClr val="FFFF00"/>
+                </a:highlight>
+              </a:rPr>
+              <a:t>Person::getAge()</a:t>
+            </a:r>
+            <a:endParaRPr kumimoji="1" lang="ja-JP" altLang="en-US" sz="1400">
+              <a:solidFill>
+                <a:schemeClr val="tx1">
+                  <a:lumMod val="85000"/>
+                  <a:lumOff val="15000"/>
+                </a:schemeClr>
+              </a:solidFill>
+              <a:highlight>
+                <a:srgbClr val="FFFF00"/>
+              </a:highlight>
+            </a:endParaRPr>
+          </a:p>
+        </p:txBody>
+      </p:sp>
+      <p:cxnSp>
+        <p:nvCxnSpPr>
+          <p:cNvPr id="56" name="直線矢印コネクタ 55">
+            <a:extLst>
+              <a:ext uri="{FF2B5EF4-FFF2-40B4-BE49-F238E27FC236}">
+                <a16:creationId xmlns:a16="http://schemas.microsoft.com/office/drawing/2014/main" id="{8DB14D9F-7D3C-959C-8D05-B461D7F7C226}"/>
+              </a:ext>
+            </a:extLst>
+          </p:cNvPr>
+          <p:cNvCxnSpPr>
+            <a:cxnSpLocks/>
+            <a:stCxn id="52" idx="1"/>
+            <a:endCxn id="32" idx="3"/>
+          </p:cNvCxnSpPr>
+          <p:nvPr/>
+        </p:nvCxnSpPr>
+        <p:spPr>
+          <a:xfrm flipH="1">
+            <a:off x="3692123" y="2947529"/>
+            <a:ext cx="5110424" cy="185"/>
+          </a:xfrm>
+          <a:prstGeom prst="straightConnector1">
+            <a:avLst/>
+          </a:prstGeom>
+          <a:ln>
+            <a:prstDash val="dashDot"/>
+            <a:tailEnd type="triangle"/>
+          </a:ln>
         </p:spPr>
         <p:style>
           <a:lnRef idx="1">
@@ -24117,21 +25757,13 @@
             <a:schemeClr val="tx1"/>
           </a:fontRef>
         </p:style>
-        <p:txBody>
-          <a:bodyPr rtlCol="0" anchor="ctr"/>
-          <a:lstStyle/>
-          <a:p>
-            <a:pPr algn="ctr"/>
-            <a:endParaRPr kumimoji="1" lang="ja-JP" altLang="en-US"/>
-          </a:p>
-        </p:txBody>
-      </p:sp>
-      <p:sp>
-        <p:nvSpPr>
-          <p:cNvPr id="12" name="テキスト ボックス 11">
-            <a:extLst>
-              <a:ext uri="{FF2B5EF4-FFF2-40B4-BE49-F238E27FC236}">
-                <a16:creationId xmlns:a16="http://schemas.microsoft.com/office/drawing/2014/main" id="{3C47D9EC-2586-259D-2085-0E58D36A4692}"/>
+      </p:cxnSp>
+      <p:sp>
+        <p:nvSpPr>
+          <p:cNvPr id="57" name="テキスト ボックス 56">
+            <a:extLst>
+              <a:ext uri="{FF2B5EF4-FFF2-40B4-BE49-F238E27FC236}">
+                <a16:creationId xmlns:a16="http://schemas.microsoft.com/office/drawing/2014/main" id="{1ED84D2C-D202-5B85-FA6F-67DC6C96CFFA}"/>
               </a:ext>
             </a:extLst>
           </p:cNvPr>
@@ -24140,8 +25772,8 @@
         </p:nvSpPr>
         <p:spPr>
           <a:xfrm>
-            <a:off x="6857640" y="1657335"/>
-            <a:ext cx="1569660" cy="369332"/>
+            <a:off x="8802547" y="3836944"/>
+            <a:ext cx="1734770" cy="307777"/>
           </a:xfrm>
           <a:prstGeom prst="rect">
             <a:avLst/>
@@ -24155,33 +25787,61 @@
           <a:lstStyle/>
           <a:p>
             <a:r>
-              <a:rPr kumimoji="1" lang="ja-JP" altLang="en-US"/>
-              <a:t>関数をコール</a:t>
-            </a:r>
-            <a:endParaRPr kumimoji="1" lang="en-US" altLang="ja-JP"/>
-          </a:p>
-        </p:txBody>
-      </p:sp>
-      <p:sp>
-        <p:nvSpPr>
-          <p:cNvPr id="13" name="右中かっこ 12">
-            <a:extLst>
-              <a:ext uri="{FF2B5EF4-FFF2-40B4-BE49-F238E27FC236}">
-                <a16:creationId xmlns:a16="http://schemas.microsoft.com/office/drawing/2014/main" id="{E89BC75C-6200-9EDB-6BA9-A1FCC21CFED8}"/>
-              </a:ext>
-            </a:extLst>
-          </p:cNvPr>
-          <p:cNvSpPr/>
-          <p:nvPr/>
-        </p:nvSpPr>
-        <p:spPr>
-          <a:xfrm>
-            <a:off x="6524289" y="2220836"/>
-            <a:ext cx="139584" cy="2198764"/>
-          </a:xfrm>
-          <a:prstGeom prst="rightBrace">
-            <a:avLst/>
-          </a:prstGeom>
+              <a:rPr lang="en-US" altLang="ja-JP" sz="1400">
+                <a:solidFill>
+                  <a:schemeClr val="tx1">
+                    <a:lumMod val="85000"/>
+                    <a:lumOff val="15000"/>
+                  </a:schemeClr>
+                </a:solidFill>
+                <a:highlight>
+                  <a:srgbClr val="FFFF00"/>
+                </a:highlight>
+              </a:rPr>
+              <a:t>Person2:: getAge()</a:t>
+            </a:r>
+            <a:endParaRPr kumimoji="1" lang="ja-JP" altLang="en-US" sz="1400">
+              <a:solidFill>
+                <a:schemeClr val="tx1">
+                  <a:lumMod val="85000"/>
+                  <a:lumOff val="15000"/>
+                </a:schemeClr>
+              </a:solidFill>
+              <a:highlight>
+                <a:srgbClr val="FFFF00"/>
+              </a:highlight>
+            </a:endParaRPr>
+          </a:p>
+        </p:txBody>
+      </p:sp>
+      <p:cxnSp>
+        <p:nvCxnSpPr>
+          <p:cNvPr id="58" name="直線矢印コネクタ 57">
+            <a:extLst>
+              <a:ext uri="{FF2B5EF4-FFF2-40B4-BE49-F238E27FC236}">
+                <a16:creationId xmlns:a16="http://schemas.microsoft.com/office/drawing/2014/main" id="{E14EE7B5-3FD4-5549-1912-D004D86565E7}"/>
+              </a:ext>
+            </a:extLst>
+          </p:cNvPr>
+          <p:cNvCxnSpPr>
+            <a:cxnSpLocks/>
+            <a:stCxn id="57" idx="1"/>
+            <a:endCxn id="47" idx="3"/>
+          </p:cNvCxnSpPr>
+          <p:nvPr/>
+        </p:nvCxnSpPr>
+        <p:spPr>
+          <a:xfrm flipH="1" flipV="1">
+            <a:off x="7463798" y="3987502"/>
+            <a:ext cx="1338749" cy="3331"/>
+          </a:xfrm>
+          <a:prstGeom prst="straightConnector1">
+            <a:avLst/>
+          </a:prstGeom>
+          <a:ln>
+            <a:prstDash val="dashDot"/>
+            <a:tailEnd type="triangle"/>
+          </a:ln>
         </p:spPr>
         <p:style>
           <a:lnRef idx="1">
@@ -24197,55 +25857,167 @@
             <a:schemeClr val="tx1"/>
           </a:fontRef>
         </p:style>
+      </p:cxnSp>
+      <p:cxnSp>
+        <p:nvCxnSpPr>
+          <p:cNvPr id="60" name="直線矢印コネクタ 59">
+            <a:extLst>
+              <a:ext uri="{FF2B5EF4-FFF2-40B4-BE49-F238E27FC236}">
+                <a16:creationId xmlns:a16="http://schemas.microsoft.com/office/drawing/2014/main" id="{24A3FBF7-B422-6359-3626-A129F08DB65D}"/>
+              </a:ext>
+            </a:extLst>
+          </p:cNvPr>
+          <p:cNvCxnSpPr>
+            <a:cxnSpLocks/>
+          </p:cNvCxnSpPr>
+          <p:nvPr/>
+        </p:nvCxnSpPr>
+        <p:spPr>
+          <a:xfrm flipV="1">
+            <a:off x="3153540" y="2466734"/>
+            <a:ext cx="0" cy="709148"/>
+          </a:xfrm>
+          <a:prstGeom prst="straightConnector1">
+            <a:avLst/>
+          </a:prstGeom>
+          <a:ln>
+            <a:prstDash val="dashDot"/>
+            <a:tailEnd type="triangle"/>
+          </a:ln>
+        </p:spPr>
+        <p:style>
+          <a:lnRef idx="1">
+            <a:schemeClr val="accent1"/>
+          </a:lnRef>
+          <a:fillRef idx="0">
+            <a:schemeClr val="accent1"/>
+          </a:fillRef>
+          <a:effectRef idx="0">
+            <a:schemeClr val="accent1"/>
+          </a:effectRef>
+          <a:fontRef idx="minor">
+            <a:schemeClr val="tx1"/>
+          </a:fontRef>
+        </p:style>
+      </p:cxnSp>
+      <p:cxnSp>
+        <p:nvCxnSpPr>
+          <p:cNvPr id="71" name="直線矢印コネクタ 70">
+            <a:extLst>
+              <a:ext uri="{FF2B5EF4-FFF2-40B4-BE49-F238E27FC236}">
+                <a16:creationId xmlns:a16="http://schemas.microsoft.com/office/drawing/2014/main" id="{76E11276-58B2-B02D-E33C-FA60466DE61B}"/>
+              </a:ext>
+            </a:extLst>
+          </p:cNvPr>
+          <p:cNvCxnSpPr>
+            <a:cxnSpLocks/>
+          </p:cNvCxnSpPr>
+          <p:nvPr/>
+        </p:nvCxnSpPr>
+        <p:spPr>
+          <a:xfrm>
+            <a:off x="7135819" y="4597757"/>
+            <a:ext cx="0" cy="444446"/>
+          </a:xfrm>
+          <a:prstGeom prst="straightConnector1">
+            <a:avLst/>
+          </a:prstGeom>
+          <a:ln>
+            <a:prstDash val="dashDot"/>
+            <a:tailEnd type="triangle"/>
+          </a:ln>
+        </p:spPr>
+        <p:style>
+          <a:lnRef idx="1">
+            <a:schemeClr val="accent1"/>
+          </a:lnRef>
+          <a:fillRef idx="0">
+            <a:schemeClr val="accent1"/>
+          </a:fillRef>
+          <a:effectRef idx="0">
+            <a:schemeClr val="accent1"/>
+          </a:effectRef>
+          <a:fontRef idx="minor">
+            <a:schemeClr val="tx1"/>
+          </a:fontRef>
+        </p:style>
+      </p:cxnSp>
+      <p:sp>
+        <p:nvSpPr>
+          <p:cNvPr id="43" name="四角形吹き出し 42">
+            <a:extLst>
+              <a:ext uri="{FF2B5EF4-FFF2-40B4-BE49-F238E27FC236}">
+                <a16:creationId xmlns:a16="http://schemas.microsoft.com/office/drawing/2014/main" id="{8CBACA67-0311-AB00-AD38-C435F31916D3}"/>
+              </a:ext>
+            </a:extLst>
+          </p:cNvPr>
+          <p:cNvSpPr/>
+          <p:nvPr/>
+        </p:nvSpPr>
+        <p:spPr>
+          <a:xfrm>
+            <a:off x="8490896" y="4497736"/>
+            <a:ext cx="2742403" cy="857004"/>
+          </a:xfrm>
+          <a:prstGeom prst="wedgeRectCallout">
+            <a:avLst>
+              <a:gd name="adj1" fmla="val -71868"/>
+              <a:gd name="adj2" fmla="val -58778"/>
+            </a:avLst>
+          </a:prstGeom>
+        </p:spPr>
+        <p:style>
+          <a:lnRef idx="2">
+            <a:schemeClr val="accent1">
+              <a:shade val="50000"/>
+            </a:schemeClr>
+          </a:lnRef>
+          <a:fillRef idx="1">
+            <a:schemeClr val="accent1"/>
+          </a:fillRef>
+          <a:effectRef idx="0">
+            <a:schemeClr val="accent1"/>
+          </a:effectRef>
+          <a:fontRef idx="minor">
+            <a:schemeClr val="lt1"/>
+          </a:fontRef>
+        </p:style>
         <p:txBody>
           <a:bodyPr rtlCol="0" anchor="ctr"/>
           <a:lstStyle/>
           <a:p>
-            <a:pPr algn="ctr"/>
-            <a:endParaRPr kumimoji="1" lang="ja-JP" altLang="en-US"/>
-          </a:p>
-        </p:txBody>
-      </p:sp>
-      <p:sp>
-        <p:nvSpPr>
-          <p:cNvPr id="14" name="テキスト ボックス 13">
-            <a:extLst>
-              <a:ext uri="{FF2B5EF4-FFF2-40B4-BE49-F238E27FC236}">
-                <a16:creationId xmlns:a16="http://schemas.microsoft.com/office/drawing/2014/main" id="{E47E3166-7D9B-17EE-CF1F-16CD88CD8F6E}"/>
-              </a:ext>
-            </a:extLst>
-          </p:cNvPr>
-          <p:cNvSpPr txBox="1"/>
-          <p:nvPr/>
-        </p:nvSpPr>
-        <p:spPr>
-          <a:xfrm>
-            <a:off x="6857640" y="3135552"/>
-            <a:ext cx="646331" cy="369332"/>
-          </a:xfrm>
-          <a:prstGeom prst="rect">
-            <a:avLst/>
-          </a:prstGeom>
-          <a:noFill/>
-        </p:spPr>
-        <p:txBody>
-          <a:bodyPr wrap="none" rtlCol="0">
-            <a:spAutoFit/>
-          </a:bodyPr>
-          <a:lstStyle/>
-          <a:p>
-            <a:r>
-              <a:rPr lang="ja-JP" altLang="en-US"/>
-              <a:t>関数</a:t>
-            </a:r>
-            <a:endParaRPr kumimoji="1" lang="en-US" altLang="ja-JP"/>
+            <a:r>
+              <a:rPr kumimoji="1" lang="en-US" altLang="ja-JP" sz="1400"/>
+              <a:t>self::$age</a:t>
+            </a:r>
+            <a:r>
+              <a:rPr kumimoji="1" lang="ja-JP" altLang="en-US" sz="1400"/>
+              <a:t>だと</a:t>
+            </a:r>
+            <a:r>
+              <a:rPr lang="en-US" altLang="ja-JP" sz="1400"/>
+              <a:t>Person::$age</a:t>
+            </a:r>
+            <a:r>
+              <a:rPr lang="ja-JP" altLang="en-US" sz="1400"/>
+              <a:t>にアクセスして</a:t>
+            </a:r>
+            <a:r>
+              <a:rPr lang="en-US" altLang="ja-JP" sz="1400"/>
+              <a:t>26</a:t>
+            </a:r>
+            <a:r>
+              <a:rPr lang="ja-JP" altLang="en-US" sz="1400"/>
+              <a:t>になる</a:t>
+            </a:r>
+            <a:endParaRPr kumimoji="1" lang="ja-JP" altLang="en-US" sz="1400"/>
           </a:p>
         </p:txBody>
       </p:sp>
     </p:spTree>
     <p:extLst>
       <p:ext uri="{BB962C8B-B14F-4D97-AF65-F5344CB8AC3E}">
-        <p14:creationId xmlns:p14="http://schemas.microsoft.com/office/powerpoint/2010/main" val="1636918500"/>
+        <p14:creationId xmlns:p14="http://schemas.microsoft.com/office/powerpoint/2010/main" val="3382406322"/>
       </p:ext>
     </p:extLst>
   </p:cSld>
@@ -24274,10 +26046,10 @@
       </p:grpSpPr>
       <p:pic>
         <p:nvPicPr>
-          <p:cNvPr id="6" name="図 5" descr="テーブル が含まれている画像&#10;&#10;自動的に生成された説明">
-            <a:extLst>
-              <a:ext uri="{FF2B5EF4-FFF2-40B4-BE49-F238E27FC236}">
-                <a16:creationId xmlns:a16="http://schemas.microsoft.com/office/drawing/2014/main" id="{2F41D0CD-6191-5585-725D-56538BDF5753}"/>
+          <p:cNvPr id="4" name="図 3" descr="グラフィカル ユーザー インターフェイス, テキスト, アプリケーション&#10;&#10;自動的に生成された説明">
+            <a:extLst>
+              <a:ext uri="{FF2B5EF4-FFF2-40B4-BE49-F238E27FC236}">
+                <a16:creationId xmlns:a16="http://schemas.microsoft.com/office/drawing/2014/main" id="{FB3C4168-0902-EB06-696A-A791CC572704}"/>
               </a:ext>
             </a:extLst>
           </p:cNvPr>
@@ -24294,8 +26066,8 @@
         </p:blipFill>
         <p:spPr>
           <a:xfrm>
-            <a:off x="778329" y="965200"/>
-            <a:ext cx="5207000" cy="4927600"/>
+            <a:off x="809173" y="965200"/>
+            <a:ext cx="5397500" cy="3543300"/>
           </a:xfrm>
           <a:prstGeom prst="rect">
             <a:avLst/>
@@ -24304,10 +26076,10 @@
       </p:pic>
       <p:sp>
         <p:nvSpPr>
-          <p:cNvPr id="7" name="右中かっこ 6">
-            <a:extLst>
-              <a:ext uri="{FF2B5EF4-FFF2-40B4-BE49-F238E27FC236}">
-                <a16:creationId xmlns:a16="http://schemas.microsoft.com/office/drawing/2014/main" id="{CB2D9E38-207F-4C53-F979-F7353FF81480}"/>
+          <p:cNvPr id="9" name="右中かっこ 8">
+            <a:extLst>
+              <a:ext uri="{FF2B5EF4-FFF2-40B4-BE49-F238E27FC236}">
+                <a16:creationId xmlns:a16="http://schemas.microsoft.com/office/drawing/2014/main" id="{25AF4E1E-5F5B-6983-4423-C9BAF0BCA6B4}"/>
               </a:ext>
             </a:extLst>
           </p:cNvPr>
@@ -24316,8 +26088,8 @@
         </p:nvSpPr>
         <p:spPr>
           <a:xfrm>
-            <a:off x="8978901" y="1219200"/>
-            <a:ext cx="203200" cy="696686"/>
+            <a:off x="6524289" y="965200"/>
+            <a:ext cx="139584" cy="533400"/>
           </a:xfrm>
           <a:prstGeom prst="rightBrace">
             <a:avLst/>
@@ -24348,10 +26120,10 @@
       </p:sp>
       <p:sp>
         <p:nvSpPr>
-          <p:cNvPr id="8" name="テキスト ボックス 7">
-            <a:extLst>
-              <a:ext uri="{FF2B5EF4-FFF2-40B4-BE49-F238E27FC236}">
-                <a16:creationId xmlns:a16="http://schemas.microsoft.com/office/drawing/2014/main" id="{1A9BDBEB-3802-6D26-8FF8-9B6260188FC5}"/>
+          <p:cNvPr id="10" name="テキスト ボックス 9">
+            <a:extLst>
+              <a:ext uri="{FF2B5EF4-FFF2-40B4-BE49-F238E27FC236}">
+                <a16:creationId xmlns:a16="http://schemas.microsoft.com/office/drawing/2014/main" id="{DCAD2E75-1A1E-40E1-88E9-662F472D41AB}"/>
               </a:ext>
             </a:extLst>
           </p:cNvPr>
@@ -24360,8 +26132,8 @@
         </p:nvSpPr>
         <p:spPr>
           <a:xfrm>
-            <a:off x="9347199" y="1382877"/>
-            <a:ext cx="1338828" cy="369332"/>
+            <a:off x="6857640" y="1041400"/>
+            <a:ext cx="646331" cy="369332"/>
           </a:xfrm>
           <a:prstGeom prst="rect">
             <a:avLst/>
@@ -24375,19 +26147,19 @@
           <a:lstStyle/>
           <a:p>
             <a:r>
-              <a:rPr lang="ja-JP" altLang="en-US"/>
-              <a:t>プロパティ</a:t>
-            </a:r>
-            <a:endParaRPr kumimoji="1" lang="ja-JP" altLang="en-US"/>
-          </a:p>
-        </p:txBody>
-      </p:sp>
-      <p:sp>
-        <p:nvSpPr>
-          <p:cNvPr id="9" name="右中かっこ 8">
-            <a:extLst>
-              <a:ext uri="{FF2B5EF4-FFF2-40B4-BE49-F238E27FC236}">
-                <a16:creationId xmlns:a16="http://schemas.microsoft.com/office/drawing/2014/main" id="{EF7CAD3D-7FB8-E40F-919C-E6B937416A26}"/>
+              <a:rPr kumimoji="1" lang="ja-JP" altLang="en-US"/>
+              <a:t>変数</a:t>
+            </a:r>
+            <a:endParaRPr kumimoji="1" lang="en-US" altLang="ja-JP"/>
+          </a:p>
+        </p:txBody>
+      </p:sp>
+      <p:sp>
+        <p:nvSpPr>
+          <p:cNvPr id="11" name="右中かっこ 10">
+            <a:extLst>
+              <a:ext uri="{FF2B5EF4-FFF2-40B4-BE49-F238E27FC236}">
+                <a16:creationId xmlns:a16="http://schemas.microsoft.com/office/drawing/2014/main" id="{CB29F5A7-A014-9E09-F028-AD5A1BCDC5B2}"/>
               </a:ext>
             </a:extLst>
           </p:cNvPr>
@@ -24396,8 +26168,8 @@
         </p:nvSpPr>
         <p:spPr>
           <a:xfrm>
-            <a:off x="8978901" y="2140856"/>
-            <a:ext cx="203200" cy="3497943"/>
+            <a:off x="6527070" y="1575301"/>
+            <a:ext cx="139584" cy="533400"/>
           </a:xfrm>
           <a:prstGeom prst="rightBrace">
             <a:avLst/>
@@ -24428,10 +26200,10 @@
       </p:sp>
       <p:sp>
         <p:nvSpPr>
-          <p:cNvPr id="10" name="テキスト ボックス 9">
-            <a:extLst>
-              <a:ext uri="{FF2B5EF4-FFF2-40B4-BE49-F238E27FC236}">
-                <a16:creationId xmlns:a16="http://schemas.microsoft.com/office/drawing/2014/main" id="{E4E7D629-136F-6A5B-ED1E-631BB3B5E43B}"/>
+          <p:cNvPr id="12" name="テキスト ボックス 11">
+            <a:extLst>
+              <a:ext uri="{FF2B5EF4-FFF2-40B4-BE49-F238E27FC236}">
+                <a16:creationId xmlns:a16="http://schemas.microsoft.com/office/drawing/2014/main" id="{3C47D9EC-2586-259D-2085-0E58D36A4692}"/>
               </a:ext>
             </a:extLst>
           </p:cNvPr>
@@ -24440,8 +26212,8 @@
         </p:nvSpPr>
         <p:spPr>
           <a:xfrm>
-            <a:off x="9347199" y="3697905"/>
-            <a:ext cx="1107996" cy="369332"/>
+            <a:off x="6857640" y="1657335"/>
+            <a:ext cx="1569660" cy="369332"/>
           </a:xfrm>
           <a:prstGeom prst="rect">
             <a:avLst/>
@@ -24455,19 +26227,19 @@
           <a:lstStyle/>
           <a:p>
             <a:r>
-              <a:rPr lang="ja-JP" altLang="en-US"/>
-              <a:t>メソッド</a:t>
-            </a:r>
-            <a:endParaRPr kumimoji="1" lang="ja-JP" altLang="en-US"/>
-          </a:p>
-        </p:txBody>
-      </p:sp>
-      <p:sp>
-        <p:nvSpPr>
-          <p:cNvPr id="11" name="右中かっこ 10">
-            <a:extLst>
-              <a:ext uri="{FF2B5EF4-FFF2-40B4-BE49-F238E27FC236}">
-                <a16:creationId xmlns:a16="http://schemas.microsoft.com/office/drawing/2014/main" id="{1E464978-770F-72CE-7F7D-B3341BE9A43A}"/>
+              <a:rPr kumimoji="1" lang="ja-JP" altLang="en-US"/>
+              <a:t>関数をコール</a:t>
+            </a:r>
+            <a:endParaRPr kumimoji="1" lang="en-US" altLang="ja-JP"/>
+          </a:p>
+        </p:txBody>
+      </p:sp>
+      <p:sp>
+        <p:nvSpPr>
+          <p:cNvPr id="13" name="右中かっこ 12">
+            <a:extLst>
+              <a:ext uri="{FF2B5EF4-FFF2-40B4-BE49-F238E27FC236}">
+                <a16:creationId xmlns:a16="http://schemas.microsoft.com/office/drawing/2014/main" id="{E89BC75C-6200-9EDB-6BA9-A1FCC21CFED8}"/>
               </a:ext>
             </a:extLst>
           </p:cNvPr>
@@ -24476,8 +26248,8 @@
         </p:nvSpPr>
         <p:spPr>
           <a:xfrm>
-            <a:off x="6067089" y="2140856"/>
-            <a:ext cx="139584" cy="1095830"/>
+            <a:off x="6524289" y="2220836"/>
+            <a:ext cx="139584" cy="2198764"/>
           </a:xfrm>
           <a:prstGeom prst="rightBrace">
             <a:avLst/>
@@ -24508,10 +26280,10 @@
       </p:sp>
       <p:sp>
         <p:nvSpPr>
-          <p:cNvPr id="12" name="テキスト ボックス 11">
-            <a:extLst>
-              <a:ext uri="{FF2B5EF4-FFF2-40B4-BE49-F238E27FC236}">
-                <a16:creationId xmlns:a16="http://schemas.microsoft.com/office/drawing/2014/main" id="{00E52BC3-632F-46CC-49E6-27E8C17C4A13}"/>
+          <p:cNvPr id="14" name="テキスト ボックス 13">
+            <a:extLst>
+              <a:ext uri="{FF2B5EF4-FFF2-40B4-BE49-F238E27FC236}">
+                <a16:creationId xmlns:a16="http://schemas.microsoft.com/office/drawing/2014/main" id="{E47E3166-7D9B-17EE-CF1F-16CD88CD8F6E}"/>
               </a:ext>
             </a:extLst>
           </p:cNvPr>
@@ -24520,8 +26292,8 @@
         </p:nvSpPr>
         <p:spPr>
           <a:xfrm>
-            <a:off x="6400440" y="2365606"/>
-            <a:ext cx="2031325" cy="646331"/>
+            <a:off x="6857640" y="3135552"/>
+            <a:ext cx="646331" cy="369332"/>
           </a:xfrm>
           <a:prstGeom prst="rect">
             <a:avLst/>
@@ -24535,456 +26307,17 @@
           <a:lstStyle/>
           <a:p>
             <a:r>
-              <a:rPr kumimoji="1" lang="ja-JP" altLang="en-US"/>
-              <a:t>マジックメソッド</a:t>
+              <a:rPr lang="ja-JP" altLang="en-US"/>
+              <a:t>関数</a:t>
             </a:r>
             <a:endParaRPr kumimoji="1" lang="en-US" altLang="ja-JP"/>
-          </a:p>
-          <a:p>
-            <a:r>
-              <a:rPr kumimoji="1" lang="ja-JP" altLang="en-US"/>
-              <a:t>コンストラクタ</a:t>
-            </a:r>
-            <a:endParaRPr kumimoji="1" lang="en-US" altLang="ja-JP"/>
-          </a:p>
-        </p:txBody>
-      </p:sp>
-      <p:sp>
-        <p:nvSpPr>
-          <p:cNvPr id="15" name="テキスト ボックス 14">
-            <a:extLst>
-              <a:ext uri="{FF2B5EF4-FFF2-40B4-BE49-F238E27FC236}">
-                <a16:creationId xmlns:a16="http://schemas.microsoft.com/office/drawing/2014/main" id="{A65E6F60-07B6-A6F8-49E5-FBF76E7CE305}"/>
-              </a:ext>
-            </a:extLst>
-          </p:cNvPr>
-          <p:cNvSpPr txBox="1"/>
-          <p:nvPr/>
-        </p:nvSpPr>
-        <p:spPr>
-          <a:xfrm>
-            <a:off x="4184836" y="1059711"/>
-            <a:ext cx="1800493" cy="646331"/>
-          </a:xfrm>
-          <a:prstGeom prst="rect">
-            <a:avLst/>
-          </a:prstGeom>
-          <a:noFill/>
-        </p:spPr>
-        <p:txBody>
-          <a:bodyPr wrap="none" rtlCol="0">
-            <a:spAutoFit/>
-          </a:bodyPr>
-          <a:lstStyle/>
-          <a:p>
-            <a:r>
-              <a:rPr kumimoji="1" lang="ja-JP" altLang="en-US">
-                <a:highlight>
-                  <a:srgbClr val="FFFF00"/>
-                </a:highlight>
-              </a:rPr>
-              <a:t>アクセス修飾子</a:t>
-            </a:r>
-            <a:endParaRPr kumimoji="1" lang="en-US" altLang="ja-JP">
-              <a:highlight>
-                <a:srgbClr val="FFFF00"/>
-              </a:highlight>
-            </a:endParaRPr>
-          </a:p>
-          <a:p>
-            <a:r>
-              <a:rPr kumimoji="1" lang="ja-JP" altLang="en-US">
-                <a:highlight>
-                  <a:srgbClr val="00FF00"/>
-                </a:highlight>
-              </a:rPr>
-              <a:t>疑似変数</a:t>
-            </a:r>
-          </a:p>
-        </p:txBody>
-      </p:sp>
-      <p:sp>
-        <p:nvSpPr>
-          <p:cNvPr id="16" name="正方形/長方形 15">
-            <a:extLst>
-              <a:ext uri="{FF2B5EF4-FFF2-40B4-BE49-F238E27FC236}">
-                <a16:creationId xmlns:a16="http://schemas.microsoft.com/office/drawing/2014/main" id="{E874DF23-2D64-4C65-112D-5A898B2BA45D}"/>
-              </a:ext>
-            </a:extLst>
-          </p:cNvPr>
-          <p:cNvSpPr/>
-          <p:nvPr/>
-        </p:nvSpPr>
-        <p:spPr>
-          <a:xfrm>
-            <a:off x="1154613" y="1408388"/>
-            <a:ext cx="1022530" cy="507498"/>
-          </a:xfrm>
-          <a:prstGeom prst="rect">
-            <a:avLst/>
-          </a:prstGeom>
-          <a:solidFill>
-            <a:srgbClr val="FFFF00">
-              <a:alpha val="50000"/>
-            </a:srgbClr>
-          </a:solidFill>
-          <a:ln w="25400">
-            <a:noFill/>
-          </a:ln>
-        </p:spPr>
-        <p:style>
-          <a:lnRef idx="2">
-            <a:schemeClr val="accent1">
-              <a:shade val="50000"/>
-            </a:schemeClr>
-          </a:lnRef>
-          <a:fillRef idx="1">
-            <a:schemeClr val="accent1"/>
-          </a:fillRef>
-          <a:effectRef idx="0">
-            <a:schemeClr val="accent1"/>
-          </a:effectRef>
-          <a:fontRef idx="minor">
-            <a:schemeClr val="lt1"/>
-          </a:fontRef>
-        </p:style>
-        <p:txBody>
-          <a:bodyPr rtlCol="0" anchor="ctr"/>
-          <a:lstStyle/>
-          <a:p>
-            <a:pPr algn="ctr"/>
-            <a:endParaRPr kumimoji="1" lang="ja-JP" altLang="en-US"/>
-          </a:p>
-        </p:txBody>
-      </p:sp>
-      <p:sp>
-        <p:nvSpPr>
-          <p:cNvPr id="17" name="正方形/長方形 16">
-            <a:extLst>
-              <a:ext uri="{FF2B5EF4-FFF2-40B4-BE49-F238E27FC236}">
-                <a16:creationId xmlns:a16="http://schemas.microsoft.com/office/drawing/2014/main" id="{211F178E-D0ED-65DB-682A-A1F7EA0E14B7}"/>
-              </a:ext>
-            </a:extLst>
-          </p:cNvPr>
-          <p:cNvSpPr/>
-          <p:nvPr/>
-        </p:nvSpPr>
-        <p:spPr>
-          <a:xfrm>
-            <a:off x="1154613" y="2057792"/>
-            <a:ext cx="877387" cy="318309"/>
-          </a:xfrm>
-          <a:prstGeom prst="rect">
-            <a:avLst/>
-          </a:prstGeom>
-          <a:solidFill>
-            <a:srgbClr val="FFFF00">
-              <a:alpha val="50000"/>
-            </a:srgbClr>
-          </a:solidFill>
-          <a:ln w="25400">
-            <a:noFill/>
-          </a:ln>
-        </p:spPr>
-        <p:style>
-          <a:lnRef idx="2">
-            <a:schemeClr val="accent1">
-              <a:shade val="50000"/>
-            </a:schemeClr>
-          </a:lnRef>
-          <a:fillRef idx="1">
-            <a:schemeClr val="accent1"/>
-          </a:fillRef>
-          <a:effectRef idx="0">
-            <a:schemeClr val="accent1"/>
-          </a:effectRef>
-          <a:fontRef idx="minor">
-            <a:schemeClr val="lt1"/>
-          </a:fontRef>
-        </p:style>
-        <p:txBody>
-          <a:bodyPr rtlCol="0" anchor="ctr"/>
-          <a:lstStyle/>
-          <a:p>
-            <a:pPr algn="ctr"/>
-            <a:endParaRPr kumimoji="1" lang="ja-JP" altLang="en-US"/>
-          </a:p>
-        </p:txBody>
-      </p:sp>
-      <p:sp>
-        <p:nvSpPr>
-          <p:cNvPr id="18" name="正方形/長方形 17">
-            <a:extLst>
-              <a:ext uri="{FF2B5EF4-FFF2-40B4-BE49-F238E27FC236}">
-                <a16:creationId xmlns:a16="http://schemas.microsoft.com/office/drawing/2014/main" id="{A427E488-6811-384B-C7EE-DA2E23ACA6CF}"/>
-              </a:ext>
-            </a:extLst>
-          </p:cNvPr>
-          <p:cNvSpPr/>
-          <p:nvPr/>
-        </p:nvSpPr>
-        <p:spPr>
-          <a:xfrm>
-            <a:off x="1154613" y="3451274"/>
-            <a:ext cx="877387" cy="318309"/>
-          </a:xfrm>
-          <a:prstGeom prst="rect">
-            <a:avLst/>
-          </a:prstGeom>
-          <a:solidFill>
-            <a:srgbClr val="FFFF00">
-              <a:alpha val="50000"/>
-            </a:srgbClr>
-          </a:solidFill>
-          <a:ln w="25400">
-            <a:noFill/>
-          </a:ln>
-        </p:spPr>
-        <p:style>
-          <a:lnRef idx="2">
-            <a:schemeClr val="accent1">
-              <a:shade val="50000"/>
-            </a:schemeClr>
-          </a:lnRef>
-          <a:fillRef idx="1">
-            <a:schemeClr val="accent1"/>
-          </a:fillRef>
-          <a:effectRef idx="0">
-            <a:schemeClr val="accent1"/>
-          </a:effectRef>
-          <a:fontRef idx="minor">
-            <a:schemeClr val="lt1"/>
-          </a:fontRef>
-        </p:style>
-        <p:txBody>
-          <a:bodyPr rtlCol="0" anchor="ctr"/>
-          <a:lstStyle/>
-          <a:p>
-            <a:pPr algn="ctr"/>
-            <a:endParaRPr kumimoji="1" lang="ja-JP" altLang="en-US"/>
-          </a:p>
-        </p:txBody>
-      </p:sp>
-      <p:sp>
-        <p:nvSpPr>
-          <p:cNvPr id="19" name="正方形/長方形 18">
-            <a:extLst>
-              <a:ext uri="{FF2B5EF4-FFF2-40B4-BE49-F238E27FC236}">
-                <a16:creationId xmlns:a16="http://schemas.microsoft.com/office/drawing/2014/main" id="{34E2F616-3918-8FC6-39D8-89E6052CC6B7}"/>
-              </a:ext>
-            </a:extLst>
-          </p:cNvPr>
-          <p:cNvSpPr/>
-          <p:nvPr/>
-        </p:nvSpPr>
-        <p:spPr>
-          <a:xfrm>
-            <a:off x="1154613" y="4623806"/>
-            <a:ext cx="877387" cy="318309"/>
-          </a:xfrm>
-          <a:prstGeom prst="rect">
-            <a:avLst/>
-          </a:prstGeom>
-          <a:solidFill>
-            <a:srgbClr val="FFFF00">
-              <a:alpha val="50000"/>
-            </a:srgbClr>
-          </a:solidFill>
-          <a:ln w="25400">
-            <a:noFill/>
-          </a:ln>
-        </p:spPr>
-        <p:style>
-          <a:lnRef idx="2">
-            <a:schemeClr val="accent1">
-              <a:shade val="50000"/>
-            </a:schemeClr>
-          </a:lnRef>
-          <a:fillRef idx="1">
-            <a:schemeClr val="accent1"/>
-          </a:fillRef>
-          <a:effectRef idx="0">
-            <a:schemeClr val="accent1"/>
-          </a:effectRef>
-          <a:fontRef idx="minor">
-            <a:schemeClr val="lt1"/>
-          </a:fontRef>
-        </p:style>
-        <p:txBody>
-          <a:bodyPr rtlCol="0" anchor="ctr"/>
-          <a:lstStyle/>
-          <a:p>
-            <a:pPr algn="ctr"/>
-            <a:endParaRPr kumimoji="1" lang="ja-JP" altLang="en-US"/>
-          </a:p>
-        </p:txBody>
-      </p:sp>
-      <p:sp>
-        <p:nvSpPr>
-          <p:cNvPr id="20" name="正方形/長方形 19">
-            <a:extLst>
-              <a:ext uri="{FF2B5EF4-FFF2-40B4-BE49-F238E27FC236}">
-                <a16:creationId xmlns:a16="http://schemas.microsoft.com/office/drawing/2014/main" id="{F4B4BCB1-8272-79C7-CB66-100A7A5267D8}"/>
-              </a:ext>
-            </a:extLst>
-          </p:cNvPr>
-          <p:cNvSpPr/>
-          <p:nvPr/>
-        </p:nvSpPr>
-        <p:spPr>
-          <a:xfrm>
-            <a:off x="1640120" y="2546699"/>
-            <a:ext cx="742471" cy="507498"/>
-          </a:xfrm>
-          <a:prstGeom prst="rect">
-            <a:avLst/>
-          </a:prstGeom>
-          <a:solidFill>
-            <a:srgbClr val="8EFA00">
-              <a:alpha val="40000"/>
-            </a:srgbClr>
-          </a:solidFill>
-          <a:ln w="25400">
-            <a:noFill/>
-          </a:ln>
-        </p:spPr>
-        <p:style>
-          <a:lnRef idx="2">
-            <a:schemeClr val="accent1">
-              <a:shade val="50000"/>
-            </a:schemeClr>
-          </a:lnRef>
-          <a:fillRef idx="1">
-            <a:schemeClr val="accent1"/>
-          </a:fillRef>
-          <a:effectRef idx="0">
-            <a:schemeClr val="accent1"/>
-          </a:effectRef>
-          <a:fontRef idx="minor">
-            <a:schemeClr val="lt1"/>
-          </a:fontRef>
-        </p:style>
-        <p:txBody>
-          <a:bodyPr rtlCol="0" anchor="ctr"/>
-          <a:lstStyle/>
-          <a:p>
-            <a:pPr algn="ctr"/>
-            <a:endParaRPr kumimoji="1" lang="ja-JP" altLang="en-US"/>
-          </a:p>
-        </p:txBody>
-      </p:sp>
-      <p:sp>
-        <p:nvSpPr>
-          <p:cNvPr id="21" name="正方形/長方形 20">
-            <a:extLst>
-              <a:ext uri="{FF2B5EF4-FFF2-40B4-BE49-F238E27FC236}">
-                <a16:creationId xmlns:a16="http://schemas.microsoft.com/office/drawing/2014/main" id="{70E7047F-8A57-633A-0400-4B91F01E9C0D}"/>
-              </a:ext>
-            </a:extLst>
-          </p:cNvPr>
-          <p:cNvSpPr/>
-          <p:nvPr/>
-        </p:nvSpPr>
-        <p:spPr>
-          <a:xfrm>
-            <a:off x="2487979" y="3889827"/>
-            <a:ext cx="742471" cy="360201"/>
-          </a:xfrm>
-          <a:prstGeom prst="rect">
-            <a:avLst/>
-          </a:prstGeom>
-          <a:solidFill>
-            <a:srgbClr val="8EFA00">
-              <a:alpha val="40000"/>
-            </a:srgbClr>
-          </a:solidFill>
-          <a:ln w="25400">
-            <a:noFill/>
-          </a:ln>
-        </p:spPr>
-        <p:style>
-          <a:lnRef idx="2">
-            <a:schemeClr val="accent1">
-              <a:shade val="50000"/>
-            </a:schemeClr>
-          </a:lnRef>
-          <a:fillRef idx="1">
-            <a:schemeClr val="accent1"/>
-          </a:fillRef>
-          <a:effectRef idx="0">
-            <a:schemeClr val="accent1"/>
-          </a:effectRef>
-          <a:fontRef idx="minor">
-            <a:schemeClr val="lt1"/>
-          </a:fontRef>
-        </p:style>
-        <p:txBody>
-          <a:bodyPr rtlCol="0" anchor="ctr"/>
-          <a:lstStyle/>
-          <a:p>
-            <a:pPr algn="ctr"/>
-            <a:endParaRPr kumimoji="1" lang="ja-JP" altLang="en-US"/>
-          </a:p>
-        </p:txBody>
-      </p:sp>
-      <p:sp>
-        <p:nvSpPr>
-          <p:cNvPr id="22" name="正方形/長方形 21">
-            <a:extLst>
-              <a:ext uri="{FF2B5EF4-FFF2-40B4-BE49-F238E27FC236}">
-                <a16:creationId xmlns:a16="http://schemas.microsoft.com/office/drawing/2014/main" id="{9F9E7116-EF85-F145-68D3-4E40D3BAC6A2}"/>
-              </a:ext>
-            </a:extLst>
-          </p:cNvPr>
-          <p:cNvSpPr/>
-          <p:nvPr/>
-        </p:nvSpPr>
-        <p:spPr>
-          <a:xfrm>
-            <a:off x="2487979" y="4993630"/>
-            <a:ext cx="742471" cy="360201"/>
-          </a:xfrm>
-          <a:prstGeom prst="rect">
-            <a:avLst/>
-          </a:prstGeom>
-          <a:solidFill>
-            <a:srgbClr val="8EFA00">
-              <a:alpha val="40000"/>
-            </a:srgbClr>
-          </a:solidFill>
-          <a:ln w="25400">
-            <a:noFill/>
-          </a:ln>
-        </p:spPr>
-        <p:style>
-          <a:lnRef idx="2">
-            <a:schemeClr val="accent1">
-              <a:shade val="50000"/>
-            </a:schemeClr>
-          </a:lnRef>
-          <a:fillRef idx="1">
-            <a:schemeClr val="accent1"/>
-          </a:fillRef>
-          <a:effectRef idx="0">
-            <a:schemeClr val="accent1"/>
-          </a:effectRef>
-          <a:fontRef idx="minor">
-            <a:schemeClr val="lt1"/>
-          </a:fontRef>
-        </p:style>
-        <p:txBody>
-          <a:bodyPr rtlCol="0" anchor="ctr"/>
-          <a:lstStyle/>
-          <a:p>
-            <a:pPr algn="ctr"/>
-            <a:endParaRPr kumimoji="1" lang="ja-JP" altLang="en-US"/>
           </a:p>
         </p:txBody>
       </p:sp>
     </p:spTree>
     <p:extLst>
       <p:ext uri="{BB962C8B-B14F-4D97-AF65-F5344CB8AC3E}">
-        <p14:creationId xmlns:p14="http://schemas.microsoft.com/office/powerpoint/2010/main" val="4292414133"/>
+        <p14:creationId xmlns:p14="http://schemas.microsoft.com/office/powerpoint/2010/main" val="1636918500"/>
       </p:ext>
     </p:extLst>
   </p:cSld>
